--- a/solutions/azure/cloud/enterprise-landing-zone/presales/solution-briefing.pptx
+++ b/solutions/azure/cloud/enterprise-landing-zone/presales/solution-briefing.pptx
@@ -18,16 +18,6 @@
     <p:sldId id="263" r:id="rId14"/>
     <p:sldId id="264" r:id="rId15"/>
     <p:sldId id="265" r:id="rId16"/>
-    <p:sldId id="266" r:id="rId17"/>
-    <p:sldId id="267" r:id="rId18"/>
-    <p:sldId id="268" r:id="rId19"/>
-    <p:sldId id="269" r:id="rId20"/>
-    <p:sldId id="270" r:id="rId21"/>
-    <p:sldId id="271" r:id="rId22"/>
-    <p:sldId id="272" r:id="rId23"/>
-    <p:sldId id="273" r:id="rId24"/>
-    <p:sldId id="274" r:id="rId25"/>
-    <p:sldId id="275" r:id="rId26"/>
   </p:sldIdLst>
   <p:sldSz cx="9144000" cy="5143500" type="screen16x9"/>
   <p:notesSz cx="5143500" cy="9144000"/>
@@ -3292,6 +3282,150 @@
         <p:nvPr/>
       </p:nvGrpSpPr>
       <p:grpSpPr/>
+      <p:pic>
+        <p:nvPicPr>
+          <p:cNvPr id="2" name="Picture Placeholder 1" descr="client_logo.png"/>
+          <p:cNvPicPr>
+            <a:picLocks noGrp="1" noChangeAspect="1"/>
+          </p:cNvPicPr>
+          <p:nvPr>
+            <p:ph type="pic" idx="10" sz="quarter"/>
+          </p:nvPr>
+        </p:nvPicPr>
+        <p:blipFill>
+          <a:blip r:embed="rId2"/>
+          <a:srcRect t="433" b="433"/>
+          <a:stretch>
+            <a:fillRect/>
+          </a:stretch>
+        </p:blipFill>
+        <p:spPr/>
+      </p:pic>
+      <p:sp>
+        <p:nvSpPr>
+          <p:cNvPr id="3" name="Text Placeholder 2"/>
+          <p:cNvSpPr>
+            <a:spLocks noGrp="1"/>
+          </p:cNvSpPr>
+          <p:nvPr>
+            <p:ph type="body" idx="12" sz="quarter"/>
+          </p:nvPr>
+        </p:nvSpPr>
+        <p:spPr/>
+        <p:txBody>
+          <a:bodyPr/>
+          <a:lstStyle/>
+          <a:p>
+            <a:r>
+              <a:t>Thank You</a:t>
+            </a:r>
+          </a:p>
+        </p:txBody>
+      </p:sp>
+      <p:pic>
+        <p:nvPicPr>
+          <p:cNvPr id="4" name="Picture Placeholder 3" descr="consulting_company_logo.png"/>
+          <p:cNvPicPr>
+            <a:picLocks noGrp="1" noChangeAspect="1"/>
+          </p:cNvPicPr>
+          <p:nvPr>
+            <p:ph type="pic" idx="13" sz="quarter"/>
+          </p:nvPr>
+        </p:nvPicPr>
+        <p:blipFill>
+          <a:blip r:embed="rId3"/>
+          <a:srcRect t="7166" b="7166"/>
+          <a:stretch>
+            <a:fillRect/>
+          </a:stretch>
+        </p:blipFill>
+        <p:spPr/>
+      </p:pic>
+      <p:sp>
+        <p:nvSpPr>
+          <p:cNvPr id="5" name="Text Placeholder 4"/>
+          <p:cNvSpPr>
+            <a:spLocks noGrp="1"/>
+          </p:cNvSpPr>
+          <p:nvPr>
+            <p:ph type="body" idx="14" sz="quarter"/>
+          </p:nvPr>
+        </p:nvSpPr>
+        <p:spPr/>
+        <p:txBody>
+          <a:bodyPr/>
+          <a:lstStyle/>
+          <a:p/>
+        </p:txBody>
+      </p:sp>
+      <p:sp>
+        <p:nvSpPr>
+          <p:cNvPr id="6" name="Text Placeholder 5"/>
+          <p:cNvSpPr>
+            <a:spLocks noGrp="1"/>
+          </p:cNvSpPr>
+          <p:nvPr>
+            <p:ph type="body" idx="15" sz="quarter"/>
+          </p:nvPr>
+        </p:nvSpPr>
+        <p:spPr/>
+        <p:txBody>
+          <a:bodyPr/>
+          <a:lstStyle/>
+          <a:p>
+            <a:pPr/>
+            <a:r>
+              <a:rPr b="1"/>
+              <a:t>Your Account Manager:</a:t>
+            </a:r>
+            <a:r>
+              <a:t> [Name, Title] | [Email] | [Phone]</a:t>
+            </a:r>
+          </a:p>
+        </p:txBody>
+      </p:sp>
+      <p:pic>
+        <p:nvPicPr>
+          <p:cNvPr id="7" name="Picture 6" descr="eo-framework-logo-real.png"/>
+          <p:cNvPicPr>
+            <a:picLocks noChangeAspect="1"/>
+          </p:cNvPicPr>
+          <p:nvPr/>
+        </p:nvPicPr>
+        <p:blipFill>
+          <a:blip r:embed="rId4"/>
+          <a:stretch>
+            <a:fillRect/>
+          </a:stretch>
+        </p:blipFill>
+        <p:spPr>
+          <a:xfrm>
+            <a:off x="6684264" y="4535424"/>
+            <a:ext cx="2139696" cy="530352"/>
+          </a:xfrm>
+          <a:prstGeom prst="rect">
+            <a:avLst/>
+          </a:prstGeom>
+        </p:spPr>
+      </p:pic>
+    </p:spTree>
+  </p:cSld>
+  <p:clrMapOvr>
+    <a:masterClrMapping/>
+  </p:clrMapOvr>
+</p:sld>
+</file>
+
+<file path=ppt/slides/slide2.xml><?xml version="1.0" encoding="utf-8"?>
+<p:sld xmlns:a="http://schemas.openxmlformats.org/drawingml/2006/main" xmlns:p="http://schemas.openxmlformats.org/presentationml/2006/main" xmlns:r="http://schemas.openxmlformats.org/officeDocument/2006/relationships">
+  <p:cSld>
+    <p:spTree>
+      <p:nvGrpSpPr>
+        <p:cNvPr id="1" name=""/>
+        <p:cNvGrpSpPr/>
+        <p:nvPr/>
+      </p:nvGrpSpPr>
+      <p:grpSpPr/>
       <p:sp>
         <p:nvSpPr>
           <p:cNvPr id="2" name="Text Placeholder 1"/>
@@ -3308,7 +3442,332 @@
           <a:lstStyle/>
           <a:p>
             <a:r>
-              <a:t>Connectivity</a:t>
+              <a:t>Business Opportunity</a:t>
+            </a:r>
+          </a:p>
+        </p:txBody>
+      </p:sp>
+      <p:pic>
+        <p:nvPicPr>
+          <p:cNvPr id="3" name="Picture Placeholder 2" descr="consulting_company_logo.png"/>
+          <p:cNvPicPr>
+            <a:picLocks noGrp="1" noChangeAspect="1"/>
+          </p:cNvPicPr>
+          <p:nvPr>
+            <p:ph type="pic" idx="14" sz="quarter"/>
+          </p:nvPr>
+        </p:nvPicPr>
+        <p:blipFill>
+          <a:blip r:embed="rId2"/>
+          <a:srcRect t="6314" b="6314"/>
+          <a:stretch>
+            <a:fillRect/>
+          </a:stretch>
+        </p:blipFill>
+        <p:spPr/>
+      </p:pic>
+      <p:sp>
+        <p:nvSpPr>
+          <p:cNvPr id="4" name="Text Placeholder 3"/>
+          <p:cNvSpPr>
+            <a:spLocks noGrp="1"/>
+          </p:cNvSpPr>
+          <p:nvPr>
+            <p:ph type="body" idx="16" sz="quarter"/>
+          </p:nvPr>
+        </p:nvSpPr>
+        <p:spPr/>
+        <p:txBody>
+          <a:bodyPr/>
+          <a:lstStyle/>
+          <a:p>
+            <a:pPr/>
+            <a:r>
+              <a:rPr b="1"/>
+              <a:t>Opportunity</a:t>
+            </a:r>
+          </a:p>
+          <a:p>
+            <a:pPr lvl="1"/>
+            <a:r>
+              <a:t>Accelerate cloud adoption - teams can deploy workloads in days, not months, with pre-configured secure environments</a:t>
+            </a:r>
+          </a:p>
+          <a:p>
+            <a:pPr lvl="1"/>
+            <a:r>
+              <a:t>Establish centralized governance supporting multiple teams while maintaining security controls and cost management</a:t>
+            </a:r>
+          </a:p>
+          <a:p>
+            <a:pPr lvl="1"/>
+            <a:r>
+              <a:t>Enable scalability from 10 to 1000+ subscriptions without architectural redesign</a:t>
+            </a:r>
+          </a:p>
+        </p:txBody>
+      </p:sp>
+      <p:sp>
+        <p:nvSpPr>
+          <p:cNvPr id="5" name="Text Placeholder 4"/>
+          <p:cNvSpPr>
+            <a:spLocks noGrp="1"/>
+          </p:cNvSpPr>
+          <p:nvPr>
+            <p:ph type="body" idx="17" sz="quarter"/>
+          </p:nvPr>
+        </p:nvSpPr>
+        <p:spPr/>
+        <p:txBody>
+          <a:bodyPr/>
+          <a:lstStyle/>
+          <a:p>
+            <a:pPr/>
+            <a:r>
+              <a:rPr b="1"/>
+              <a:t>Success Criteria</a:t>
+            </a:r>
+          </a:p>
+          <a:p>
+            <a:pPr lvl="1"/>
+            <a:r>
+              <a:t>95% faster provisioning - environment deployment reduced from 6 weeks to 2 days</a:t>
+            </a:r>
+          </a:p>
+          <a:p>
+            <a:pPr lvl="1"/>
+            <a:r>
+              <a:t>60% security improvement through automated compliance with 200+ Azure Policy rules</a:t>
+            </a:r>
+          </a:p>
+          <a:p>
+            <a:pPr lvl="1"/>
+            <a:r>
+              <a:t>35% reduction in operational overhead through standardized architecture</a:t>
+            </a:r>
+          </a:p>
+        </p:txBody>
+      </p:sp>
+      <p:pic>
+        <p:nvPicPr>
+          <p:cNvPr id="6" name="Picture 5" descr="eo-framework-logo-real.png"/>
+          <p:cNvPicPr>
+            <a:picLocks noChangeAspect="1"/>
+          </p:cNvPicPr>
+          <p:nvPr/>
+        </p:nvPicPr>
+        <p:blipFill>
+          <a:blip r:embed="rId3"/>
+          <a:stretch>
+            <a:fillRect/>
+          </a:stretch>
+        </p:blipFill>
+        <p:spPr>
+          <a:xfrm>
+            <a:off x="6684264" y="4535424"/>
+            <a:ext cx="2139696" cy="530352"/>
+          </a:xfrm>
+          <a:prstGeom prst="rect">
+            <a:avLst/>
+          </a:prstGeom>
+        </p:spPr>
+      </p:pic>
+    </p:spTree>
+  </p:cSld>
+  <p:clrMapOvr>
+    <a:masterClrMapping/>
+  </p:clrMapOvr>
+</p:sld>
+</file>
+
+<file path=ppt/slides/slide3.xml><?xml version="1.0" encoding="utf-8"?>
+<p:sld xmlns:a="http://schemas.openxmlformats.org/drawingml/2006/main" xmlns:p="http://schemas.openxmlformats.org/presentationml/2006/main" xmlns:r="http://schemas.openxmlformats.org/officeDocument/2006/relationships">
+  <p:cSld>
+    <p:spTree>
+      <p:nvGrpSpPr>
+        <p:cNvPr id="1" name=""/>
+        <p:cNvGrpSpPr/>
+        <p:nvPr/>
+      </p:nvGrpSpPr>
+      <p:grpSpPr/>
+      <p:sp>
+        <p:nvSpPr>
+          <p:cNvPr id="2" name="Text Placeholder 1"/>
+          <p:cNvSpPr>
+            <a:spLocks noGrp="1"/>
+          </p:cNvSpPr>
+          <p:nvPr>
+            <p:ph type="body" idx="10" sz="quarter"/>
+          </p:nvPr>
+        </p:nvSpPr>
+        <p:spPr/>
+        <p:txBody>
+          <a:bodyPr/>
+          <a:lstStyle/>
+          <a:p>
+            <a:r>
+              <a:t>Solution Overview</a:t>
+            </a:r>
+          </a:p>
+        </p:txBody>
+      </p:sp>
+      <p:pic>
+        <p:nvPicPr>
+          <p:cNvPr id="3" name="Picture Placeholder 2" descr="consulting_company_logo.png"/>
+          <p:cNvPicPr>
+            <a:picLocks noGrp="1" noChangeAspect="1"/>
+          </p:cNvPicPr>
+          <p:nvPr>
+            <p:ph type="pic" idx="14" sz="quarter"/>
+          </p:nvPr>
+        </p:nvPicPr>
+        <p:blipFill>
+          <a:blip r:embed="rId2"/>
+          <a:srcRect t="6494" b="6494"/>
+          <a:stretch>
+            <a:fillRect/>
+          </a:stretch>
+        </p:blipFill>
+        <p:spPr/>
+      </p:pic>
+      <p:sp>
+        <p:nvSpPr>
+          <p:cNvPr id="4" name="Picture Placeholder 3"/>
+          <p:cNvSpPr>
+            <a:spLocks noGrp="1"/>
+          </p:cNvSpPr>
+          <p:nvPr>
+            <p:ph type="pic" idx="15" sz="quarter"/>
+          </p:nvPr>
+        </p:nvSpPr>
+        <p:spPr/>
+      </p:sp>
+      <p:sp>
+        <p:nvSpPr>
+          <p:cNvPr id="5" name="Text Placeholder 4"/>
+          <p:cNvSpPr>
+            <a:spLocks noGrp="1"/>
+          </p:cNvSpPr>
+          <p:nvPr>
+            <p:ph type="body" idx="16" sz="quarter"/>
+          </p:nvPr>
+        </p:nvSpPr>
+        <p:spPr/>
+        <p:txBody>
+          <a:bodyPr/>
+          <a:lstStyle/>
+          <a:p>
+            <a:pPr/>
+            <a:r>
+              <a:rPr b="1"/>
+              <a:t>Platform Foundation</a:t>
+            </a:r>
+          </a:p>
+          <a:p>
+            <a:pPr lvl="1"/>
+            <a:r>
+              <a:t>Management group hierarchy with Azure Policy for centralized governance and compliance</a:t>
+            </a:r>
+          </a:p>
+          <a:p>
+            <a:pPr lvl="1"/>
+            <a:r>
+              <a:t>Hub-spoke network topology with Azure Virtual WAN and Azure Firewall for secure connectivity</a:t>
+            </a:r>
+          </a:p>
+          <a:p>
+            <a:pPr/>
+            <a:r>
+              <a:rPr b="1"/>
+              <a:t>Security &amp; Compliance</a:t>
+            </a:r>
+          </a:p>
+          <a:p>
+            <a:pPr lvl="1"/>
+            <a:r>
+              <a:t>Azure Sentinel SIEM/SOAR integration with Microsoft Defender for Cloud for threat protection</a:t>
+            </a:r>
+          </a:p>
+          <a:p>
+            <a:pPr lvl="1"/>
+            <a:r>
+              <a:t>Identity management with Azure AD Conditional Access and RBAC for zero-trust security</a:t>
+            </a:r>
+          </a:p>
+          <a:p>
+            <a:pPr/>
+            <a:r>
+              <a:rPr b="1"/>
+              <a:t>Automated Subscription Vending</a:t>
+            </a:r>
+          </a:p>
+          <a:p>
+            <a:pPr lvl="1"/>
+            <a:r>
+              <a:t>Pre-configured policies, networking, and security baselines for rapid deployment</a:t>
+            </a:r>
+          </a:p>
+        </p:txBody>
+      </p:sp>
+      <p:pic>
+        <p:nvPicPr>
+          <p:cNvPr id="6" name="Picture 5" descr="architecture-diagram.png"/>
+          <p:cNvPicPr>
+            <a:picLocks noChangeAspect="1"/>
+          </p:cNvPicPr>
+          <p:nvPr/>
+        </p:nvPicPr>
+        <p:blipFill>
+          <a:blip r:embed="rId4"/>
+          <a:stretch>
+            <a:fillRect/>
+          </a:stretch>
+        </p:blipFill>
+        <p:spPr>
+          <a:xfrm>
+            <a:off x="5144705" y="685799"/>
+            <a:ext cx="3372615" cy="3815859"/>
+          </a:xfrm>
+          <a:prstGeom prst="rect">
+            <a:avLst/>
+          </a:prstGeom>
+        </p:spPr>
+      </p:pic>
+    </p:spTree>
+  </p:cSld>
+  <p:clrMapOvr>
+    <a:masterClrMapping/>
+  </p:clrMapOvr>
+</p:sld>
+</file>
+
+<file path=ppt/slides/slide4.xml><?xml version="1.0" encoding="utf-8"?>
+<p:sld xmlns:a="http://schemas.openxmlformats.org/drawingml/2006/main" xmlns:p="http://schemas.openxmlformats.org/presentationml/2006/main" xmlns:r="http://schemas.openxmlformats.org/officeDocument/2006/relationships">
+  <p:cSld>
+    <p:spTree>
+      <p:nvGrpSpPr>
+        <p:cNvPr id="1" name=""/>
+        <p:cNvGrpSpPr/>
+        <p:nvPr/>
+      </p:nvGrpSpPr>
+      <p:grpSpPr/>
+      <p:sp>
+        <p:nvSpPr>
+          <p:cNvPr id="2" name="Text Placeholder 1"/>
+          <p:cNvSpPr>
+            <a:spLocks noGrp="1"/>
+          </p:cNvSpPr>
+          <p:nvPr>
+            <p:ph type="body" idx="10" sz="quarter"/>
+          </p:nvPr>
+        </p:nvSpPr>
+        <p:spPr/>
+        <p:txBody>
+          <a:bodyPr/>
+          <a:lstStyle/>
+          <a:p>
+            <a:r>
+              <a:t>Implementation Approach</a:t>
             </a:r>
           </a:p>
         </p:txBody>
@@ -3350,30 +3809,75 @@
             <a:pPr/>
             <a:r>
               <a:rPr b="1"/>
-              <a:t>Azure Virtual WAN</a:t>
-            </a:r>
-            <a:r>
-              <a:t>: Global network backbone for site-to-site VPN and ExpressRoute connectivity</a:t>
+              <a:t>Phase 1: Foundation (Weeks 1-4)</a:t>
+            </a:r>
+          </a:p>
+          <a:p>
+            <a:pPr lvl="1"/>
+            <a:r>
+              <a:t>Management group structure and Azure Policy framework setup</a:t>
+            </a:r>
+          </a:p>
+          <a:p>
+            <a:pPr lvl="1"/>
+            <a:r>
+              <a:t>Hub network deployment with Azure Virtual WAN and Azure Firewall</a:t>
+            </a:r>
+          </a:p>
+          <a:p>
+            <a:pPr lvl="1"/>
+            <a:r>
+              <a:t>Azure AD integration with Conditional Access and RBAC design</a:t>
             </a:r>
           </a:p>
           <a:p>
             <a:pPr/>
             <a:r>
               <a:rPr b="1"/>
-              <a:t>Azure Firewall</a:t>
-            </a:r>
-            <a:r>
-              <a:t>: Premium tier with TLS inspection, IDPS, and URL filtering for network security</a:t>
+              <a:t>Phase 2: Security &amp; Compliance (Weeks 5-8)</a:t>
+            </a:r>
+          </a:p>
+          <a:p>
+            <a:pPr lvl="1"/>
+            <a:r>
+              <a:t>Microsoft Defender for Cloud enablement across all subscriptions</a:t>
+            </a:r>
+          </a:p>
+          <a:p>
+            <a:pPr lvl="1"/>
+            <a:r>
+              <a:t>Azure Sentinel deployment with security playbooks</a:t>
+            </a:r>
+          </a:p>
+          <a:p>
+            <a:pPr lvl="1"/>
+            <a:r>
+              <a:t>Azure Policy compliance enforcement with custom organizational policies</a:t>
             </a:r>
           </a:p>
           <a:p>
             <a:pPr/>
             <a:r>
               <a:rPr b="1"/>
-              <a:t>Private Endpoints</a:t>
-            </a:r>
-            <a:r>
-              <a:t>: Secure connectivity to Azure PaaS services without public internet exposure</a:t>
+              <a:t>Phase 3: Landing Zones (Weeks 9-12)</a:t>
+            </a:r>
+          </a:p>
+          <a:p>
+            <a:pPr lvl="1"/>
+            <a:r>
+              <a:t>Subscription vending process with automated provisioning workflows</a:t>
+            </a:r>
+          </a:p>
+          <a:p>
+            <a:pPr lvl="1"/>
+            <a:r>
+              <a:t>Spoke network deployment with NSGs and route tables</a:t>
+            </a:r>
+          </a:p>
+          <a:p>
+            <a:pPr lvl="1"/>
+            <a:r>
+              <a:t>Application landing zone templates for common workload patterns</a:t>
             </a:r>
           </a:p>
         </p:txBody>
@@ -3410,7 +3914,7 @@
 </p:sld>
 </file>
 
-<file path=ppt/slides/slide11.xml><?xml version="1.0" encoding="utf-8"?>
+<file path=ppt/slides/slide5.xml><?xml version="1.0" encoding="utf-8"?>
 <p:sld xmlns:a="http://schemas.openxmlformats.org/drawingml/2006/main" xmlns:p="http://schemas.openxmlformats.org/presentationml/2006/main" xmlns:r="http://schemas.openxmlformats.org/officeDocument/2006/relationships">
   <p:cSld>
     <p:spTree>
@@ -3435,8 +3939,10 @@
           <a:bodyPr/>
           <a:lstStyle/>
           <a:p>
-            <a:r>
-              <a:t>Phase 1: Foundation (Weeks 1-4)</a:t>
+            <a:pPr algn="l"/>
+            <a:r>
+              <a:rPr b="1"/>
+              <a:t>Timeline &amp; Milestones</a:t>
             </a:r>
           </a:p>
         </p:txBody>
@@ -3453,53 +3959,339 @@
         </p:nvPicPr>
         <p:blipFill>
           <a:blip r:embed="rId2"/>
-          <a:srcRect t="6762" b="6762"/>
+          <a:srcRect t="6404" b="6404"/>
           <a:stretch>
             <a:fillRect/>
           </a:stretch>
         </p:blipFill>
         <p:spPr/>
       </p:pic>
-      <p:sp>
-        <p:nvSpPr>
-          <p:cNvPr id="4" name="Text Placeholder 3"/>
-          <p:cNvSpPr>
-            <a:spLocks noGrp="1"/>
-          </p:cNvSpPr>
-          <p:nvPr>
-            <p:ph type="body" idx="14" sz="quarter"/>
-          </p:nvPr>
-        </p:nvSpPr>
-        <p:spPr/>
-        <p:txBody>
-          <a:bodyPr/>
-          <a:lstStyle/>
-          <a:p>
-            <a:pPr/>
-            <a:r>
-              <a:t>Management group structure and Azure Policy framework setup</a:t>
-            </a:r>
-          </a:p>
-          <a:p>
-            <a:pPr/>
-            <a:r>
-              <a:t>Hub network deployment with Azure Virtual WAN and Azure Firewall</a:t>
-            </a:r>
-          </a:p>
-          <a:p>
-            <a:pPr/>
-            <a:r>
-              <a:t>Azure AD integration with Conditional Access and RBAC design</a:t>
-            </a:r>
-          </a:p>
-          <a:p>
-            <a:pPr/>
-            <a:r>
-              <a:t>Centralized logging with Log Analytics Workspace and Azure Monitor</a:t>
-            </a:r>
-          </a:p>
-        </p:txBody>
-      </p:sp>
+      <p:graphicFrame>
+        <p:nvGraphicFramePr>
+          <p:cNvPr id="4" name="Table Placeholder 3"/>
+          <p:cNvGraphicFramePr>
+            <a:graphicFrameLocks noGrp="1"/>
+          </p:cNvGraphicFramePr>
+          <p:nvPr>
+            <p:ph type="tbl" idx="14" sz="quarter"/>
+          </p:nvPr>
+        </p:nvGraphicFramePr>
+        <p:xfrm>
+          <a:off x="256855" y="677011"/>
+          <a:ext cx="8710930" cy="1483360"/>
+        </p:xfrm>
+        <a:graphic>
+          <a:graphicData uri="http://schemas.openxmlformats.org/drawingml/2006/table">
+            <a:tbl>
+              <a:tblPr firstRow="1" bandRow="1">
+                <a:tableStyleId>{5C22544A-7EE6-4342-B048-85BDC9FD1C3A}</a:tableStyleId>
+              </a:tblPr>
+              <a:tblGrid>
+                <a:gridCol w="1045311"/>
+                <a:gridCol w="2177733"/>
+                <a:gridCol w="1045311"/>
+                <a:gridCol w="4442575"/>
+              </a:tblGrid>
+              <a:tr h="370840">
+                <a:tc>
+                  <a:txBody>
+                    <a:bodyPr/>
+                    <a:lstStyle/>
+                    <a:p>
+                      <a:r>
+                        <a:rPr sz="1400">
+                          <a:solidFill>
+                            <a:srgbClr val="FFFFFF"/>
+                          </a:solidFill>
+                        </a:rPr>
+                        <a:t>Phase No</a:t>
+                      </a:r>
+                    </a:p>
+                  </a:txBody>
+                  <a:tcPr>
+                    <a:solidFill>
+                      <a:srgbClr val="A01C02"/>
+                    </a:solidFill>
+                  </a:tcPr>
+                </a:tc>
+                <a:tc>
+                  <a:txBody>
+                    <a:bodyPr/>
+                    <a:lstStyle/>
+                    <a:p>
+                      <a:r>
+                        <a:rPr sz="1400">
+                          <a:solidFill>
+                            <a:srgbClr val="FFFFFF"/>
+                          </a:solidFill>
+                        </a:rPr>
+                        <a:t>Phase Description</a:t>
+                      </a:r>
+                    </a:p>
+                  </a:txBody>
+                  <a:tcPr>
+                    <a:solidFill>
+                      <a:srgbClr val="A01C02"/>
+                    </a:solidFill>
+                  </a:tcPr>
+                </a:tc>
+                <a:tc>
+                  <a:txBody>
+                    <a:bodyPr/>
+                    <a:lstStyle/>
+                    <a:p>
+                      <a:r>
+                        <a:rPr sz="1400">
+                          <a:solidFill>
+                            <a:srgbClr val="FFFFFF"/>
+                          </a:solidFill>
+                        </a:rPr>
+                        <a:t>Timeline</a:t>
+                      </a:r>
+                    </a:p>
+                  </a:txBody>
+                  <a:tcPr>
+                    <a:solidFill>
+                      <a:srgbClr val="A01C02"/>
+                    </a:solidFill>
+                  </a:tcPr>
+                </a:tc>
+                <a:tc>
+                  <a:txBody>
+                    <a:bodyPr/>
+                    <a:lstStyle/>
+                    <a:p>
+                      <a:r>
+                        <a:rPr sz="1400">
+                          <a:solidFill>
+                            <a:srgbClr val="FFFFFF"/>
+                          </a:solidFill>
+                        </a:rPr>
+                        <a:t>Key Deliverables</a:t>
+                      </a:r>
+                    </a:p>
+                  </a:txBody>
+                  <a:tcPr>
+                    <a:solidFill>
+                      <a:srgbClr val="A01C02"/>
+                    </a:solidFill>
+                  </a:tcPr>
+                </a:tc>
+              </a:tr>
+              <a:tr h="370840">
+                <a:tc>
+                  <a:txBody>
+                    <a:bodyPr/>
+                    <a:lstStyle/>
+                    <a:p>
+                      <a:r>
+                        <a:rPr sz="1100"/>
+                        <a:t>Phase 1</a:t>
+                      </a:r>
+                    </a:p>
+                  </a:txBody>
+                  <a:tcPr>
+                    <a:solidFill>
+                      <a:srgbClr val="E7E6E6"/>
+                    </a:solidFill>
+                  </a:tcPr>
+                </a:tc>
+                <a:tc>
+                  <a:txBody>
+                    <a:bodyPr/>
+                    <a:lstStyle/>
+                    <a:p>
+                      <a:r>
+                        <a:rPr sz="1100"/>
+                        <a:t>Foundation &amp; Planning</a:t>
+                      </a:r>
+                    </a:p>
+                  </a:txBody>
+                  <a:tcPr>
+                    <a:solidFill>
+                      <a:srgbClr val="E7E6E6"/>
+                    </a:solidFill>
+                  </a:tcPr>
+                </a:tc>
+                <a:tc>
+                  <a:txBody>
+                    <a:bodyPr/>
+                    <a:lstStyle/>
+                    <a:p>
+                      <a:r>
+                        <a:rPr sz="1100"/>
+                        <a:t>Weeks 1-4</a:t>
+                      </a:r>
+                    </a:p>
+                  </a:txBody>
+                  <a:tcPr>
+                    <a:solidFill>
+                      <a:srgbClr val="E7E6E6"/>
+                    </a:solidFill>
+                  </a:tcPr>
+                </a:tc>
+                <a:tc>
+                  <a:txBody>
+                    <a:bodyPr/>
+                    <a:lstStyle/>
+                    <a:p>
+                      <a:r>
+                        <a:rPr sz="1100"/>
+                        <a:t>Management groups configured, Hub network operational, Azure AD integrated</a:t>
+                      </a:r>
+                    </a:p>
+                  </a:txBody>
+                  <a:tcPr>
+                    <a:solidFill>
+                      <a:srgbClr val="E7E6E6"/>
+                    </a:solidFill>
+                  </a:tcPr>
+                </a:tc>
+              </a:tr>
+              <a:tr h="370840">
+                <a:tc>
+                  <a:txBody>
+                    <a:bodyPr/>
+                    <a:lstStyle/>
+                    <a:p>
+                      <a:r>
+                        <a:rPr sz="1100"/>
+                        <a:t>Phase 2</a:t>
+                      </a:r>
+                    </a:p>
+                  </a:txBody>
+                  <a:tcPr>
+                    <a:solidFill>
+                      <a:srgbClr val="E7E6E6"/>
+                    </a:solidFill>
+                  </a:tcPr>
+                </a:tc>
+                <a:tc>
+                  <a:txBody>
+                    <a:bodyPr/>
+                    <a:lstStyle/>
+                    <a:p>
+                      <a:r>
+                        <a:rPr sz="1100"/>
+                        <a:t>Security &amp; Compliance</a:t>
+                      </a:r>
+                    </a:p>
+                  </a:txBody>
+                  <a:tcPr>
+                    <a:solidFill>
+                      <a:srgbClr val="E7E6E6"/>
+                    </a:solidFill>
+                  </a:tcPr>
+                </a:tc>
+                <a:tc>
+                  <a:txBody>
+                    <a:bodyPr/>
+                    <a:lstStyle/>
+                    <a:p>
+                      <a:r>
+                        <a:rPr sz="1100"/>
+                        <a:t>Weeks 5-8</a:t>
+                      </a:r>
+                    </a:p>
+                  </a:txBody>
+                  <a:tcPr>
+                    <a:solidFill>
+                      <a:srgbClr val="E7E6E6"/>
+                    </a:solidFill>
+                  </a:tcPr>
+                </a:tc>
+                <a:tc>
+                  <a:txBody>
+                    <a:bodyPr/>
+                    <a:lstStyle/>
+                    <a:p>
+                      <a:r>
+                        <a:rPr sz="1100"/>
+                        <a:t>Defender enabled, Sentinel deployed, Policy enforcement active</a:t>
+                      </a:r>
+                    </a:p>
+                  </a:txBody>
+                  <a:tcPr>
+                    <a:solidFill>
+                      <a:srgbClr val="E7E6E6"/>
+                    </a:solidFill>
+                  </a:tcPr>
+                </a:tc>
+              </a:tr>
+              <a:tr h="370840">
+                <a:tc>
+                  <a:txBody>
+                    <a:bodyPr/>
+                    <a:lstStyle/>
+                    <a:p>
+                      <a:r>
+                        <a:rPr sz="1100"/>
+                        <a:t>Phase 3</a:t>
+                      </a:r>
+                    </a:p>
+                  </a:txBody>
+                  <a:tcPr>
+                    <a:solidFill>
+                      <a:srgbClr val="E7E6E6"/>
+                    </a:solidFill>
+                  </a:tcPr>
+                </a:tc>
+                <a:tc>
+                  <a:txBody>
+                    <a:bodyPr/>
+                    <a:lstStyle/>
+                    <a:p>
+                      <a:r>
+                        <a:rPr sz="1100"/>
+                        <a:t>Landing Zones</a:t>
+                      </a:r>
+                    </a:p>
+                  </a:txBody>
+                  <a:tcPr>
+                    <a:solidFill>
+                      <a:srgbClr val="E7E6E6"/>
+                    </a:solidFill>
+                  </a:tcPr>
+                </a:tc>
+                <a:tc>
+                  <a:txBody>
+                    <a:bodyPr/>
+                    <a:lstStyle/>
+                    <a:p>
+                      <a:r>
+                        <a:rPr sz="1100"/>
+                        <a:t>Weeks 9-12</a:t>
+                      </a:r>
+                    </a:p>
+                  </a:txBody>
+                  <a:tcPr>
+                    <a:solidFill>
+                      <a:srgbClr val="E7E6E6"/>
+                    </a:solidFill>
+                  </a:tcPr>
+                </a:tc>
+                <a:tc>
+                  <a:txBody>
+                    <a:bodyPr/>
+                    <a:lstStyle/>
+                    <a:p>
+                      <a:r>
+                        <a:rPr sz="1100"/>
+                        <a:t>Subscription vending operational, Spoke networks deployed, Self-service enabled</a:t>
+                      </a:r>
+                    </a:p>
+                  </a:txBody>
+                  <a:tcPr>
+                    <a:solidFill>
+                      <a:srgbClr val="E7E6E6"/>
+                    </a:solidFill>
+                  </a:tcPr>
+                </a:tc>
+              </a:tr>
+            </a:tbl>
+          </a:graphicData>
+        </a:graphic>
+      </p:graphicFrame>
       <p:pic>
         <p:nvPicPr>
           <p:cNvPr id="5" name="Picture 4" descr="eo-framework-logo-real.png"/>
@@ -3532,7 +4324,7 @@
 </p:sld>
 </file>
 
-<file path=ppt/slides/slide12.xml><?xml version="1.0" encoding="utf-8"?>
+<file path=ppt/slides/slide6.xml><?xml version="1.0" encoding="utf-8"?>
 <p:sld xmlns:a="http://schemas.openxmlformats.org/drawingml/2006/main" xmlns:p="http://schemas.openxmlformats.org/presentationml/2006/main" xmlns:r="http://schemas.openxmlformats.org/officeDocument/2006/relationships">
   <p:cSld>
     <p:spTree>
@@ -3558,7 +4350,7 @@
           <a:lstStyle/>
           <a:p>
             <a:r>
-              <a:t>Phase 2: Security &amp; Compliance (Weeks 5-8)</a:t>
+              <a:t>Success Stories</a:t>
             </a:r>
           </a:p>
         </p:txBody>
@@ -3599,25 +4391,48 @@
           <a:p>
             <a:pPr/>
             <a:r>
-              <a:t>Microsoft Defender for Cloud enablement across all subscriptions</a:t>
-            </a:r>
-          </a:p>
-          <a:p>
-            <a:pPr/>
-            <a:r>
-              <a:t>Azure Sentinel deployment with security playbooks and threat detection rules</a:t>
-            </a:r>
-          </a:p>
-          <a:p>
-            <a:pPr/>
-            <a:r>
-              <a:t>Azure Policy compliance enforcement with custom policies for organizational requirements</a:t>
-            </a:r>
-          </a:p>
-          <a:p>
-            <a:pPr/>
-            <a:r>
-              <a:t>DDoS Protection and Azure Bastion for secure access</a:t>
+              <a:rPr b="1"/>
+              <a:t>Global Financial Services Firm</a:t>
+            </a:r>
+          </a:p>
+          <a:p>
+            <a:pPr lvl="1"/>
+            <a:r>
+              <a:rPr b="1"/>
+              <a:t>Challenge:</a:t>
+            </a:r>
+            <a:r>
+              <a:t> Legacy data center with complex compliance (SOC 2, PCI-DSS), slow 6-8 week provisioning</a:t>
+            </a:r>
+          </a:p>
+          <a:p>
+            <a:pPr lvl="1"/>
+            <a:r>
+              <a:rPr b="1"/>
+              <a:t>Solution:</a:t>
+            </a:r>
+            <a:r>
+              <a:t> Enterprise Landing Zone with automated subscription vending and Azure Policy compliance</a:t>
+            </a:r>
+          </a:p>
+          <a:p>
+            <a:pPr lvl="1"/>
+            <a:r>
+              <a:rPr b="1"/>
+              <a:t>Results:</a:t>
+            </a:r>
+            <a:r>
+              <a:t> 95% faster provisioning (6 weeks to 2 days), 60% security improvement, $2.5M annual savings</a:t>
+            </a:r>
+          </a:p>
+          <a:p>
+            <a:pPr lvl="1"/>
+            <a:r>
+              <a:rPr b="1"/>
+              <a:t>Quote:</a:t>
+            </a:r>
+            <a:r>
+              <a:t> "The Azure Landing Zone transformed our cloud journey. We now provision secure, compliant environments in days instead of months."</a:t>
             </a:r>
           </a:p>
         </p:txBody>
@@ -3654,7 +4469,7 @@
 </p:sld>
 </file>
 
-<file path=ppt/slides/slide13.xml><?xml version="1.0" encoding="utf-8"?>
+<file path=ppt/slides/slide7.xml><?xml version="1.0" encoding="utf-8"?>
 <p:sld xmlns:a="http://schemas.openxmlformats.org/drawingml/2006/main" xmlns:p="http://schemas.openxmlformats.org/presentationml/2006/main" xmlns:r="http://schemas.openxmlformats.org/officeDocument/2006/relationships">
   <p:cSld>
     <p:spTree>
@@ -3679,10 +4494,186 @@
           <a:bodyPr/>
           <a:lstStyle/>
           <a:p>
+            <a:r>
+              <a:t>Our Partnership Advantage</a:t>
+            </a:r>
+          </a:p>
+        </p:txBody>
+      </p:sp>
+      <p:pic>
+        <p:nvPicPr>
+          <p:cNvPr id="3" name="Picture Placeholder 2" descr="consulting_company_logo.png"/>
+          <p:cNvPicPr>
+            <a:picLocks noGrp="1" noChangeAspect="1"/>
+          </p:cNvPicPr>
+          <p:nvPr>
+            <p:ph type="pic" idx="14" sz="quarter"/>
+          </p:nvPr>
+        </p:nvPicPr>
+        <p:blipFill>
+          <a:blip r:embed="rId2"/>
+          <a:srcRect t="6314" b="6314"/>
+          <a:stretch>
+            <a:fillRect/>
+          </a:stretch>
+        </p:blipFill>
+        <p:spPr/>
+      </p:pic>
+      <p:sp>
+        <p:nvSpPr>
+          <p:cNvPr id="4" name="Text Placeholder 3"/>
+          <p:cNvSpPr>
+            <a:spLocks noGrp="1"/>
+          </p:cNvSpPr>
+          <p:nvPr>
+            <p:ph type="body" idx="16" sz="quarter"/>
+          </p:nvPr>
+        </p:nvSpPr>
+        <p:spPr/>
+        <p:txBody>
+          <a:bodyPr/>
+          <a:lstStyle/>
+          <a:p>
+            <a:pPr/>
+            <a:r>
+              <a:rPr b="1"/>
+              <a:t>What We Bring</a:t>
+            </a:r>
+          </a:p>
+          <a:p>
+            <a:pPr lvl="1"/>
+            <a:r>
+              <a:t>Microsoft Gold Partner with 15+ years Azure architecture experience</a:t>
+            </a:r>
+          </a:p>
+          <a:p>
+            <a:pPr lvl="1"/>
+            <a:r>
+              <a:t>100+ enterprise landing zone implementations across regulated industries</a:t>
+            </a:r>
+          </a:p>
+          <a:p>
+            <a:pPr lvl="1"/>
+            <a:r>
+              <a:t>Azure Advanced Specializations in Security and Networking</a:t>
+            </a:r>
+          </a:p>
+          <a:p>
+            <a:pPr lvl="1"/>
+            <a:r>
+              <a:t>Direct access to Microsoft engineering and early-access programs</a:t>
+            </a:r>
+          </a:p>
+        </p:txBody>
+      </p:sp>
+      <p:sp>
+        <p:nvSpPr>
+          <p:cNvPr id="5" name="Text Placeholder 4"/>
+          <p:cNvSpPr>
+            <a:spLocks noGrp="1"/>
+          </p:cNvSpPr>
+          <p:nvPr>
+            <p:ph type="body" idx="17" sz="quarter"/>
+          </p:nvPr>
+        </p:nvSpPr>
+        <p:spPr/>
+        <p:txBody>
+          <a:bodyPr/>
+          <a:lstStyle/>
+          <a:p>
+            <a:pPr/>
+            <a:r>
+              <a:rPr b="1"/>
+              <a:t>Value to You</a:t>
+            </a:r>
+          </a:p>
+          <a:p>
+            <a:pPr lvl="1"/>
+            <a:r>
+              <a:t>Proven enterprise-scale reference architecture reduces risk by 70%</a:t>
+            </a:r>
+          </a:p>
+          <a:p>
+            <a:pPr lvl="1"/>
+            <a:r>
+              <a:t>Pre-built policy sets and automation accelerators fast-track deployment</a:t>
+            </a:r>
+          </a:p>
+          <a:p>
+            <a:pPr lvl="1"/>
+            <a:r>
+              <a:t>Best practices from 100+ implementations across industries</a:t>
+            </a:r>
+          </a:p>
+          <a:p>
+            <a:pPr lvl="1"/>
+            <a:r>
+              <a:t>Comprehensive skills transfer for long-term team self-sufficiency</a:t>
+            </a:r>
+          </a:p>
+        </p:txBody>
+      </p:sp>
+      <p:pic>
+        <p:nvPicPr>
+          <p:cNvPr id="6" name="Picture 5" descr="eo-framework-logo-real.png"/>
+          <p:cNvPicPr>
+            <a:picLocks noChangeAspect="1"/>
+          </p:cNvPicPr>
+          <p:nvPr/>
+        </p:nvPicPr>
+        <p:blipFill>
+          <a:blip r:embed="rId3"/>
+          <a:stretch>
+            <a:fillRect/>
+          </a:stretch>
+        </p:blipFill>
+        <p:spPr>
+          <a:xfrm>
+            <a:off x="6684264" y="4535424"/>
+            <a:ext cx="2139696" cy="530352"/>
+          </a:xfrm>
+          <a:prstGeom prst="rect">
+            <a:avLst/>
+          </a:prstGeom>
+        </p:spPr>
+      </p:pic>
+    </p:spTree>
+  </p:cSld>
+  <p:clrMapOvr>
+    <a:masterClrMapping/>
+  </p:clrMapOvr>
+</p:sld>
+</file>
+
+<file path=ppt/slides/slide8.xml><?xml version="1.0" encoding="utf-8"?>
+<p:sld xmlns:a="http://schemas.openxmlformats.org/drawingml/2006/main" xmlns:p="http://schemas.openxmlformats.org/presentationml/2006/main" xmlns:r="http://schemas.openxmlformats.org/officeDocument/2006/relationships">
+  <p:cSld>
+    <p:spTree>
+      <p:nvGrpSpPr>
+        <p:cNvPr id="1" name=""/>
+        <p:cNvGrpSpPr/>
+        <p:nvPr/>
+      </p:nvGrpSpPr>
+      <p:grpSpPr/>
+      <p:sp>
+        <p:nvSpPr>
+          <p:cNvPr id="2" name="Text Placeholder 1"/>
+          <p:cNvSpPr>
+            <a:spLocks noGrp="1"/>
+          </p:cNvSpPr>
+          <p:nvPr>
+            <p:ph type="body" idx="10" sz="quarter"/>
+          </p:nvPr>
+        </p:nvSpPr>
+        <p:spPr/>
+        <p:txBody>
+          <a:bodyPr/>
+          <a:lstStyle/>
+          <a:p>
             <a:pPr algn="l"/>
             <a:r>
               <a:rPr b="1"/>
-              <a:t>Phase 3: Landing Zones (Weeks 9-12)</a:t>
+              <a:t>Investment Summary</a:t>
             </a:r>
           </a:p>
         </p:txBody>
@@ -3742,7 +4733,7 @@
                     <a:lstStyle/>
                     <a:p>
                       <a:r>
-                        <a:rPr b="1" sz="1400">
+                        <a:rPr sz="1400">
                           <a:solidFill>
                             <a:srgbClr val="FFFFFF"/>
                           </a:solidFill>
@@ -3763,7 +4754,7 @@
                     <a:lstStyle/>
                     <a:p>
                       <a:r>
-                        <a:rPr b="1" sz="1400">
+                        <a:rPr sz="1400">
                           <a:solidFill>
                             <a:srgbClr val="FFFFFF"/>
                           </a:solidFill>
@@ -3784,7 +4775,7 @@
                     <a:lstStyle/>
                     <a:p>
                       <a:r>
-                        <a:rPr b="1" sz="1400">
+                        <a:rPr sz="1400">
                           <a:solidFill>
                             <a:srgbClr val="FFFFFF"/>
                           </a:solidFill>
@@ -3805,7 +4796,7 @@
                     <a:lstStyle/>
                     <a:p>
                       <a:r>
-                        <a:rPr b="1" sz="1400">
+                        <a:rPr sz="1400">
                           <a:solidFill>
                             <a:srgbClr val="FFFFFF"/>
                           </a:solidFill>
@@ -3826,7 +4817,7 @@
                     <a:lstStyle/>
                     <a:p>
                       <a:r>
-                        <a:rPr b="1" sz="1400">
+                        <a:rPr sz="1400">
                           <a:solidFill>
                             <a:srgbClr val="FFFFFF"/>
                           </a:solidFill>
@@ -3847,7 +4838,7 @@
                     <a:lstStyle/>
                     <a:p>
                       <a:r>
-                        <a:rPr b="1" sz="1400">
+                        <a:rPr sz="1400">
                           <a:solidFill>
                             <a:srgbClr val="FFFFFF"/>
                           </a:solidFill>
@@ -3868,7 +4859,7 @@
                     <a:lstStyle/>
                     <a:p>
                       <a:r>
-                        <a:rPr b="1" sz="1400">
+                        <a:rPr sz="1400">
                           <a:solidFill>
                             <a:srgbClr val="FFFFFF"/>
                           </a:solidFill>
@@ -4525,7 +5516,7 @@
 </p:sld>
 </file>
 
-<file path=ppt/slides/slide14.xml><?xml version="1.0" encoding="utf-8"?>
+<file path=ppt/slides/slide9.xml><?xml version="1.0" encoding="utf-8"?>
 <p:sld xmlns:a="http://schemas.openxmlformats.org/drawingml/2006/main" xmlns:p="http://schemas.openxmlformats.org/presentationml/2006/main" xmlns:r="http://schemas.openxmlformats.org/officeDocument/2006/relationships">
   <p:cSld>
     <p:spTree>
@@ -4551,118 +5542,7 @@
           <a:lstStyle/>
           <a:p>
             <a:r>
-              <a:t>Key Investment Highlights</a:t>
-            </a:r>
-          </a:p>
-        </p:txBody>
-      </p:sp>
-      <p:pic>
-        <p:nvPicPr>
-          <p:cNvPr id="3" name="Picture Placeholder 2" descr="consulting_company_logo.png"/>
-          <p:cNvPicPr>
-            <a:picLocks noGrp="1" noChangeAspect="1"/>
-          </p:cNvPicPr>
-          <p:nvPr>
-            <p:ph type="pic" idx="14" sz="quarter"/>
-          </p:nvPr>
-        </p:nvPicPr>
-        <p:blipFill>
-          <a:blip r:embed="rId2"/>
-          <a:srcRect t="5949" b="5949"/>
-          <a:stretch>
-            <a:fillRect/>
-          </a:stretch>
-        </p:blipFill>
-        <p:spPr/>
-      </p:pic>
-      <p:sp>
-        <p:nvSpPr>
-          <p:cNvPr id="4" name="Chart Placeholder 3"/>
-          <p:cNvSpPr>
-            <a:spLocks noGrp="1"/>
-          </p:cNvSpPr>
-          <p:nvPr>
-            <p:ph type="chart" idx="15" sz="quarter"/>
-          </p:nvPr>
-        </p:nvSpPr>
-        <p:spPr/>
-      </p:sp>
-      <p:sp>
-        <p:nvSpPr>
-          <p:cNvPr id="5" name="Content Placeholder 4"/>
-          <p:cNvSpPr>
-            <a:spLocks noGrp="1"/>
-          </p:cNvSpPr>
-          <p:nvPr>
-            <p:ph idx="16" sz="quarter"/>
-          </p:nvPr>
-        </p:nvSpPr>
-        <p:spPr/>
-        <p:txBody>
-          <a:bodyPr/>
-          <a:lstStyle/>
-          <a:p/>
-        </p:txBody>
-      </p:sp>
-      <p:pic>
-        <p:nvPicPr>
-          <p:cNvPr id="6" name="Picture 5" descr="eo-framework-logo-real.png"/>
-          <p:cNvPicPr>
-            <a:picLocks noChangeAspect="1"/>
-          </p:cNvPicPr>
-          <p:nvPr/>
-        </p:nvPicPr>
-        <p:blipFill>
-          <a:blip r:embed="rId3"/>
-          <a:stretch>
-            <a:fillRect/>
-          </a:stretch>
-        </p:blipFill>
-        <p:spPr>
-          <a:xfrm>
-            <a:off x="6684264" y="4535424"/>
-            <a:ext cx="2139696" cy="530352"/>
-          </a:xfrm>
-          <a:prstGeom prst="rect">
-            <a:avLst/>
-          </a:prstGeom>
-        </p:spPr>
-      </p:pic>
-    </p:spTree>
-  </p:cSld>
-  <p:clrMapOvr>
-    <a:masterClrMapping/>
-  </p:clrMapOvr>
-</p:sld>
-</file>
-
-<file path=ppt/slides/slide15.xml><?xml version="1.0" encoding="utf-8"?>
-<p:sld xmlns:a="http://schemas.openxmlformats.org/drawingml/2006/main" xmlns:p="http://schemas.openxmlformats.org/presentationml/2006/main" xmlns:r="http://schemas.openxmlformats.org/officeDocument/2006/relationships">
-  <p:cSld>
-    <p:spTree>
-      <p:nvGrpSpPr>
-        <p:cNvPr id="1" name=""/>
-        <p:cNvGrpSpPr/>
-        <p:nvPr/>
-      </p:nvGrpSpPr>
-      <p:grpSpPr/>
-      <p:sp>
-        <p:nvSpPr>
-          <p:cNvPr id="2" name="Text Placeholder 1"/>
-          <p:cNvSpPr>
-            <a:spLocks noGrp="1"/>
-          </p:cNvSpPr>
-          <p:nvPr>
-            <p:ph type="body" idx="10" sz="quarter"/>
-          </p:nvPr>
-        </p:nvSpPr>
-        <p:spPr/>
-        <p:txBody>
-          <a:bodyPr/>
-          <a:lstStyle/>
-          <a:p>
-            <a:r>
-              <a:t>Global Financial Services Firm</a:t>
+              <a:t>Next Steps</a:t>
             </a:r>
           </a:p>
         </p:txBody>
@@ -4704,1980 +5584,60 @@
             <a:pPr/>
             <a:r>
               <a:rPr b="1"/>
-              <a:t>95% faster provisioning</a:t>
-            </a:r>
-            <a:r>
-              <a:t>: Environment deployment reduced from 6 weeks to 2 days</a:t>
+              <a:t>Decision:</a:t>
+            </a:r>
+            <a:r>
+              <a:t> Executive approval for landing zone implementation by [specific date]</a:t>
             </a:r>
           </a:p>
           <a:p>
             <a:pPr/>
             <a:r>
               <a:rPr b="1"/>
-              <a:t>60% security improvement</a:t>
-            </a:r>
-            <a:r>
-              <a:t>: Automated compliance with 200+ Azure Policy rules and continuous threat monitoring</a:t>
+              <a:t>Kickoff:</a:t>
+            </a:r>
+            <a:r>
+              <a:t> Target deployment start [30 days from approval]</a:t>
             </a:r>
           </a:p>
           <a:p>
             <a:pPr/>
             <a:r>
               <a:rPr b="1"/>
-              <a:t>$2.5M annual savings</a:t>
-            </a:r>
-            <a:r>
-              <a:t>: Eliminated manual processes, optimized resource usage, and reduced security incidents</a:t>
-            </a:r>
-          </a:p>
-        </p:txBody>
-      </p:sp>
-      <p:pic>
-        <p:nvPicPr>
-          <p:cNvPr id="5" name="Picture 4" descr="eo-framework-logo-real.png"/>
-          <p:cNvPicPr>
-            <a:picLocks noChangeAspect="1"/>
-          </p:cNvPicPr>
-          <p:nvPr/>
-        </p:nvPicPr>
-        <p:blipFill>
-          <a:blip r:embed="rId3"/>
-          <a:stretch>
-            <a:fillRect/>
-          </a:stretch>
-        </p:blipFill>
-        <p:spPr>
-          <a:xfrm>
-            <a:off x="6684264" y="4535424"/>
-            <a:ext cx="2139696" cy="530352"/>
-          </a:xfrm>
-          <a:prstGeom prst="rect">
-            <a:avLst/>
-          </a:prstGeom>
-        </p:spPr>
-      </p:pic>
-    </p:spTree>
-  </p:cSld>
-  <p:clrMapOvr>
-    <a:masterClrMapping/>
-  </p:clrMapOvr>
-</p:sld>
-</file>
-
-<file path=ppt/slides/slide16.xml><?xml version="1.0" encoding="utf-8"?>
-<p:sld xmlns:a="http://schemas.openxmlformats.org/drawingml/2006/main" xmlns:p="http://schemas.openxmlformats.org/presentationml/2006/main" xmlns:r="http://schemas.openxmlformats.org/officeDocument/2006/relationships">
-  <p:cSld>
-    <p:spTree>
-      <p:nvGrpSpPr>
-        <p:cNvPr id="1" name=""/>
-        <p:cNvGrpSpPr/>
-        <p:nvPr/>
-      </p:nvGrpSpPr>
-      <p:grpSpPr/>
-      <p:sp>
-        <p:nvSpPr>
-          <p:cNvPr id="2" name="Text Placeholder 1"/>
-          <p:cNvSpPr>
-            <a:spLocks noGrp="1"/>
-          </p:cNvSpPr>
-          <p:nvPr>
-            <p:ph type="body" idx="10" sz="quarter"/>
-          </p:nvPr>
-        </p:nvSpPr>
-        <p:spPr/>
-        <p:txBody>
-          <a:bodyPr/>
-          <a:lstStyle/>
-          <a:p>
-            <a:pPr algn="l"/>
+              <a:t>Team Formation:</a:t>
+            </a:r>
+            <a:r>
+              <a:t> Identify cloud architect, security lead, compliance officer</a:t>
+            </a:r>
+          </a:p>
+          <a:p>
+            <a:pPr/>
             <a:r>
               <a:rPr b="1"/>
-              <a:t>Implementation Risks</a:t>
-            </a:r>
-          </a:p>
-        </p:txBody>
-      </p:sp>
-      <p:pic>
-        <p:nvPicPr>
-          <p:cNvPr id="3" name="Picture Placeholder 2" descr="consulting_company_logo.png"/>
-          <p:cNvPicPr>
-            <a:picLocks noGrp="1" noChangeAspect="1"/>
-          </p:cNvPicPr>
-          <p:nvPr>
-            <p:ph type="pic" idx="13" sz="quarter"/>
-          </p:nvPr>
-        </p:nvPicPr>
-        <p:blipFill>
-          <a:blip r:embed="rId2"/>
-          <a:srcRect t="6404" b="6404"/>
-          <a:stretch>
-            <a:fillRect/>
-          </a:stretch>
-        </p:blipFill>
-        <p:spPr/>
-      </p:pic>
-      <p:graphicFrame>
-        <p:nvGraphicFramePr>
-          <p:cNvPr id="4" name="Table Placeholder 3"/>
-          <p:cNvGraphicFramePr>
-            <a:graphicFrameLocks noGrp="1"/>
-          </p:cNvGraphicFramePr>
-          <p:nvPr>
-            <p:ph type="tbl" idx="14" sz="quarter"/>
-          </p:nvPr>
-        </p:nvGraphicFramePr>
-        <p:xfrm>
-          <a:off x="256855" y="677011"/>
-          <a:ext cx="8710930" cy="1854200"/>
-        </p:xfrm>
-        <a:graphic>
-          <a:graphicData uri="http://schemas.openxmlformats.org/drawingml/2006/table">
-            <a:tbl>
-              <a:tblPr firstRow="1" bandRow="1">
-                <a:tableStyleId>{5C22544A-7EE6-4342-B048-85BDC9FD1C3A}</a:tableStyleId>
-              </a:tblPr>
-              <a:tblGrid>
-                <a:gridCol w="1045311"/>
-                <a:gridCol w="2177733"/>
-                <a:gridCol w="1045311"/>
-                <a:gridCol w="4442575"/>
-              </a:tblGrid>
-              <a:tr h="370840">
-                <a:tc>
-                  <a:txBody>
-                    <a:bodyPr/>
-                    <a:lstStyle/>
-                    <a:p>
-                      <a:r>
-                        <a:rPr b="1" sz="1400">
-                          <a:solidFill>
-                            <a:srgbClr val="FFFFFF"/>
-                          </a:solidFill>
-                        </a:rPr>
-                        <a:t>Risk</a:t>
-                      </a:r>
-                    </a:p>
-                  </a:txBody>
-                  <a:tcPr>
-                    <a:solidFill>
-                      <a:srgbClr val="A01C02"/>
-                    </a:solidFill>
-                  </a:tcPr>
-                </a:tc>
-                <a:tc>
-                  <a:txBody>
-                    <a:bodyPr/>
-                    <a:lstStyle/>
-                    <a:p>
-                      <a:r>
-                        <a:rPr b="1" sz="1400">
-                          <a:solidFill>
-                            <a:srgbClr val="FFFFFF"/>
-                          </a:solidFill>
-                        </a:rPr>
-                        <a:t>Probability</a:t>
-                      </a:r>
-                    </a:p>
-                  </a:txBody>
-                  <a:tcPr>
-                    <a:solidFill>
-                      <a:srgbClr val="A01C02"/>
-                    </a:solidFill>
-                  </a:tcPr>
-                </a:tc>
-                <a:tc>
-                  <a:txBody>
-                    <a:bodyPr/>
-                    <a:lstStyle/>
-                    <a:p>
-                      <a:r>
-                        <a:rPr b="1" sz="1400">
-                          <a:solidFill>
-                            <a:srgbClr val="FFFFFF"/>
-                          </a:solidFill>
-                        </a:rPr>
-                        <a:t>Impact</a:t>
-                      </a:r>
-                    </a:p>
-                  </a:txBody>
-                  <a:tcPr>
-                    <a:solidFill>
-                      <a:srgbClr val="A01C02"/>
-                    </a:solidFill>
-                  </a:tcPr>
-                </a:tc>
-                <a:tc>
-                  <a:txBody>
-                    <a:bodyPr/>
-                    <a:lstStyle/>
-                    <a:p>
-                      <a:r>
-                        <a:rPr b="1" sz="1400">
-                          <a:solidFill>
-                            <a:srgbClr val="FFFFFF"/>
-                          </a:solidFill>
-                        </a:rPr>
-                        <a:t>Mitigation Strategy</a:t>
-                      </a:r>
-                    </a:p>
-                  </a:txBody>
-                  <a:tcPr>
-                    <a:solidFill>
-                      <a:srgbClr val="A01C02"/>
-                    </a:solidFill>
-                  </a:tcPr>
-                </a:tc>
-              </a:tr>
-              <a:tr h="370840">
-                <a:tc>
-                  <a:txBody>
-                    <a:bodyPr/>
-                    <a:lstStyle/>
-                    <a:p>
-                      <a:r>
-                        <a:rPr sz="1100"/>
-                        <a:t>Azure AD integration complexity</a:t>
-                      </a:r>
-                    </a:p>
-                  </a:txBody>
-                  <a:tcPr>
-                    <a:solidFill>
-                      <a:srgbClr val="E7E6E6"/>
-                    </a:solidFill>
-                  </a:tcPr>
-                </a:tc>
-                <a:tc>
-                  <a:txBody>
-                    <a:bodyPr/>
-                    <a:lstStyle/>
-                    <a:p>
-                      <a:r>
-                        <a:rPr sz="1100"/>
-                        <a:t>Medium</a:t>
-                      </a:r>
-                    </a:p>
-                  </a:txBody>
-                  <a:tcPr>
-                    <a:solidFill>
-                      <a:srgbClr val="E7E6E6"/>
-                    </a:solidFill>
-                  </a:tcPr>
-                </a:tc>
-                <a:tc>
-                  <a:txBody>
-                    <a:bodyPr/>
-                    <a:lstStyle/>
-                    <a:p>
-                      <a:r>
-                        <a:rPr sz="1100"/>
-                        <a:t>High</a:t>
-                      </a:r>
-                    </a:p>
-                  </a:txBody>
-                  <a:tcPr>
-                    <a:solidFill>
-                      <a:srgbClr val="E7E6E6"/>
-                    </a:solidFill>
-                  </a:tcPr>
-                </a:tc>
-                <a:tc>
-                  <a:txBody>
-                    <a:bodyPr/>
-                    <a:lstStyle/>
-                    <a:p>
-                      <a:r>
-                        <a:rPr sz="1100"/>
-                        <a:t>Pre-migration assessment, phased rollout with pilot groups, dedicated identity architect</a:t>
-                      </a:r>
-                    </a:p>
-                  </a:txBody>
-                  <a:tcPr>
-                    <a:solidFill>
-                      <a:srgbClr val="E7E6E6"/>
-                    </a:solidFill>
-                  </a:tcPr>
-                </a:tc>
-              </a:tr>
-              <a:tr h="370840">
-                <a:tc>
-                  <a:txBody>
-                    <a:bodyPr/>
-                    <a:lstStyle/>
-                    <a:p>
-                      <a:r>
-                        <a:rPr sz="1100"/>
-                        <a:t>Network connectivity issues</a:t>
-                      </a:r>
-                    </a:p>
-                  </a:txBody>
-                  <a:tcPr>
-                    <a:solidFill>
-                      <a:srgbClr val="E7E6E6"/>
-                    </a:solidFill>
-                  </a:tcPr>
-                </a:tc>
-                <a:tc>
-                  <a:txBody>
-                    <a:bodyPr/>
-                    <a:lstStyle/>
-                    <a:p>
-                      <a:r>
-                        <a:rPr sz="1100"/>
-                        <a:t>Medium</a:t>
-                      </a:r>
-                    </a:p>
-                  </a:txBody>
-                  <a:tcPr>
-                    <a:solidFill>
-                      <a:srgbClr val="E7E6E6"/>
-                    </a:solidFill>
-                  </a:tcPr>
-                </a:tc>
-                <a:tc>
-                  <a:txBody>
-                    <a:bodyPr/>
-                    <a:lstStyle/>
-                    <a:p>
-                      <a:r>
-                        <a:rPr sz="1100"/>
-                        <a:t>High</a:t>
-                      </a:r>
-                    </a:p>
-                  </a:txBody>
-                  <a:tcPr>
-                    <a:solidFill>
-                      <a:srgbClr val="E7E6E6"/>
-                    </a:solidFill>
-                  </a:tcPr>
-                </a:tc>
-                <a:tc>
-                  <a:txBody>
-                    <a:bodyPr/>
-                    <a:lstStyle/>
-                    <a:p>
-                      <a:r>
-                        <a:rPr sz="1100"/>
-                        <a:t>ExpressRoute with redundant circuits, VPN failover, comprehensive testing before cutover</a:t>
-                      </a:r>
-                    </a:p>
-                  </a:txBody>
-                  <a:tcPr>
-                    <a:solidFill>
-                      <a:srgbClr val="E7E6E6"/>
-                    </a:solidFill>
-                  </a:tcPr>
-                </a:tc>
-              </a:tr>
-              <a:tr h="370840">
-                <a:tc>
-                  <a:txBody>
-                    <a:bodyPr/>
-                    <a:lstStyle/>
-                    <a:p>
-                      <a:r>
-                        <a:rPr sz="1100"/>
-                        <a:t>Policy conflicts with existing Azure resources</a:t>
-                      </a:r>
-                    </a:p>
-                  </a:txBody>
-                  <a:tcPr>
-                    <a:solidFill>
-                      <a:srgbClr val="E7E6E6"/>
-                    </a:solidFill>
-                  </a:tcPr>
-                </a:tc>
-                <a:tc>
-                  <a:txBody>
-                    <a:bodyPr/>
-                    <a:lstStyle/>
-                    <a:p>
-                      <a:r>
-                        <a:rPr sz="1100"/>
-                        <a:t>High</a:t>
-                      </a:r>
-                    </a:p>
-                  </a:txBody>
-                  <a:tcPr>
-                    <a:solidFill>
-                      <a:srgbClr val="E7E6E6"/>
-                    </a:solidFill>
-                  </a:tcPr>
-                </a:tc>
-                <a:tc>
-                  <a:txBody>
-                    <a:bodyPr/>
-                    <a:lstStyle/>
-                    <a:p>
-                      <a:r>
-                        <a:rPr sz="1100"/>
-                        <a:t>Medium</a:t>
-                      </a:r>
-                    </a:p>
-                  </a:txBody>
-                  <a:tcPr>
-                    <a:solidFill>
-                      <a:srgbClr val="E7E6E6"/>
-                    </a:solidFill>
-                  </a:tcPr>
-                </a:tc>
-                <a:tc>
-                  <a:txBody>
-                    <a:bodyPr/>
-                    <a:lstStyle/>
-                    <a:p>
-                      <a:r>
-                        <a:rPr sz="1100"/>
-                        <a:t>Policy audit mode first, gradual enforcement, exception process for legacy workloads</a:t>
-                      </a:r>
-                    </a:p>
-                  </a:txBody>
-                  <a:tcPr>
-                    <a:solidFill>
-                      <a:srgbClr val="E7E6E6"/>
-                    </a:solidFill>
-                  </a:tcPr>
-                </a:tc>
-              </a:tr>
-              <a:tr h="370840">
-                <a:tc>
-                  <a:txBody>
-                    <a:bodyPr/>
-                    <a:lstStyle/>
-                    <a:p>
-                      <a:r>
-                        <a:rPr b="1" sz="1100"/>
-                        <a:t>Skills gap in Azure governance</a:t>
-                      </a:r>
-                    </a:p>
-                  </a:txBody>
-                  <a:tcPr>
-                    <a:solidFill>
-                      <a:srgbClr val="E7E6E6"/>
-                    </a:solidFill>
-                  </a:tcPr>
-                </a:tc>
-                <a:tc>
-                  <a:txBody>
-                    <a:bodyPr/>
-                    <a:lstStyle/>
-                    <a:p>
-                      <a:r>
-                        <a:rPr b="1" sz="1100"/>
-                        <a:t>High</a:t>
-                      </a:r>
-                    </a:p>
-                  </a:txBody>
-                  <a:tcPr>
-                    <a:solidFill>
-                      <a:srgbClr val="E7E6E6"/>
-                    </a:solidFill>
-                  </a:tcPr>
-                </a:tc>
-                <a:tc>
-                  <a:txBody>
-                    <a:bodyPr/>
-                    <a:lstStyle/>
-                    <a:p>
-                      <a:r>
-                        <a:rPr b="1" sz="1100"/>
-                        <a:t>Medium</a:t>
-                      </a:r>
-                    </a:p>
-                  </a:txBody>
-                  <a:tcPr>
-                    <a:solidFill>
-                      <a:srgbClr val="E7E6E6"/>
-                    </a:solidFill>
-                  </a:tcPr>
-                </a:tc>
-                <a:tc>
-                  <a:txBody>
-                    <a:bodyPr/>
-                    <a:lstStyle/>
-                    <a:p>
-                      <a:r>
-                        <a:rPr b="1" sz="1100"/>
-                        <a:t>Comprehensive training program, documentation, operational runbooks, support contract</a:t>
-                      </a:r>
-                    </a:p>
-                  </a:txBody>
-                  <a:tcPr>
-                    <a:solidFill>
-                      <a:srgbClr val="E7E6E6"/>
-                    </a:solidFill>
-                  </a:tcPr>
-                </a:tc>
-              </a:tr>
-            </a:tbl>
-          </a:graphicData>
-        </a:graphic>
-      </p:graphicFrame>
-      <p:pic>
-        <p:nvPicPr>
-          <p:cNvPr id="5" name="Picture 4" descr="eo-framework-logo-real.png"/>
-          <p:cNvPicPr>
-            <a:picLocks noChangeAspect="1"/>
-          </p:cNvPicPr>
-          <p:nvPr/>
-        </p:nvPicPr>
-        <p:blipFill>
-          <a:blip r:embed="rId3"/>
-          <a:stretch>
-            <a:fillRect/>
-          </a:stretch>
-        </p:blipFill>
-        <p:spPr>
-          <a:xfrm>
-            <a:off x="6684264" y="4535424"/>
-            <a:ext cx="2139696" cy="530352"/>
-          </a:xfrm>
-          <a:prstGeom prst="rect">
-            <a:avLst/>
-          </a:prstGeom>
-        </p:spPr>
-      </p:pic>
-    </p:spTree>
-  </p:cSld>
-  <p:clrMapOvr>
-    <a:masterClrMapping/>
-  </p:clrMapOvr>
-</p:sld>
-</file>
-
-<file path=ppt/slides/slide17.xml><?xml version="1.0" encoding="utf-8"?>
-<p:sld xmlns:a="http://schemas.openxmlformats.org/drawingml/2006/main" xmlns:p="http://schemas.openxmlformats.org/presentationml/2006/main" xmlns:r="http://schemas.openxmlformats.org/officeDocument/2006/relationships">
-  <p:cSld>
-    <p:spTree>
-      <p:nvGrpSpPr>
-        <p:cNvPr id="1" name=""/>
-        <p:cNvGrpSpPr/>
-        <p:nvPr/>
-      </p:nvGrpSpPr>
-      <p:grpSpPr/>
-      <p:sp>
-        <p:nvSpPr>
-          <p:cNvPr id="2" name="Text Placeholder 1"/>
-          <p:cNvSpPr>
-            <a:spLocks noGrp="1"/>
-          </p:cNvSpPr>
-          <p:nvPr>
-            <p:ph type="body" idx="10" sz="quarter"/>
-          </p:nvPr>
-        </p:nvSpPr>
-        <p:spPr/>
-        <p:txBody>
-          <a:bodyPr/>
-          <a:lstStyle/>
-          <a:p>
-            <a:r>
-              <a:t>Security Considerations</a:t>
-            </a:r>
-          </a:p>
-        </p:txBody>
-      </p:sp>
-      <p:pic>
-        <p:nvPicPr>
-          <p:cNvPr id="3" name="Picture Placeholder 2" descr="consulting_company_logo.png"/>
-          <p:cNvPicPr>
-            <a:picLocks noGrp="1" noChangeAspect="1"/>
-          </p:cNvPicPr>
-          <p:nvPr>
-            <p:ph type="pic" idx="13" sz="quarter"/>
-          </p:nvPr>
-        </p:nvPicPr>
-        <p:blipFill>
-          <a:blip r:embed="rId2"/>
-          <a:srcRect t="6762" b="6762"/>
-          <a:stretch>
-            <a:fillRect/>
-          </a:stretch>
-        </p:blipFill>
-        <p:spPr/>
-      </p:pic>
-      <p:sp>
-        <p:nvSpPr>
-          <p:cNvPr id="4" name="Text Placeholder 3"/>
-          <p:cNvSpPr>
-            <a:spLocks noGrp="1"/>
-          </p:cNvSpPr>
-          <p:nvPr>
-            <p:ph type="body" idx="14" sz="quarter"/>
-          </p:nvPr>
-        </p:nvSpPr>
-        <p:spPr/>
-        <p:txBody>
-          <a:bodyPr/>
-          <a:lstStyle/>
+              <a:t>Week 1-4:</a:t>
+            </a:r>
+            <a:r>
+              <a:t> Foundation deployment (management groups, hub network, Azure AD)</a:t>
+            </a:r>
+          </a:p>
           <a:p>
             <a:pPr/>
             <a:r>
               <a:rPr b="1"/>
-              <a:t>Data Residency</a:t>
-            </a:r>
-            <a:r>
-              <a:t>: All Azure regions support data residency requirements for regulatory compliance</a:t>
+              <a:t>Week 5-8:</a:t>
+            </a:r>
+            <a:r>
+              <a:t> Security and compliance (Defender, Sentinel, policies)</a:t>
             </a:r>
           </a:p>
           <a:p>
             <a:pPr/>
             <a:r>
               <a:rPr b="1"/>
-              <a:t>Encryption</a:t>
-            </a:r>
-            <a:r>
-              <a:t>: Encryption at-rest and in-transit for all data with Azure Key Vault for key management</a:t>
-            </a:r>
-          </a:p>
-          <a:p>
-            <a:pPr/>
-            <a:r>
-              <a:rPr b="1"/>
-              <a:t>Zero Trust Model</a:t>
-            </a:r>
-            <a:r>
-              <a:t>: Least-privilege access with Conditional Access, MFA, and just-in-time access for privileged operations</a:t>
-            </a:r>
-          </a:p>
-        </p:txBody>
-      </p:sp>
-      <p:pic>
-        <p:nvPicPr>
-          <p:cNvPr id="5" name="Picture 4" descr="eo-framework-logo-real.png"/>
-          <p:cNvPicPr>
-            <a:picLocks noChangeAspect="1"/>
-          </p:cNvPicPr>
-          <p:nvPr/>
-        </p:nvPicPr>
-        <p:blipFill>
-          <a:blip r:embed="rId3"/>
-          <a:stretch>
-            <a:fillRect/>
-          </a:stretch>
-        </p:blipFill>
-        <p:spPr>
-          <a:xfrm>
-            <a:off x="6684264" y="4535424"/>
-            <a:ext cx="2139696" cy="530352"/>
-          </a:xfrm>
-          <a:prstGeom prst="rect">
-            <a:avLst/>
-          </a:prstGeom>
-        </p:spPr>
-      </p:pic>
-    </p:spTree>
-  </p:cSld>
-  <p:clrMapOvr>
-    <a:masterClrMapping/>
-  </p:clrMapOvr>
-</p:sld>
-</file>
-
-<file path=ppt/slides/slide18.xml><?xml version="1.0" encoding="utf-8"?>
-<p:sld xmlns:a="http://schemas.openxmlformats.org/drawingml/2006/main" xmlns:p="http://schemas.openxmlformats.org/presentationml/2006/main" xmlns:r="http://schemas.openxmlformats.org/officeDocument/2006/relationships">
-  <p:cSld>
-    <p:spTree>
-      <p:nvGrpSpPr>
-        <p:cNvPr id="1" name=""/>
-        <p:cNvGrpSpPr/>
-        <p:nvPr/>
-      </p:nvGrpSpPr>
-      <p:grpSpPr/>
-      <p:sp>
-        <p:nvSpPr>
-          <p:cNvPr id="2" name="Text Placeholder 1"/>
-          <p:cNvSpPr>
-            <a:spLocks noGrp="1"/>
-          </p:cNvSpPr>
-          <p:nvPr>
-            <p:ph type="body" idx="10" sz="quarter"/>
-          </p:nvPr>
-        </p:nvSpPr>
-        <p:spPr/>
-        <p:txBody>
-          <a:bodyPr/>
-          <a:lstStyle/>
-          <a:p>
-            <a:r>
-              <a:t>Immediate Actions (This Week)</a:t>
-            </a:r>
-          </a:p>
-        </p:txBody>
-      </p:sp>
-      <p:pic>
-        <p:nvPicPr>
-          <p:cNvPr id="3" name="Picture Placeholder 2" descr="consulting_company_logo.png"/>
-          <p:cNvPicPr>
-            <a:picLocks noGrp="1" noChangeAspect="1"/>
-          </p:cNvPicPr>
-          <p:nvPr>
-            <p:ph type="pic" idx="13" sz="quarter"/>
-          </p:nvPr>
-        </p:nvPicPr>
-        <p:blipFill>
-          <a:blip r:embed="rId2"/>
-          <a:srcRect t="6762" b="6762"/>
-          <a:stretch>
-            <a:fillRect/>
-          </a:stretch>
-        </p:blipFill>
-        <p:spPr/>
-      </p:pic>
-      <p:sp>
-        <p:nvSpPr>
-          <p:cNvPr id="4" name="Text Placeholder 3"/>
-          <p:cNvSpPr>
-            <a:spLocks noGrp="1"/>
-          </p:cNvSpPr>
-          <p:nvPr>
-            <p:ph type="body" idx="14" sz="quarter"/>
-          </p:nvPr>
-        </p:nvSpPr>
-        <p:spPr/>
-        <p:txBody>
-          <a:bodyPr/>
-          <a:lstStyle/>
-          <a:p>
-            <a:pPr/>
-            <a:r>
-              <a:t>Discovery Workshop: 2-day workshop to document current Azure environment, compliance requirements, and organizational structure</a:t>
-            </a:r>
-          </a:p>
-          <a:p>
-            <a:pPr/>
-            <a:r>
-              <a:t>Architecture Review: Assessment of existing Azure resources and integration requirements with landing zone design</a:t>
-            </a:r>
-          </a:p>
-          <a:p>
-            <a:pPr/>
-            <a:r>
-              <a:t>Stakeholder Alignment: Executive briefing on landing zone benefits, timeline, and investment requirements</a:t>
-            </a:r>
-          </a:p>
-        </p:txBody>
-      </p:sp>
-      <p:pic>
-        <p:nvPicPr>
-          <p:cNvPr id="5" name="Picture 4" descr="eo-framework-logo-real.png"/>
-          <p:cNvPicPr>
-            <a:picLocks noChangeAspect="1"/>
-          </p:cNvPicPr>
-          <p:nvPr/>
-        </p:nvPicPr>
-        <p:blipFill>
-          <a:blip r:embed="rId3"/>
-          <a:stretch>
-            <a:fillRect/>
-          </a:stretch>
-        </p:blipFill>
-        <p:spPr>
-          <a:xfrm>
-            <a:off x="6684264" y="4535424"/>
-            <a:ext cx="2139696" cy="530352"/>
-          </a:xfrm>
-          <a:prstGeom prst="rect">
-            <a:avLst/>
-          </a:prstGeom>
-        </p:spPr>
-      </p:pic>
-    </p:spTree>
-  </p:cSld>
-  <p:clrMapOvr>
-    <a:masterClrMapping/>
-  </p:clrMapOvr>
-</p:sld>
-</file>
-
-<file path=ppt/slides/slide19.xml><?xml version="1.0" encoding="utf-8"?>
-<p:sld xmlns:a="http://schemas.openxmlformats.org/drawingml/2006/main" xmlns:p="http://schemas.openxmlformats.org/presentationml/2006/main" xmlns:r="http://schemas.openxmlformats.org/officeDocument/2006/relationships">
-  <p:cSld>
-    <p:spTree>
-      <p:nvGrpSpPr>
-        <p:cNvPr id="1" name=""/>
-        <p:cNvGrpSpPr/>
-        <p:nvPr/>
-      </p:nvGrpSpPr>
-      <p:grpSpPr/>
-      <p:sp>
-        <p:nvSpPr>
-          <p:cNvPr id="2" name="Text Placeholder 1"/>
-          <p:cNvSpPr>
-            <a:spLocks noGrp="1"/>
-          </p:cNvSpPr>
-          <p:nvPr>
-            <p:ph type="body" idx="10" sz="quarter"/>
-          </p:nvPr>
-        </p:nvSpPr>
-        <p:spPr/>
-        <p:txBody>
-          <a:bodyPr/>
-          <a:lstStyle/>
-          <a:p>
-            <a:r>
-              <a:t>Next 30 Days</a:t>
-            </a:r>
-          </a:p>
-        </p:txBody>
-      </p:sp>
-      <p:pic>
-        <p:nvPicPr>
-          <p:cNvPr id="3" name="Picture Placeholder 2" descr="consulting_company_logo.png"/>
-          <p:cNvPicPr>
-            <a:picLocks noGrp="1" noChangeAspect="1"/>
-          </p:cNvPicPr>
-          <p:nvPr>
-            <p:ph type="pic" idx="13" sz="quarter"/>
-          </p:nvPr>
-        </p:nvPicPr>
-        <p:blipFill>
-          <a:blip r:embed="rId2"/>
-          <a:srcRect t="6762" b="6762"/>
-          <a:stretch>
-            <a:fillRect/>
-          </a:stretch>
-        </p:blipFill>
-        <p:spPr/>
-      </p:pic>
-      <p:sp>
-        <p:nvSpPr>
-          <p:cNvPr id="4" name="Text Placeholder 3"/>
-          <p:cNvSpPr>
-            <a:spLocks noGrp="1"/>
-          </p:cNvSpPr>
-          <p:nvPr>
-            <p:ph type="body" idx="14" sz="quarter"/>
-          </p:nvPr>
-        </p:nvSpPr>
-        <p:spPr/>
-        <p:txBody>
-          <a:bodyPr/>
-          <a:lstStyle/>
-          <a:p>
-            <a:pPr/>
-            <a:r>
-              <a:t>Finalize Statement of Work with detailed scope, timeline, and acceptance criteria</a:t>
-            </a:r>
-          </a:p>
-          <a:p>
-            <a:pPr/>
-            <a:r>
-              <a:t>Complete Azure AD readiness assessment and integration planning</a:t>
-            </a:r>
-          </a:p>
-          <a:p>
-            <a:pPr/>
-            <a:r>
-              <a:t>Develop custom Azure Policy requirements based on organizational standards</a:t>
-            </a:r>
-          </a:p>
-        </p:txBody>
-      </p:sp>
-      <p:pic>
-        <p:nvPicPr>
-          <p:cNvPr id="5" name="Picture 4" descr="eo-framework-logo-real.png"/>
-          <p:cNvPicPr>
-            <a:picLocks noChangeAspect="1"/>
-          </p:cNvPicPr>
-          <p:nvPr/>
-        </p:nvPicPr>
-        <p:blipFill>
-          <a:blip r:embed="rId3"/>
-          <a:stretch>
-            <a:fillRect/>
-          </a:stretch>
-        </p:blipFill>
-        <p:spPr>
-          <a:xfrm>
-            <a:off x="6684264" y="4535424"/>
-            <a:ext cx="2139696" cy="530352"/>
-          </a:xfrm>
-          <a:prstGeom prst="rect">
-            <a:avLst/>
-          </a:prstGeom>
-        </p:spPr>
-      </p:pic>
-    </p:spTree>
-  </p:cSld>
-  <p:clrMapOvr>
-    <a:masterClrMapping/>
-  </p:clrMapOvr>
-</p:sld>
-</file>
-
-<file path=ppt/slides/slide2.xml><?xml version="1.0" encoding="utf-8"?>
-<p:sld xmlns:a="http://schemas.openxmlformats.org/drawingml/2006/main" xmlns:p="http://schemas.openxmlformats.org/presentationml/2006/main" xmlns:r="http://schemas.openxmlformats.org/officeDocument/2006/relationships">
-  <p:cSld>
-    <p:spTree>
-      <p:nvGrpSpPr>
-        <p:cNvPr id="1" name=""/>
-        <p:cNvGrpSpPr/>
-        <p:nvPr/>
-      </p:nvGrpSpPr>
-      <p:grpSpPr/>
-      <p:sp>
-        <p:nvSpPr>
-          <p:cNvPr id="2" name="Text Placeholder 1"/>
-          <p:cNvSpPr>
-            <a:spLocks noGrp="1"/>
-          </p:cNvSpPr>
-          <p:nvPr>
-            <p:ph type="body" idx="10" sz="quarter"/>
-          </p:nvPr>
-        </p:nvSpPr>
-        <p:spPr/>
-        <p:txBody>
-          <a:bodyPr/>
-          <a:lstStyle/>
-          <a:p>
-            <a:r>
-              <a:t>Business Challenge</a:t>
-            </a:r>
-          </a:p>
-        </p:txBody>
-      </p:sp>
-      <p:pic>
-        <p:nvPicPr>
-          <p:cNvPr id="3" name="Picture Placeholder 2" descr="consulting_company_logo.png"/>
-          <p:cNvPicPr>
-            <a:picLocks noGrp="1" noChangeAspect="1"/>
-          </p:cNvPicPr>
-          <p:nvPr>
-            <p:ph type="pic" idx="13" sz="quarter"/>
-          </p:nvPr>
-        </p:nvPicPr>
-        <p:blipFill>
-          <a:blip r:embed="rId2"/>
-          <a:srcRect t="6762" b="6762"/>
-          <a:stretch>
-            <a:fillRect/>
-          </a:stretch>
-        </p:blipFill>
-        <p:spPr/>
-      </p:pic>
-      <p:sp>
-        <p:nvSpPr>
-          <p:cNvPr id="4" name="Text Placeholder 3"/>
-          <p:cNvSpPr>
-            <a:spLocks noGrp="1"/>
-          </p:cNvSpPr>
-          <p:nvPr>
-            <p:ph type="body" idx="14" sz="quarter"/>
-          </p:nvPr>
-        </p:nvSpPr>
-        <p:spPr/>
-        <p:txBody>
-          <a:bodyPr/>
-          <a:lstStyle/>
-          <a:p/>
-        </p:txBody>
-      </p:sp>
-      <p:pic>
-        <p:nvPicPr>
-          <p:cNvPr id="5" name="Picture 4" descr="eo-framework-logo-real.png"/>
-          <p:cNvPicPr>
-            <a:picLocks noChangeAspect="1"/>
-          </p:cNvPicPr>
-          <p:nvPr/>
-        </p:nvPicPr>
-        <p:blipFill>
-          <a:blip r:embed="rId3"/>
-          <a:stretch>
-            <a:fillRect/>
-          </a:stretch>
-        </p:blipFill>
-        <p:spPr>
-          <a:xfrm>
-            <a:off x="6684264" y="4535424"/>
-            <a:ext cx="2139696" cy="530352"/>
-          </a:xfrm>
-          <a:prstGeom prst="rect">
-            <a:avLst/>
-          </a:prstGeom>
-        </p:spPr>
-      </p:pic>
-    </p:spTree>
-  </p:cSld>
-  <p:clrMapOvr>
-    <a:masterClrMapping/>
-  </p:clrMapOvr>
-</p:sld>
-</file>
-
-<file path=ppt/slides/slide20.xml><?xml version="1.0" encoding="utf-8"?>
-<p:sld xmlns:a="http://schemas.openxmlformats.org/drawingml/2006/main" xmlns:p="http://schemas.openxmlformats.org/presentationml/2006/main" xmlns:r="http://schemas.openxmlformats.org/officeDocument/2006/relationships">
-  <p:cSld>
-    <p:spTree>
-      <p:nvGrpSpPr>
-        <p:cNvPr id="1" name=""/>
-        <p:cNvGrpSpPr/>
-        <p:nvPr/>
-      </p:nvGrpSpPr>
-      <p:grpSpPr/>
-      <p:sp>
-        <p:nvSpPr>
-          <p:cNvPr id="2" name="Text Placeholder 1"/>
-          <p:cNvSpPr>
-            <a:spLocks noGrp="1"/>
-          </p:cNvSpPr>
-          <p:nvPr>
-            <p:ph type="body" idx="10" sz="quarter"/>
-          </p:nvPr>
-        </p:nvSpPr>
-        <p:spPr/>
-        <p:txBody>
-          <a:bodyPr/>
-          <a:lstStyle/>
-          <a:p>
-            <a:r>
-              <a:t>Project Kickoff (Week 1)</a:t>
-            </a:r>
-          </a:p>
-        </p:txBody>
-      </p:sp>
-      <p:pic>
-        <p:nvPicPr>
-          <p:cNvPr id="3" name="Picture Placeholder 2" descr="consulting_company_logo.png"/>
-          <p:cNvPicPr>
-            <a:picLocks noGrp="1" noChangeAspect="1"/>
-          </p:cNvPicPr>
-          <p:nvPr>
-            <p:ph type="pic" idx="13" sz="quarter"/>
-          </p:nvPr>
-        </p:nvPicPr>
-        <p:blipFill>
-          <a:blip r:embed="rId2"/>
-          <a:srcRect t="6762" b="6762"/>
-          <a:stretch>
-            <a:fillRect/>
-          </a:stretch>
-        </p:blipFill>
-        <p:spPr/>
-      </p:pic>
-      <p:sp>
-        <p:nvSpPr>
-          <p:cNvPr id="4" name="Text Placeholder 3"/>
-          <p:cNvSpPr>
-            <a:spLocks noGrp="1"/>
-          </p:cNvSpPr>
-          <p:nvPr>
-            <p:ph type="body" idx="14" sz="quarter"/>
-          </p:nvPr>
-        </p:nvSpPr>
-        <p:spPr/>
-        <p:txBody>
-          <a:bodyPr/>
-          <a:lstStyle/>
-          <a:p>
-            <a:pPr/>
-            <a:r>
-              <a:t>Project team mobilization with dedicated cloud architects and security engineers</a:t>
-            </a:r>
-          </a:p>
-          <a:p>
-            <a:pPr/>
-            <a:r>
-              <a:t>Management group structure design based on organizational hierarchy</a:t>
-            </a:r>
-          </a:p>
-          <a:p>
-            <a:pPr/>
-            <a:r>
-              <a:t>Hub network architecture design with ExpressRoute and Azure Firewall configuration</a:t>
-            </a:r>
-          </a:p>
-        </p:txBody>
-      </p:sp>
-      <p:pic>
-        <p:nvPicPr>
-          <p:cNvPr id="5" name="Picture 4" descr="eo-framework-logo-real.png"/>
-          <p:cNvPicPr>
-            <a:picLocks noChangeAspect="1"/>
-          </p:cNvPicPr>
-          <p:nvPr/>
-        </p:nvPicPr>
-        <p:blipFill>
-          <a:blip r:embed="rId3"/>
-          <a:stretch>
-            <a:fillRect/>
-          </a:stretch>
-        </p:blipFill>
-        <p:spPr>
-          <a:xfrm>
-            <a:off x="6684264" y="4535424"/>
-            <a:ext cx="2139696" cy="530352"/>
-          </a:xfrm>
-          <a:prstGeom prst="rect">
-            <a:avLst/>
-          </a:prstGeom>
-        </p:spPr>
-      </p:pic>
-    </p:spTree>
-  </p:cSld>
-  <p:clrMapOvr>
-    <a:masterClrMapping/>
-  </p:clrMapOvr>
-</p:sld>
-</file>
-
-<file path=ppt/slides/slide3.xml><?xml version="1.0" encoding="utf-8"?>
-<p:sld xmlns:a="http://schemas.openxmlformats.org/drawingml/2006/main" xmlns:p="http://schemas.openxmlformats.org/presentationml/2006/main" xmlns:r="http://schemas.openxmlformats.org/officeDocument/2006/relationships">
-  <p:cSld>
-    <p:spTree>
-      <p:nvGrpSpPr>
-        <p:cNvPr id="1" name=""/>
-        <p:cNvGrpSpPr/>
-        <p:nvPr/>
-      </p:nvGrpSpPr>
-      <p:grpSpPr/>
-      <p:sp>
-        <p:nvSpPr>
-          <p:cNvPr id="2" name="Text Placeholder 1"/>
-          <p:cNvSpPr>
-            <a:spLocks noGrp="1"/>
-          </p:cNvSpPr>
-          <p:nvPr>
-            <p:ph type="body" idx="10" sz="quarter"/>
-          </p:nvPr>
-        </p:nvSpPr>
-        <p:spPr/>
-        <p:txBody>
-          <a:bodyPr/>
-          <a:lstStyle/>
-          <a:p>
-            <a:r>
-              <a:t>Our Solution</a:t>
-            </a:r>
-          </a:p>
-        </p:txBody>
-      </p:sp>
-      <p:pic>
-        <p:nvPicPr>
-          <p:cNvPr id="3" name="Picture Placeholder 2" descr="consulting_company_logo.png"/>
-          <p:cNvPicPr>
-            <a:picLocks noGrp="1" noChangeAspect="1"/>
-          </p:cNvPicPr>
-          <p:nvPr>
-            <p:ph type="pic" idx="13" sz="quarter"/>
-          </p:nvPr>
-        </p:nvPicPr>
-        <p:blipFill>
-          <a:blip r:embed="rId2"/>
-          <a:srcRect t="6762" b="6762"/>
-          <a:stretch>
-            <a:fillRect/>
-          </a:stretch>
-        </p:blipFill>
-        <p:spPr/>
-      </p:pic>
-      <p:sp>
-        <p:nvSpPr>
-          <p:cNvPr id="4" name="Text Placeholder 3"/>
-          <p:cNvSpPr>
-            <a:spLocks noGrp="1"/>
-          </p:cNvSpPr>
-          <p:nvPr>
-            <p:ph type="body" idx="14" sz="quarter"/>
-          </p:nvPr>
-        </p:nvSpPr>
-        <p:spPr/>
-        <p:txBody>
-          <a:bodyPr/>
-          <a:lstStyle/>
-          <a:p/>
-        </p:txBody>
-      </p:sp>
-      <p:pic>
-        <p:nvPicPr>
-          <p:cNvPr id="5" name="Picture 4" descr="eo-framework-logo-real.png"/>
-          <p:cNvPicPr>
-            <a:picLocks noChangeAspect="1"/>
-          </p:cNvPicPr>
-          <p:nvPr/>
-        </p:nvPicPr>
-        <p:blipFill>
-          <a:blip r:embed="rId3"/>
-          <a:stretch>
-            <a:fillRect/>
-          </a:stretch>
-        </p:blipFill>
-        <p:spPr>
-          <a:xfrm>
-            <a:off x="6684264" y="4535424"/>
-            <a:ext cx="2139696" cy="530352"/>
-          </a:xfrm>
-          <a:prstGeom prst="rect">
-            <a:avLst/>
-          </a:prstGeom>
-        </p:spPr>
-      </p:pic>
-    </p:spTree>
-  </p:cSld>
-  <p:clrMapOvr>
-    <a:masterClrMapping/>
-  </p:clrMapOvr>
-</p:sld>
-</file>
-
-<file path=ppt/slides/slide4.xml><?xml version="1.0" encoding="utf-8"?>
-<p:sld xmlns:a="http://schemas.openxmlformats.org/drawingml/2006/main" xmlns:p="http://schemas.openxmlformats.org/presentationml/2006/main" xmlns:r="http://schemas.openxmlformats.org/officeDocument/2006/relationships">
-  <p:cSld>
-    <p:spTree>
-      <p:nvGrpSpPr>
-        <p:cNvPr id="1" name=""/>
-        <p:cNvGrpSpPr/>
-        <p:nvPr/>
-      </p:nvGrpSpPr>
-      <p:grpSpPr/>
-      <p:sp>
-        <p:nvSpPr>
-          <p:cNvPr id="2" name="Text Placeholder 1"/>
-          <p:cNvSpPr>
-            <a:spLocks noGrp="1"/>
-          </p:cNvSpPr>
-          <p:nvPr>
-            <p:ph type="body" idx="10" sz="quarter"/>
-          </p:nvPr>
-        </p:nvSpPr>
-        <p:spPr/>
-        <p:txBody>
-          <a:bodyPr/>
-          <a:lstStyle/>
-          <a:p>
-            <a:r>
-              <a:t>Expected Outcomes</a:t>
-            </a:r>
-          </a:p>
-        </p:txBody>
-      </p:sp>
-      <p:pic>
-        <p:nvPicPr>
-          <p:cNvPr id="3" name="Picture Placeholder 2" descr="consulting_company_logo.png"/>
-          <p:cNvPicPr>
-            <a:picLocks noGrp="1" noChangeAspect="1"/>
-          </p:cNvPicPr>
-          <p:nvPr>
-            <p:ph type="pic" idx="13" sz="quarter"/>
-          </p:nvPr>
-        </p:nvPicPr>
-        <p:blipFill>
-          <a:blip r:embed="rId2"/>
-          <a:srcRect t="6762" b="6762"/>
-          <a:stretch>
-            <a:fillRect/>
-          </a:stretch>
-        </p:blipFill>
-        <p:spPr/>
-      </p:pic>
-      <p:sp>
-        <p:nvSpPr>
-          <p:cNvPr id="4" name="Text Placeholder 3"/>
-          <p:cNvSpPr>
-            <a:spLocks noGrp="1"/>
-          </p:cNvSpPr>
-          <p:nvPr>
-            <p:ph type="body" idx="14" sz="quarter"/>
-          </p:nvPr>
-        </p:nvSpPr>
-        <p:spPr/>
-        <p:txBody>
-          <a:bodyPr/>
-          <a:lstStyle/>
-          <a:p>
-            <a:pPr/>
-            <a:r>
-              <a:rPr b="1"/>
-              <a:t>Accelerated Cloud Adoption</a:t>
-            </a:r>
-            <a:r>
-              <a:t>: Teams can deploy workloads in days, not months, with pre-configured secure environments</a:t>
-            </a:r>
-          </a:p>
-          <a:p>
-            <a:pPr/>
-            <a:r>
-              <a:rPr b="1"/>
-              <a:t>Enhanced Security Posture</a:t>
-            </a:r>
-            <a:r>
-              <a:t>: Centralized security controls, compliance policies, and threat protection across all Azure resources</a:t>
-            </a:r>
-          </a:p>
-          <a:p>
-            <a:pPr/>
-            <a:r>
-              <a:rPr b="1"/>
-              <a:t>Operational Efficiency</a:t>
-            </a:r>
-            <a:r>
-              <a:t>: Automated governance, self-service capabilities, and reduced manual configuration overhead</a:t>
-            </a:r>
-          </a:p>
-          <a:p>
-            <a:pPr/>
-            <a:r>
-              <a:rPr b="1"/>
-              <a:t>Platform Foundation</a:t>
-            </a:r>
-          </a:p>
-          <a:p>
-            <a:pPr lvl="1"/>
-            <a:r>
-              <a:t>Management group hierarchy with Azure Policy for centralized governance and compliance</a:t>
-            </a:r>
-          </a:p>
-          <a:p>
-            <a:pPr lvl="1"/>
-            <a:r>
-              <a:t>Hub-spoke network topology with Azure Virtual WAN and Azure Firewall for secure connectivity</a:t>
-            </a:r>
-          </a:p>
-          <a:p>
-            <a:pPr/>
-            <a:r>
-              <a:rPr b="1"/>
-              <a:t>Security &amp; Compliance</a:t>
-            </a:r>
-          </a:p>
-          <a:p>
-            <a:pPr lvl="1"/>
-            <a:r>
-              <a:t>Azure Sentinel SIEM/SOAR integration with Microsoft Defender for Cloud for threat protection</a:t>
-            </a:r>
-          </a:p>
-          <a:p>
-            <a:pPr lvl="1"/>
-            <a:r>
-              <a:t>Identity management with Azure AD Conditional Access and RBAC for zero-trust security</a:t>
-            </a:r>
-          </a:p>
-        </p:txBody>
-      </p:sp>
-      <p:pic>
-        <p:nvPicPr>
-          <p:cNvPr id="5" name="Picture 4" descr="eo-framework-logo-real.png"/>
-          <p:cNvPicPr>
-            <a:picLocks noChangeAspect="1"/>
-          </p:cNvPicPr>
-          <p:nvPr/>
-        </p:nvPicPr>
-        <p:blipFill>
-          <a:blip r:embed="rId3"/>
-          <a:stretch>
-            <a:fillRect/>
-          </a:stretch>
-        </p:blipFill>
-        <p:spPr>
-          <a:xfrm>
-            <a:off x="6684264" y="4535424"/>
-            <a:ext cx="2139696" cy="530352"/>
-          </a:xfrm>
-          <a:prstGeom prst="rect">
-            <a:avLst/>
-          </a:prstGeom>
-        </p:spPr>
-      </p:pic>
-    </p:spTree>
-  </p:cSld>
-  <p:clrMapOvr>
-    <a:masterClrMapping/>
-  </p:clrMapOvr>
-</p:sld>
-</file>
-
-<file path=ppt/slides/slide5.xml><?xml version="1.0" encoding="utf-8"?>
-<p:sld xmlns:a="http://schemas.openxmlformats.org/drawingml/2006/main" xmlns:p="http://schemas.openxmlformats.org/presentationml/2006/main" xmlns:r="http://schemas.openxmlformats.org/officeDocument/2006/relationships">
-  <p:cSld>
-    <p:spTree>
-      <p:nvGrpSpPr>
-        <p:cNvPr id="1" name=""/>
-        <p:cNvGrpSpPr/>
-        <p:nvPr/>
-      </p:nvGrpSpPr>
-      <p:grpSpPr/>
-      <p:sp>
-        <p:nvSpPr>
-          <p:cNvPr id="2" name="Text Placeholder 1"/>
-          <p:cNvSpPr>
-            <a:spLocks noGrp="1"/>
-          </p:cNvSpPr>
-          <p:nvPr>
-            <p:ph type="body" idx="10" sz="quarter"/>
-          </p:nvPr>
-        </p:nvSpPr>
-        <p:spPr/>
-        <p:txBody>
-          <a:bodyPr/>
-          <a:lstStyle/>
-          <a:p>
-            <a:r>
-              <a:t>Strategic Benefits</a:t>
-            </a:r>
-          </a:p>
-        </p:txBody>
-      </p:sp>
-      <p:pic>
-        <p:nvPicPr>
-          <p:cNvPr id="3" name="Picture Placeholder 2" descr="consulting_company_logo.png"/>
-          <p:cNvPicPr>
-            <a:picLocks noGrp="1" noChangeAspect="1"/>
-          </p:cNvPicPr>
-          <p:nvPr>
-            <p:ph type="pic" idx="13" sz="quarter"/>
-          </p:nvPr>
-        </p:nvPicPr>
-        <p:blipFill>
-          <a:blip r:embed="rId2"/>
-          <a:srcRect t="6762" b="6762"/>
-          <a:stretch>
-            <a:fillRect/>
-          </a:stretch>
-        </p:blipFill>
-        <p:spPr/>
-      </p:pic>
-      <p:sp>
-        <p:nvSpPr>
-          <p:cNvPr id="4" name="Text Placeholder 3"/>
-          <p:cNvSpPr>
-            <a:spLocks noGrp="1"/>
-          </p:cNvSpPr>
-          <p:nvPr>
-            <p:ph type="body" idx="14" sz="quarter"/>
-          </p:nvPr>
-        </p:nvSpPr>
-        <p:spPr/>
-        <p:txBody>
-          <a:bodyPr/>
-          <a:lstStyle/>
-          <a:p>
-            <a:pPr/>
-            <a:r>
-              <a:rPr b="1"/>
-              <a:t>Accelerated Time-to-Market</a:t>
-            </a:r>
-            <a:r>
-              <a:t>: Pre-configured landing zones enable teams to deploy production workloads 10x faster than manual setup</a:t>
-            </a:r>
-          </a:p>
-          <a:p>
-            <a:pPr/>
-            <a:r>
-              <a:rPr b="1"/>
-              <a:t>Reduced Security Risk</a:t>
-            </a:r>
-            <a:r>
-              <a:t>: Enterprise-grade security controls and compliance policies built into the foundation reduce breach risk by 60%</a:t>
-            </a:r>
-          </a:p>
-        </p:txBody>
-      </p:sp>
-      <p:pic>
-        <p:nvPicPr>
-          <p:cNvPr id="5" name="Picture 4" descr="eo-framework-logo-real.png"/>
-          <p:cNvPicPr>
-            <a:picLocks noChangeAspect="1"/>
-          </p:cNvPicPr>
-          <p:nvPr/>
-        </p:nvPicPr>
-        <p:blipFill>
-          <a:blip r:embed="rId3"/>
-          <a:stretch>
-            <a:fillRect/>
-          </a:stretch>
-        </p:blipFill>
-        <p:spPr>
-          <a:xfrm>
-            <a:off x="6684264" y="4535424"/>
-            <a:ext cx="2139696" cy="530352"/>
-          </a:xfrm>
-          <a:prstGeom prst="rect">
-            <a:avLst/>
-          </a:prstGeom>
-        </p:spPr>
-      </p:pic>
-    </p:spTree>
-  </p:cSld>
-  <p:clrMapOvr>
-    <a:masterClrMapping/>
-  </p:clrMapOvr>
-</p:sld>
-</file>
-
-<file path=ppt/slides/slide6.xml><?xml version="1.0" encoding="utf-8"?>
-<p:sld xmlns:a="http://schemas.openxmlformats.org/drawingml/2006/main" xmlns:p="http://schemas.openxmlformats.org/presentationml/2006/main" xmlns:r="http://schemas.openxmlformats.org/officeDocument/2006/relationships">
-  <p:cSld>
-    <p:spTree>
-      <p:nvGrpSpPr>
-        <p:cNvPr id="1" name=""/>
-        <p:cNvGrpSpPr/>
-        <p:nvPr/>
-      </p:nvGrpSpPr>
-      <p:grpSpPr/>
-      <p:sp>
-        <p:nvSpPr>
-          <p:cNvPr id="2" name="Text Placeholder 1"/>
-          <p:cNvSpPr>
-            <a:spLocks noGrp="1"/>
-          </p:cNvSpPr>
-          <p:nvPr>
-            <p:ph type="body" idx="10" sz="quarter"/>
-          </p:nvPr>
-        </p:nvSpPr>
-        <p:spPr/>
-        <p:txBody>
-          <a:bodyPr/>
-          <a:lstStyle/>
-          <a:p>
-            <a:r>
-              <a:t>Operational Benefits</a:t>
-            </a:r>
-          </a:p>
-        </p:txBody>
-      </p:sp>
-      <p:pic>
-        <p:nvPicPr>
-          <p:cNvPr id="3" name="Picture Placeholder 2" descr="consulting_company_logo.png"/>
-          <p:cNvPicPr>
-            <a:picLocks noGrp="1" noChangeAspect="1"/>
-          </p:cNvPicPr>
-          <p:nvPr>
-            <p:ph type="pic" idx="13" sz="quarter"/>
-          </p:nvPr>
-        </p:nvPicPr>
-        <p:blipFill>
-          <a:blip r:embed="rId2"/>
-          <a:srcRect t="6762" b="6762"/>
-          <a:stretch>
-            <a:fillRect/>
-          </a:stretch>
-        </p:blipFill>
-        <p:spPr/>
-      </p:pic>
-      <p:sp>
-        <p:nvSpPr>
-          <p:cNvPr id="4" name="Text Placeholder 3"/>
-          <p:cNvSpPr>
-            <a:spLocks noGrp="1"/>
-          </p:cNvSpPr>
-          <p:nvPr>
-            <p:ph type="body" idx="14" sz="quarter"/>
-          </p:nvPr>
-        </p:nvSpPr>
-        <p:spPr/>
-        <p:txBody>
-          <a:bodyPr/>
-          <a:lstStyle/>
-          <a:p>
-            <a:pPr/>
-            <a:r>
-              <a:rPr b="1"/>
-              <a:t>Cost Optimization</a:t>
-            </a:r>
-            <a:r>
-              <a:t>: Centralized cost management and governance policies prevent resource sprawl and reduce waste by 30-40%</a:t>
-            </a:r>
-          </a:p>
-          <a:p>
-            <a:pPr/>
-            <a:r>
-              <a:rPr b="1"/>
-              <a:t>Simplified Compliance</a:t>
-            </a:r>
-            <a:r>
-              <a:t>: Automated policy enforcement and audit logging simplify compliance with HIPAA, PCI-DSS, ISO 27001, and other frameworks</a:t>
-            </a:r>
-          </a:p>
-        </p:txBody>
-      </p:sp>
-      <p:pic>
-        <p:nvPicPr>
-          <p:cNvPr id="5" name="Picture 4" descr="eo-framework-logo-real.png"/>
-          <p:cNvPicPr>
-            <a:picLocks noChangeAspect="1"/>
-          </p:cNvPicPr>
-          <p:nvPr/>
-        </p:nvPicPr>
-        <p:blipFill>
-          <a:blip r:embed="rId3"/>
-          <a:stretch>
-            <a:fillRect/>
-          </a:stretch>
-        </p:blipFill>
-        <p:spPr>
-          <a:xfrm>
-            <a:off x="6684264" y="4535424"/>
-            <a:ext cx="2139696" cy="530352"/>
-          </a:xfrm>
-          <a:prstGeom prst="rect">
-            <a:avLst/>
-          </a:prstGeom>
-        </p:spPr>
-      </p:pic>
-    </p:spTree>
-  </p:cSld>
-  <p:clrMapOvr>
-    <a:masterClrMapping/>
-  </p:clrMapOvr>
-</p:sld>
-</file>
-
-<file path=ppt/slides/slide7.xml><?xml version="1.0" encoding="utf-8"?>
-<p:sld xmlns:a="http://schemas.openxmlformats.org/drawingml/2006/main" xmlns:p="http://schemas.openxmlformats.org/presentationml/2006/main" xmlns:r="http://schemas.openxmlformats.org/officeDocument/2006/relationships">
-  <p:cSld>
-    <p:spTree>
-      <p:nvGrpSpPr>
-        <p:cNvPr id="1" name=""/>
-        <p:cNvGrpSpPr/>
-        <p:nvPr/>
-      </p:nvGrpSpPr>
-      <p:grpSpPr/>
-      <p:sp>
-        <p:nvSpPr>
-          <p:cNvPr id="2" name="Text Placeholder 1"/>
-          <p:cNvSpPr>
-            <a:spLocks noGrp="1"/>
-          </p:cNvSpPr>
-          <p:nvPr>
-            <p:ph type="body" idx="10" sz="quarter"/>
-          </p:nvPr>
-        </p:nvSpPr>
-        <p:spPr/>
-        <p:txBody>
-          <a:bodyPr/>
-          <a:lstStyle/>
-          <a:p>
-            <a:r>
-              <a:t>Financial Benefits</a:t>
-            </a:r>
-          </a:p>
-        </p:txBody>
-      </p:sp>
-      <p:pic>
-        <p:nvPicPr>
-          <p:cNvPr id="3" name="Picture Placeholder 2" descr="consulting_company_logo.png"/>
-          <p:cNvPicPr>
-            <a:picLocks noGrp="1" noChangeAspect="1"/>
-          </p:cNvPicPr>
-          <p:nvPr>
-            <p:ph type="pic" idx="13" sz="quarter"/>
-          </p:nvPr>
-        </p:nvPicPr>
-        <p:blipFill>
-          <a:blip r:embed="rId2"/>
-          <a:srcRect t="6762" b="6762"/>
-          <a:stretch>
-            <a:fillRect/>
-          </a:stretch>
-        </p:blipFill>
-        <p:spPr/>
-      </p:pic>
-      <p:sp>
-        <p:nvSpPr>
-          <p:cNvPr id="4" name="Text Placeholder 3"/>
-          <p:cNvSpPr>
-            <a:spLocks noGrp="1"/>
-          </p:cNvSpPr>
-          <p:nvPr>
-            <p:ph type="body" idx="14" sz="quarter"/>
-          </p:nvPr>
-        </p:nvSpPr>
-        <p:spPr/>
-        <p:txBody>
-          <a:bodyPr/>
-          <a:lstStyle/>
-          <a:p>
-            <a:pPr/>
-            <a:r>
-              <a:rPr b="1"/>
-              <a:t>Lower TCO</a:t>
-            </a:r>
-            <a:r>
-              <a:t>: Standardized architecture reduces operational overhead and management costs by 35%</a:t>
-            </a:r>
-          </a:p>
-          <a:p>
-            <a:pPr/>
-            <a:r>
-              <a:rPr b="1"/>
-              <a:t>Predictable Scaling</a:t>
-            </a:r>
-            <a:r>
-              <a:t>: Hub-spoke model supports growth from 10 to 1000+ subscriptions without architectural redesign</a:t>
-            </a:r>
-          </a:p>
-        </p:txBody>
-      </p:sp>
-      <p:pic>
-        <p:nvPicPr>
-          <p:cNvPr id="5" name="Picture 4" descr="eo-framework-logo-real.png"/>
-          <p:cNvPicPr>
-            <a:picLocks noChangeAspect="1"/>
-          </p:cNvPicPr>
-          <p:nvPr/>
-        </p:nvPicPr>
-        <p:blipFill>
-          <a:blip r:embed="rId3"/>
-          <a:stretch>
-            <a:fillRect/>
-          </a:stretch>
-        </p:blipFill>
-        <p:spPr>
-          <a:xfrm>
-            <a:off x="6684264" y="4535424"/>
-            <a:ext cx="2139696" cy="530352"/>
-          </a:xfrm>
-          <a:prstGeom prst="rect">
-            <a:avLst/>
-          </a:prstGeom>
-        </p:spPr>
-      </p:pic>
-    </p:spTree>
-  </p:cSld>
-  <p:clrMapOvr>
-    <a:masterClrMapping/>
-  </p:clrMapOvr>
-</p:sld>
-</file>
-
-<file path=ppt/slides/slide8.xml><?xml version="1.0" encoding="utf-8"?>
-<p:sld xmlns:a="http://schemas.openxmlformats.org/drawingml/2006/main" xmlns:p="http://schemas.openxmlformats.org/presentationml/2006/main" xmlns:r="http://schemas.openxmlformats.org/officeDocument/2006/relationships">
-  <p:cSld>
-    <p:spTree>
-      <p:nvGrpSpPr>
-        <p:cNvPr id="1" name=""/>
-        <p:cNvGrpSpPr/>
-        <p:nvPr/>
-      </p:nvGrpSpPr>
-      <p:grpSpPr/>
-      <p:sp>
-        <p:nvSpPr>
-          <p:cNvPr id="2" name="Text Placeholder 1"/>
-          <p:cNvSpPr>
-            <a:spLocks noGrp="1"/>
-          </p:cNvSpPr>
-          <p:nvPr>
-            <p:ph type="body" idx="10" sz="quarter"/>
-          </p:nvPr>
-        </p:nvSpPr>
-        <p:spPr/>
-        <p:txBody>
-          <a:bodyPr/>
-          <a:lstStyle/>
-          <a:p>
-            <a:r>
-              <a:t>Core Components</a:t>
-            </a:r>
-          </a:p>
-        </p:txBody>
-      </p:sp>
-      <p:pic>
-        <p:nvPicPr>
-          <p:cNvPr id="3" name="Picture Placeholder 2" descr="consulting_company_logo.png"/>
-          <p:cNvPicPr>
-            <a:picLocks noGrp="1" noChangeAspect="1"/>
-          </p:cNvPicPr>
-          <p:nvPr>
-            <p:ph type="pic" idx="13" sz="quarter"/>
-          </p:nvPr>
-        </p:nvPicPr>
-        <p:blipFill>
-          <a:blip r:embed="rId2"/>
-          <a:srcRect t="6762" b="6762"/>
-          <a:stretch>
-            <a:fillRect/>
-          </a:stretch>
-        </p:blipFill>
-        <p:spPr/>
-      </p:pic>
-      <p:sp>
-        <p:nvSpPr>
-          <p:cNvPr id="4" name="Text Placeholder 3"/>
-          <p:cNvSpPr>
-            <a:spLocks noGrp="1"/>
-          </p:cNvSpPr>
-          <p:nvPr>
-            <p:ph type="body" idx="14" sz="quarter"/>
-          </p:nvPr>
-        </p:nvSpPr>
-        <p:spPr/>
-        <p:txBody>
-          <a:bodyPr/>
-          <a:lstStyle/>
-          <a:p>
-            <a:pPr/>
-            <a:r>
-              <a:rPr b="1"/>
-              <a:t>Management Groups</a:t>
-            </a:r>
-            <a:r>
-              <a:t>: Hierarchical structure (Platform, Landing Zones, Sandboxes, Decommissioned) for policy and access control</a:t>
-            </a:r>
-          </a:p>
-          <a:p>
-            <a:pPr/>
-            <a:r>
-              <a:rPr b="1"/>
-              <a:t>Subscription Vending</a:t>
-            </a:r>
-            <a:r>
-              <a:t>: Automated subscription provisioning with pre-configured policies, networking, and security baselines</a:t>
-            </a:r>
-          </a:p>
-          <a:p>
-            <a:pPr/>
-            <a:r>
-              <a:rPr b="1"/>
-              <a:t>Hub-Spoke Networking</a:t>
-            </a:r>
-            <a:r>
-              <a:t>: Azure Virtual WAN with Azure Firewall, ExpressRoute, and VPN Gateway for hybrid connectivity</a:t>
-            </a:r>
-          </a:p>
-          <a:p>
-            <a:pPr/>
-            <a:r>
-              <a:rPr b="1"/>
-              <a:t>Identity &amp; Access</a:t>
-            </a:r>
-            <a:r>
-              <a:t>: Azure AD integration with Conditional Access, Privileged Identity Management, and RBAC</a:t>
-            </a:r>
-          </a:p>
-        </p:txBody>
-      </p:sp>
-      <p:pic>
-        <p:nvPicPr>
-          <p:cNvPr id="5" name="Picture 4" descr="eo-framework-logo-real.png"/>
-          <p:cNvPicPr>
-            <a:picLocks noChangeAspect="1"/>
-          </p:cNvPicPr>
-          <p:nvPr/>
-        </p:nvPicPr>
-        <p:blipFill>
-          <a:blip r:embed="rId3"/>
-          <a:stretch>
-            <a:fillRect/>
-          </a:stretch>
-        </p:blipFill>
-        <p:spPr>
-          <a:xfrm>
-            <a:off x="6684264" y="4535424"/>
-            <a:ext cx="2139696" cy="530352"/>
-          </a:xfrm>
-          <a:prstGeom prst="rect">
-            <a:avLst/>
-          </a:prstGeom>
-        </p:spPr>
-      </p:pic>
-    </p:spTree>
-  </p:cSld>
-  <p:clrMapOvr>
-    <a:masterClrMapping/>
-  </p:clrMapOvr>
-</p:sld>
-</file>
-
-<file path=ppt/slides/slide9.xml><?xml version="1.0" encoding="utf-8"?>
-<p:sld xmlns:a="http://schemas.openxmlformats.org/drawingml/2006/main" xmlns:p="http://schemas.openxmlformats.org/presentationml/2006/main" xmlns:r="http://schemas.openxmlformats.org/officeDocument/2006/relationships">
-  <p:cSld>
-    <p:spTree>
-      <p:nvGrpSpPr>
-        <p:cNvPr id="1" name=""/>
-        <p:cNvGrpSpPr/>
-        <p:nvPr/>
-      </p:nvGrpSpPr>
-      <p:grpSpPr/>
-      <p:sp>
-        <p:nvSpPr>
-          <p:cNvPr id="2" name="Text Placeholder 1"/>
-          <p:cNvSpPr>
-            <a:spLocks noGrp="1"/>
-          </p:cNvSpPr>
-          <p:nvPr>
-            <p:ph type="body" idx="10" sz="quarter"/>
-          </p:nvPr>
-        </p:nvSpPr>
-        <p:spPr/>
-        <p:txBody>
-          <a:bodyPr/>
-          <a:lstStyle/>
-          <a:p>
-            <a:r>
-              <a:t>Security &amp; Governance</a:t>
-            </a:r>
-          </a:p>
-        </p:txBody>
-      </p:sp>
-      <p:pic>
-        <p:nvPicPr>
-          <p:cNvPr id="3" name="Picture Placeholder 2" descr="consulting_company_logo.png"/>
-          <p:cNvPicPr>
-            <a:picLocks noGrp="1" noChangeAspect="1"/>
-          </p:cNvPicPr>
-          <p:nvPr>
-            <p:ph type="pic" idx="13" sz="quarter"/>
-          </p:nvPr>
-        </p:nvPicPr>
-        <p:blipFill>
-          <a:blip r:embed="rId2"/>
-          <a:srcRect t="6762" b="6762"/>
-          <a:stretch>
-            <a:fillRect/>
-          </a:stretch>
-        </p:blipFill>
-        <p:spPr/>
-      </p:pic>
-      <p:sp>
-        <p:nvSpPr>
-          <p:cNvPr id="4" name="Text Placeholder 3"/>
-          <p:cNvSpPr>
-            <a:spLocks noGrp="1"/>
-          </p:cNvSpPr>
-          <p:nvPr>
-            <p:ph type="body" idx="14" sz="quarter"/>
-          </p:nvPr>
-        </p:nvSpPr>
-        <p:spPr/>
-        <p:txBody>
-          <a:bodyPr/>
-          <a:lstStyle/>
-          <a:p>
-            <a:pPr/>
-            <a:r>
-              <a:rPr b="1"/>
-              <a:t>Azure Policy</a:t>
-            </a:r>
-            <a:r>
-              <a:t>: Centralized governance with 150+ built-in policies for security, compliance, and cost management</a:t>
-            </a:r>
-          </a:p>
-          <a:p>
-            <a:pPr/>
-            <a:r>
-              <a:rPr b="1"/>
-              <a:t>Microsoft Defender for Cloud</a:t>
-            </a:r>
-            <a:r>
-              <a:t>: Continuous security assessment with threat detection and vulnerability management</a:t>
-            </a:r>
-          </a:p>
-          <a:p>
-            <a:pPr/>
-            <a:r>
-              <a:rPr b="1"/>
-              <a:t>Azure Sentinel</a:t>
-            </a:r>
-            <a:r>
-              <a:t>: Cloud-native SIEM/SOAR for security operations and threat hunting</a:t>
-            </a:r>
-          </a:p>
-          <a:p>
-            <a:pPr/>
-            <a:r>
-              <a:rPr b="1"/>
-              <a:t>Azure Monitor</a:t>
-            </a:r>
-            <a:r>
-              <a:t>: Centralized logging with Log Analytics Workspace for diagnostics and performance monitoring</a:t>
+              <a:t>Week 9-12:</a:t>
+            </a:r>
+            <a:r>
+              <a:t> Landing zones and subscription vending</a:t>
             </a:r>
           </a:p>
         </p:txBody>

--- a/solutions/azure/cloud/enterprise-landing-zone/presales/solution-briefing.pptx
+++ b/solutions/azure/cloud/enterprise-landing-zone/presales/solution-briefing.pptx
@@ -3978,7 +3978,7 @@
         </p:nvGraphicFramePr>
         <p:xfrm>
           <a:off x="256855" y="677011"/>
-          <a:ext cx="8710930" cy="1483360"/>
+          <a:ext cx="8710931" cy="1483360"/>
         </p:xfrm>
         <a:graphic>
           <a:graphicData uri="http://schemas.openxmlformats.org/drawingml/2006/table">
@@ -3987,10 +3987,10 @@
                 <a:tableStyleId>{5C22544A-7EE6-4342-B048-85BDC9FD1C3A}</a:tableStyleId>
               </a:tblPr>
               <a:tblGrid>
-                <a:gridCol w="1045311"/>
+                <a:gridCol w="871093"/>
                 <a:gridCol w="2177733"/>
-                <a:gridCol w="1045311"/>
-                <a:gridCol w="4442575"/>
+                <a:gridCol w="1306639"/>
+                <a:gridCol w="4355466"/>
               </a:tblGrid>
               <a:tr h="370840">
                 <a:tc>
@@ -4709,7 +4709,7 @@
         </p:nvGraphicFramePr>
         <p:xfrm>
           <a:off x="256855" y="677011"/>
-          <a:ext cx="8719641" cy="2225040"/>
+          <a:ext cx="8710929" cy="2225040"/>
         </p:xfrm>
         <a:graphic>
           <a:graphicData uri="http://schemas.openxmlformats.org/drawingml/2006/table">
@@ -4718,13 +4718,13 @@
                 <a:tableStyleId>{5C22544A-7EE6-4342-B048-85BDC9FD1C3A}</a:tableStyleId>
               </a:tblPr>
               <a:tblGrid>
-                <a:gridCol w="1567967"/>
+                <a:gridCol w="1742186"/>
+                <a:gridCol w="1045311"/>
+                <a:gridCol w="2003514"/>
                 <a:gridCol w="1132421"/>
-                <a:gridCol w="1742186"/>
-                <a:gridCol w="1132421"/>
-                <a:gridCol w="993046"/>
-                <a:gridCol w="993046"/>
-                <a:gridCol w="1158554"/>
+                <a:gridCol w="871093"/>
+                <a:gridCol w="871093"/>
+                <a:gridCol w="1045311"/>
               </a:tblGrid>
               <a:tr h="370840">
                 <a:tc>

--- a/solutions/azure/cloud/enterprise-landing-zone/presales/solution-briefing.pptx
+++ b/solutions/azure/cloud/enterprise-landing-zone/presales/solution-briefing.pptx
@@ -18,6 +18,7 @@
     <p:sldId id="263" r:id="rId14"/>
     <p:sldId id="264" r:id="rId15"/>
     <p:sldId id="265" r:id="rId16"/>
+    <p:sldId id="266" r:id="rId17"/>
   </p:sldIdLst>
   <p:sldSz cx="9144000" cy="5143500" type="screen16x9"/>
   <p:notesSz cx="5143500" cy="9144000"/>
@@ -244,6 +245,131 @@
     </a:lvl9pPr>
   </p:notesStyle>
 </p:notesMaster>
+</file>
+
+<file path=ppt/notesSlides/notesSlide1.xml><?xml version="1.0" encoding="utf-8"?>
+<p:notes xmlns:a="http://schemas.openxmlformats.org/drawingml/2006/main" xmlns:p="http://schemas.openxmlformats.org/presentationml/2006/main" xmlns:r="http://schemas.openxmlformats.org/officeDocument/2006/relationships">
+  <p:cSld>
+    <p:spTree>
+      <p:nvGrpSpPr>
+        <p:cNvPr id="1" name=""/>
+        <p:cNvGrpSpPr/>
+        <p:nvPr/>
+      </p:nvGrpSpPr>
+      <p:grpSpPr>
+        <a:xfrm>
+          <a:off x="0" y="0"/>
+          <a:ext cx="0" cy="0"/>
+          <a:chOff x="0" y="0"/>
+          <a:chExt cx="0" cy="0"/>
+        </a:xfrm>
+      </p:grpSpPr>
+    </p:spTree>
+  </p:cSld>
+  <p:clrMapOvr>
+    <a:masterClrMapping/>
+  </p:clrMapOvr>
+</p:notes>
+</file>
+
+<file path=ppt/notesSlides/notesSlide2.xml><?xml version="1.0" encoding="utf-8"?>
+<p:notes xmlns:a="http://schemas.openxmlformats.org/drawingml/2006/main" xmlns:p="http://schemas.openxmlformats.org/presentationml/2006/main" xmlns:r="http://schemas.openxmlformats.org/officeDocument/2006/relationships">
+  <p:cSld>
+    <p:spTree>
+      <p:nvGrpSpPr>
+        <p:cNvPr id="1" name=""/>
+        <p:cNvGrpSpPr/>
+        <p:nvPr/>
+      </p:nvGrpSpPr>
+      <p:grpSpPr>
+        <a:xfrm>
+          <a:off x="0" y="0"/>
+          <a:ext cx="0" cy="0"/>
+          <a:chOff x="0" y="0"/>
+          <a:chExt cx="0" cy="0"/>
+        </a:xfrm>
+      </p:grpSpPr>
+    </p:spTree>
+  </p:cSld>
+  <p:clrMapOvr>
+    <a:masterClrMapping/>
+  </p:clrMapOvr>
+</p:notes>
+</file>
+
+<file path=ppt/notesSlides/notesSlide3.xml><?xml version="1.0" encoding="utf-8"?>
+<p:notes xmlns:a="http://schemas.openxmlformats.org/drawingml/2006/main" xmlns:p="http://schemas.openxmlformats.org/presentationml/2006/main" xmlns:r="http://schemas.openxmlformats.org/officeDocument/2006/relationships">
+  <p:cSld>
+    <p:spTree>
+      <p:nvGrpSpPr>
+        <p:cNvPr id="1" name=""/>
+        <p:cNvGrpSpPr/>
+        <p:nvPr/>
+      </p:nvGrpSpPr>
+      <p:grpSpPr>
+        <a:xfrm>
+          <a:off x="0" y="0"/>
+          <a:ext cx="0" cy="0"/>
+          <a:chOff x="0" y="0"/>
+          <a:chExt cx="0" cy="0"/>
+        </a:xfrm>
+      </p:grpSpPr>
+    </p:spTree>
+  </p:cSld>
+  <p:clrMapOvr>
+    <a:masterClrMapping/>
+  </p:clrMapOvr>
+</p:notes>
+</file>
+
+<file path=ppt/notesSlides/notesSlide4.xml><?xml version="1.0" encoding="utf-8"?>
+<p:notes xmlns:a="http://schemas.openxmlformats.org/drawingml/2006/main" xmlns:p="http://schemas.openxmlformats.org/presentationml/2006/main" xmlns:r="http://schemas.openxmlformats.org/officeDocument/2006/relationships">
+  <p:cSld>
+    <p:spTree>
+      <p:nvGrpSpPr>
+        <p:cNvPr id="1" name=""/>
+        <p:cNvGrpSpPr/>
+        <p:nvPr/>
+      </p:nvGrpSpPr>
+      <p:grpSpPr>
+        <a:xfrm>
+          <a:off x="0" y="0"/>
+          <a:ext cx="0" cy="0"/>
+          <a:chOff x="0" y="0"/>
+          <a:chExt cx="0" cy="0"/>
+        </a:xfrm>
+      </p:grpSpPr>
+    </p:spTree>
+  </p:cSld>
+  <p:clrMapOvr>
+    <a:masterClrMapping/>
+  </p:clrMapOvr>
+</p:notes>
+</file>
+
+<file path=ppt/notesSlides/notesSlide5.xml><?xml version="1.0" encoding="utf-8"?>
+<p:notes xmlns:a="http://schemas.openxmlformats.org/drawingml/2006/main" xmlns:p="http://schemas.openxmlformats.org/presentationml/2006/main" xmlns:r="http://schemas.openxmlformats.org/officeDocument/2006/relationships">
+  <p:cSld>
+    <p:spTree>
+      <p:nvGrpSpPr>
+        <p:cNvPr id="1" name=""/>
+        <p:cNvGrpSpPr/>
+        <p:nvPr/>
+      </p:nvGrpSpPr>
+      <p:grpSpPr>
+        <a:xfrm>
+          <a:off x="0" y="0"/>
+          <a:ext cx="0" cy="0"/>
+          <a:chOff x="0" y="0"/>
+          <a:chExt cx="0" cy="0"/>
+        </a:xfrm>
+      </p:grpSpPr>
+    </p:spTree>
+  </p:cSld>
+  <p:clrMapOvr>
+    <a:masterClrMapping/>
+  </p:clrMapOvr>
+</p:notes>
 </file>
 
 <file path=ppt/slideLayouts/slideLayout1.xml><?xml version="1.0" encoding="utf-8"?>
@@ -3235,7 +3361,7 @@
           <a:lstStyle/>
           <a:p>
             <a:r>
-              <a:t>[Presenter Name] | November 15, 2025</a:t>
+              <a:t>Alison Smith | November 16, 2025</a:t>
             </a:r>
           </a:p>
         </p:txBody>
@@ -3273,6 +3399,174 @@
 </file>
 
 <file path=ppt/slides/slide10.xml><?xml version="1.0" encoding="utf-8"?>
+<p:sld xmlns:a="http://schemas.openxmlformats.org/drawingml/2006/main" xmlns:p="http://schemas.openxmlformats.org/presentationml/2006/main" xmlns:r="http://schemas.openxmlformats.org/officeDocument/2006/relationships">
+  <p:cSld>
+    <p:spTree>
+      <p:nvGrpSpPr>
+        <p:cNvPr id="1" name=""/>
+        <p:cNvGrpSpPr/>
+        <p:nvPr/>
+      </p:nvGrpSpPr>
+      <p:grpSpPr/>
+      <p:sp>
+        <p:nvSpPr>
+          <p:cNvPr id="2" name="Text Placeholder 1"/>
+          <p:cNvSpPr>
+            <a:spLocks noGrp="1"/>
+          </p:cNvSpPr>
+          <p:nvPr>
+            <p:ph type="body" idx="10" sz="quarter"/>
+          </p:nvPr>
+        </p:nvSpPr>
+        <p:spPr/>
+        <p:txBody>
+          <a:bodyPr/>
+          <a:lstStyle/>
+          <a:p>
+            <a:r>
+              <a:t>Next Steps</a:t>
+            </a:r>
+          </a:p>
+        </p:txBody>
+      </p:sp>
+      <p:pic>
+        <p:nvPicPr>
+          <p:cNvPr id="3" name="Picture Placeholder 2" descr="consulting_company_logo.png"/>
+          <p:cNvPicPr>
+            <a:picLocks noGrp="1" noChangeAspect="1"/>
+          </p:cNvPicPr>
+          <p:nvPr>
+            <p:ph type="pic" idx="13" sz="quarter"/>
+          </p:nvPr>
+        </p:nvPicPr>
+        <p:blipFill>
+          <a:blip r:embed="rId2"/>
+          <a:srcRect t="6762" b="6762"/>
+          <a:stretch>
+            <a:fillRect/>
+          </a:stretch>
+        </p:blipFill>
+        <p:spPr/>
+      </p:pic>
+      <p:sp>
+        <p:nvSpPr>
+          <p:cNvPr id="4" name="Text Placeholder 3"/>
+          <p:cNvSpPr>
+            <a:spLocks noGrp="1"/>
+          </p:cNvSpPr>
+          <p:nvPr>
+            <p:ph type="body" idx="14" sz="quarter"/>
+          </p:nvPr>
+        </p:nvSpPr>
+        <p:spPr/>
+        <p:txBody>
+          <a:bodyPr/>
+          <a:lstStyle/>
+          <a:p>
+            <a:pPr/>
+            <a:r>
+              <a:rPr b="1"/>
+              <a:t>Decision:</a:t>
+            </a:r>
+            <a:r>
+              <a:t> [Specific decision needed by when]</a:t>
+            </a:r>
+          </a:p>
+          <a:p>
+            <a:pPr/>
+            <a:r>
+              <a:rPr b="1"/>
+              <a:t>Kickoff:</a:t>
+            </a:r>
+            <a:r>
+              <a:t> [Target start date]</a:t>
+            </a:r>
+          </a:p>
+          <a:p>
+            <a:pPr/>
+            <a:r>
+              <a:rPr b="1"/>
+              <a:t>Team Formation:</a:t>
+            </a:r>
+            <a:r>
+              <a:t> [Key team members required]</a:t>
+            </a:r>
+          </a:p>
+          <a:p>
+            <a:pPr/>
+            <a:r>
+              <a:rPr b="1"/>
+              <a:t>Week 1:</a:t>
+            </a:r>
+            <a:r>
+              <a:t> Contract finalization and Azure access provisioning</a:t>
+            </a:r>
+          </a:p>
+          <a:p>
+            <a:pPr/>
+            <a:r>
+              <a:rPr b="1"/>
+              <a:t>Week 2:</a:t>
+            </a:r>
+            <a:r>
+              <a:t> Current state discovery and stakeholder interviews</a:t>
+            </a:r>
+          </a:p>
+          <a:p>
+            <a:pPr/>
+            <a:r>
+              <a:rPr b="1"/>
+              <a:t>Week 3:</a:t>
+            </a:r>
+            <a:r>
+              <a:t> Management group design workshop</a:t>
+            </a:r>
+          </a:p>
+          <a:p>
+            <a:pPr/>
+            <a:r>
+              <a:rPr b="1"/>
+              <a:t>Week 4:</a:t>
+            </a:r>
+            <a:r>
+              <a:t> Foundation deployment begins</a:t>
+            </a:r>
+          </a:p>
+        </p:txBody>
+      </p:sp>
+      <p:pic>
+        <p:nvPicPr>
+          <p:cNvPr id="5" name="Picture 4" descr="eo-framework-logo-real.png"/>
+          <p:cNvPicPr>
+            <a:picLocks noChangeAspect="1"/>
+          </p:cNvPicPr>
+          <p:nvPr/>
+        </p:nvPicPr>
+        <p:blipFill>
+          <a:blip r:embed="rId3"/>
+          <a:stretch>
+            <a:fillRect/>
+          </a:stretch>
+        </p:blipFill>
+        <p:spPr>
+          <a:xfrm>
+            <a:off x="6684264" y="4535424"/>
+            <a:ext cx="2139696" cy="530352"/>
+          </a:xfrm>
+          <a:prstGeom prst="rect">
+            <a:avLst/>
+          </a:prstGeom>
+        </p:spPr>
+      </p:pic>
+    </p:spTree>
+  </p:cSld>
+  <p:clrMapOvr>
+    <a:masterClrMapping/>
+  </p:clrMapOvr>
+</p:sld>
+</file>
+
+<file path=ppt/slides/slide11.xml><?xml version="1.0" encoding="utf-8"?>
 <p:sld xmlns:a="http://schemas.openxmlformats.org/drawingml/2006/main" xmlns:p="http://schemas.openxmlformats.org/presentationml/2006/main" xmlns:r="http://schemas.openxmlformats.org/officeDocument/2006/relationships">
   <p:cSld>
     <p:spTree>
@@ -3490,19 +3784,19 @@
           <a:p>
             <a:pPr lvl="1"/>
             <a:r>
-              <a:t>Accelerate cloud adoption - teams can deploy workloads in days, not months, with pre-configured secure environments</a:t>
+              <a:t>Build a secure foundation for multi-subscription Azure deployments with consistent governance</a:t>
             </a:r>
           </a:p>
           <a:p>
             <a:pPr lvl="1"/>
             <a:r>
-              <a:t>Establish centralized governance supporting multiple teams while maintaining security controls and cost management</a:t>
+              <a:t>Reduce cloud management overhead by 40-50% through automated policy enforcement</a:t>
             </a:r>
           </a:p>
           <a:p>
             <a:pPr lvl="1"/>
             <a:r>
-              <a:t>Enable scalability from 10 to 1000+ subscriptions without architectural redesign</a:t>
+              <a:t>Enable rapid subscription provisioning while maintaining security and compliance standards</a:t>
             </a:r>
           </a:p>
         </p:txBody>
@@ -3531,19 +3825,19 @@
           <a:p>
             <a:pPr lvl="1"/>
             <a:r>
-              <a:t>95% faster provisioning - environment deployment reduced from 6 weeks to 2 days</a:t>
+              <a:t>Deploy management group hierarchy with automated policy inheritance within 8 weeks</a:t>
             </a:r>
           </a:p>
           <a:p>
             <a:pPr lvl="1"/>
             <a:r>
-              <a:t>60% security improvement through automated compliance with 200+ Azure Policy rules</a:t>
+              <a:t>Achieve 100% policy compliance across all subscriptions with real-time monitoring</a:t>
             </a:r>
           </a:p>
           <a:p>
             <a:pPr lvl="1"/>
             <a:r>
-              <a:t>35% reduction in operational overhead through standardized architecture</a:t>
+              <a:t>Reduce subscription provisioning time from weeks to hours with standardized templates</a:t>
             </a:r>
           </a:p>
         </p:txBody>
@@ -3605,6 +3899,1032 @@
           <a:bodyPr/>
           <a:lstStyle/>
           <a:p>
+            <a:pPr algn="l"/>
+            <a:r>
+              <a:rPr b="1"/>
+              <a:t>Engagement Scope</a:t>
+            </a:r>
+          </a:p>
+        </p:txBody>
+      </p:sp>
+      <p:pic>
+        <p:nvPicPr>
+          <p:cNvPr id="3" name="Picture Placeholder 2" descr="consulting_company_logo.png"/>
+          <p:cNvPicPr>
+            <a:picLocks noGrp="1" noChangeAspect="1"/>
+          </p:cNvPicPr>
+          <p:nvPr>
+            <p:ph type="pic" idx="13" sz="quarter"/>
+          </p:nvPr>
+        </p:nvPicPr>
+        <p:blipFill>
+          <a:blip r:embed="rId2"/>
+          <a:srcRect t="6404" b="6404"/>
+          <a:stretch>
+            <a:fillRect/>
+          </a:stretch>
+        </p:blipFill>
+        <p:spPr/>
+      </p:pic>
+      <p:graphicFrame>
+        <p:nvGraphicFramePr>
+          <p:cNvPr id="4" name="Table Placeholder 3"/>
+          <p:cNvGraphicFramePr>
+            <a:graphicFrameLocks noGrp="1"/>
+          </p:cNvGraphicFramePr>
+          <p:nvPr>
+            <p:ph type="tbl" idx="14" sz="quarter"/>
+          </p:nvPr>
+        </p:nvGraphicFramePr>
+        <p:xfrm>
+          <a:off x="256855" y="677011"/>
+          <a:ext cx="8710931" cy="6304280"/>
+        </p:xfrm>
+        <a:graphic>
+          <a:graphicData uri="http://schemas.openxmlformats.org/drawingml/2006/table">
+            <a:tbl>
+              <a:tblPr firstRow="1" bandRow="1">
+                <a:tableStyleId>{5C22544A-7EE6-4342-B048-85BDC9FD1C3A}</a:tableStyleId>
+              </a:tblPr>
+              <a:tblGrid>
+                <a:gridCol w="2613279"/>
+                <a:gridCol w="3048826"/>
+                <a:gridCol w="3048826"/>
+              </a:tblGrid>
+              <a:tr h="370840">
+                <a:tc>
+                  <a:txBody>
+                    <a:bodyPr/>
+                    <a:lstStyle/>
+                    <a:p>
+                      <a:r>
+                        <a:rPr sz="1400">
+                          <a:solidFill>
+                            <a:srgbClr val="FFFFFF"/>
+                          </a:solidFill>
+                        </a:rPr>
+                        <a:t>Category</a:t>
+                      </a:r>
+                    </a:p>
+                  </a:txBody>
+                  <a:tcPr>
+                    <a:solidFill>
+                      <a:srgbClr val="A01C02"/>
+                    </a:solidFill>
+                  </a:tcPr>
+                </a:tc>
+                <a:tc>
+                  <a:txBody>
+                    <a:bodyPr/>
+                    <a:lstStyle/>
+                    <a:p>
+                      <a:r>
+                        <a:rPr sz="1400">
+                          <a:solidFill>
+                            <a:srgbClr val="FFFFFF"/>
+                          </a:solidFill>
+                        </a:rPr>
+                        <a:t>Parameter</a:t>
+                      </a:r>
+                    </a:p>
+                  </a:txBody>
+                  <a:tcPr>
+                    <a:solidFill>
+                      <a:srgbClr val="A01C02"/>
+                    </a:solidFill>
+                  </a:tcPr>
+                </a:tc>
+                <a:tc>
+                  <a:txBody>
+                    <a:bodyPr/>
+                    <a:lstStyle/>
+                    <a:p>
+                      <a:r>
+                        <a:rPr sz="1400">
+                          <a:solidFill>
+                            <a:srgbClr val="FFFFFF"/>
+                          </a:solidFill>
+                        </a:rPr>
+                        <a:t>Scope</a:t>
+                      </a:r>
+                    </a:p>
+                  </a:txBody>
+                  <a:tcPr>
+                    <a:solidFill>
+                      <a:srgbClr val="A01C02"/>
+                    </a:solidFill>
+                  </a:tcPr>
+                </a:tc>
+              </a:tr>
+              <a:tr h="370840">
+                <a:tc>
+                  <a:txBody>
+                    <a:bodyPr/>
+                    <a:lstStyle/>
+                    <a:p>
+                      <a:r>
+                        <a:rPr sz="1100"/>
+                        <a:t>Solution Scope</a:t>
+                      </a:r>
+                    </a:p>
+                  </a:txBody>
+                  <a:tcPr>
+                    <a:solidFill>
+                      <a:srgbClr val="E7E6E6"/>
+                    </a:solidFill>
+                  </a:tcPr>
+                </a:tc>
+                <a:tc>
+                  <a:txBody>
+                    <a:bodyPr/>
+                    <a:lstStyle/>
+                    <a:p>
+                      <a:r>
+                        <a:rPr sz="1100"/>
+                        <a:t>Management Groups</a:t>
+                      </a:r>
+                    </a:p>
+                  </a:txBody>
+                  <a:tcPr>
+                    <a:solidFill>
+                      <a:srgbClr val="E7E6E6"/>
+                    </a:solidFill>
+                  </a:tcPr>
+                </a:tc>
+                <a:tc>
+                  <a:txBody>
+                    <a:bodyPr/>
+                    <a:lstStyle/>
+                    <a:p>
+                      <a:r>
+                        <a:rPr sz="1100"/>
+                        <a:t>3-tier hierarchy</a:t>
+                      </a:r>
+                    </a:p>
+                  </a:txBody>
+                  <a:tcPr>
+                    <a:solidFill>
+                      <a:srgbClr val="E7E6E6"/>
+                    </a:solidFill>
+                  </a:tcPr>
+                </a:tc>
+              </a:tr>
+              <a:tr h="370840">
+                <a:tc>
+                  <a:txBody>
+                    <a:bodyPr/>
+                    <a:lstStyle/>
+                    <a:p>
+                      <a:r>
+                        <a:rPr sz="1100"/>
+                        <a:t>Solution Scope</a:t>
+                      </a:r>
+                    </a:p>
+                  </a:txBody>
+                  <a:tcPr>
+                    <a:solidFill>
+                      <a:srgbClr val="E7E6E6"/>
+                    </a:solidFill>
+                  </a:tcPr>
+                </a:tc>
+                <a:tc>
+                  <a:txBody>
+                    <a:bodyPr/>
+                    <a:lstStyle/>
+                    <a:p>
+                      <a:r>
+                        <a:rPr sz="1100"/>
+                        <a:t>Subscriptions</a:t>
+                      </a:r>
+                    </a:p>
+                  </a:txBody>
+                  <a:tcPr>
+                    <a:solidFill>
+                      <a:srgbClr val="E7E6E6"/>
+                    </a:solidFill>
+                  </a:tcPr>
+                </a:tc>
+                <a:tc>
+                  <a:txBody>
+                    <a:bodyPr/>
+                    <a:lstStyle/>
+                    <a:p>
+                      <a:r>
+                        <a:rPr sz="1100"/>
+                        <a:t>5-10 subscriptions</a:t>
+                      </a:r>
+                    </a:p>
+                  </a:txBody>
+                  <a:tcPr>
+                    <a:solidFill>
+                      <a:srgbClr val="E7E6E6"/>
+                    </a:solidFill>
+                  </a:tcPr>
+                </a:tc>
+              </a:tr>
+              <a:tr h="370840">
+                <a:tc>
+                  <a:txBody>
+                    <a:bodyPr/>
+                    <a:lstStyle/>
+                    <a:p>
+                      <a:r>
+                        <a:rPr sz="1100"/>
+                        <a:t>Integration</a:t>
+                      </a:r>
+                    </a:p>
+                  </a:txBody>
+                  <a:tcPr>
+                    <a:solidFill>
+                      <a:srgbClr val="E7E6E6"/>
+                    </a:solidFill>
+                  </a:tcPr>
+                </a:tc>
+                <a:tc>
+                  <a:txBody>
+                    <a:bodyPr/>
+                    <a:lstStyle/>
+                    <a:p>
+                      <a:r>
+                        <a:rPr sz="1100"/>
+                        <a:t>Hybrid Connectivity</a:t>
+                      </a:r>
+                    </a:p>
+                  </a:txBody>
+                  <a:tcPr>
+                    <a:solidFill>
+                      <a:srgbClr val="E7E6E6"/>
+                    </a:solidFill>
+                  </a:tcPr>
+                </a:tc>
+                <a:tc>
+                  <a:txBody>
+                    <a:bodyPr/>
+                    <a:lstStyle/>
+                    <a:p>
+                      <a:r>
+                        <a:rPr sz="1100"/>
+                        <a:t>ExpressRoute circuit</a:t>
+                      </a:r>
+                    </a:p>
+                  </a:txBody>
+                  <a:tcPr>
+                    <a:solidFill>
+                      <a:srgbClr val="E7E6E6"/>
+                    </a:solidFill>
+                  </a:tcPr>
+                </a:tc>
+              </a:tr>
+              <a:tr h="370840">
+                <a:tc>
+                  <a:txBody>
+                    <a:bodyPr/>
+                    <a:lstStyle/>
+                    <a:p>
+                      <a:r>
+                        <a:rPr sz="1100"/>
+                        <a:t>Integration</a:t>
+                      </a:r>
+                    </a:p>
+                  </a:txBody>
+                  <a:tcPr>
+                    <a:solidFill>
+                      <a:srgbClr val="E7E6E6"/>
+                    </a:solidFill>
+                  </a:tcPr>
+                </a:tc>
+                <a:tc>
+                  <a:txBody>
+                    <a:bodyPr/>
+                    <a:lstStyle/>
+                    <a:p>
+                      <a:r>
+                        <a:rPr sz="1100"/>
+                        <a:t>Identity Federation</a:t>
+                      </a:r>
+                    </a:p>
+                  </a:txBody>
+                  <a:tcPr>
+                    <a:solidFill>
+                      <a:srgbClr val="E7E6E6"/>
+                    </a:solidFill>
+                  </a:tcPr>
+                </a:tc>
+                <a:tc>
+                  <a:txBody>
+                    <a:bodyPr/>
+                    <a:lstStyle/>
+                    <a:p>
+                      <a:r>
+                        <a:rPr sz="1100"/>
+                        <a:t>Azure AD Connect sync</a:t>
+                      </a:r>
+                    </a:p>
+                  </a:txBody>
+                  <a:tcPr>
+                    <a:solidFill>
+                      <a:srgbClr val="E7E6E6"/>
+                    </a:solidFill>
+                  </a:tcPr>
+                </a:tc>
+              </a:tr>
+              <a:tr h="370840">
+                <a:tc>
+                  <a:txBody>
+                    <a:bodyPr/>
+                    <a:lstStyle/>
+                    <a:p>
+                      <a:r>
+                        <a:rPr sz="1100"/>
+                        <a:t>User Base</a:t>
+                      </a:r>
+                    </a:p>
+                  </a:txBody>
+                  <a:tcPr>
+                    <a:solidFill>
+                      <a:srgbClr val="E7E6E6"/>
+                    </a:solidFill>
+                  </a:tcPr>
+                </a:tc>
+                <a:tc>
+                  <a:txBody>
+                    <a:bodyPr/>
+                    <a:lstStyle/>
+                    <a:p>
+                      <a:r>
+                        <a:rPr sz="1100"/>
+                        <a:t>Total Users</a:t>
+                      </a:r>
+                    </a:p>
+                  </a:txBody>
+                  <a:tcPr>
+                    <a:solidFill>
+                      <a:srgbClr val="E7E6E6"/>
+                    </a:solidFill>
+                  </a:tcPr>
+                </a:tc>
+                <a:tc>
+                  <a:txBody>
+                    <a:bodyPr/>
+                    <a:lstStyle/>
+                    <a:p>
+                      <a:r>
+                        <a:rPr sz="1100"/>
+                        <a:t>500 Azure users</a:t>
+                      </a:r>
+                    </a:p>
+                  </a:txBody>
+                  <a:tcPr>
+                    <a:solidFill>
+                      <a:srgbClr val="E7E6E6"/>
+                    </a:solidFill>
+                  </a:tcPr>
+                </a:tc>
+              </a:tr>
+              <a:tr h="370840">
+                <a:tc>
+                  <a:txBody>
+                    <a:bodyPr/>
+                    <a:lstStyle/>
+                    <a:p>
+                      <a:r>
+                        <a:rPr sz="1100"/>
+                        <a:t>User Base</a:t>
+                      </a:r>
+                    </a:p>
+                  </a:txBody>
+                  <a:tcPr>
+                    <a:solidFill>
+                      <a:srgbClr val="E7E6E6"/>
+                    </a:solidFill>
+                  </a:tcPr>
+                </a:tc>
+                <a:tc>
+                  <a:txBody>
+                    <a:bodyPr/>
+                    <a:lstStyle/>
+                    <a:p>
+                      <a:r>
+                        <a:rPr sz="1100"/>
+                        <a:t>User Roles</a:t>
+                      </a:r>
+                    </a:p>
+                  </a:txBody>
+                  <a:tcPr>
+                    <a:solidFill>
+                      <a:srgbClr val="E7E6E6"/>
+                    </a:solidFill>
+                  </a:tcPr>
+                </a:tc>
+                <a:tc>
+                  <a:txBody>
+                    <a:bodyPr/>
+                    <a:lstStyle/>
+                    <a:p>
+                      <a:r>
+                        <a:rPr sz="1100"/>
+                        <a:t>10 custom RBAC roles</a:t>
+                      </a:r>
+                    </a:p>
+                  </a:txBody>
+                  <a:tcPr>
+                    <a:solidFill>
+                      <a:srgbClr val="E7E6E6"/>
+                    </a:solidFill>
+                  </a:tcPr>
+                </a:tc>
+              </a:tr>
+              <a:tr h="370840">
+                <a:tc>
+                  <a:txBody>
+                    <a:bodyPr/>
+                    <a:lstStyle/>
+                    <a:p>
+                      <a:r>
+                        <a:rPr sz="1100"/>
+                        <a:t>Data Volume</a:t>
+                      </a:r>
+                    </a:p>
+                  </a:txBody>
+                  <a:tcPr>
+                    <a:solidFill>
+                      <a:srgbClr val="E7E6E6"/>
+                    </a:solidFill>
+                  </a:tcPr>
+                </a:tc>
+                <a:tc>
+                  <a:txBody>
+                    <a:bodyPr/>
+                    <a:lstStyle/>
+                    <a:p>
+                      <a:r>
+                        <a:rPr sz="1100"/>
+                        <a:t>Workloads to Onboard</a:t>
+                      </a:r>
+                    </a:p>
+                  </a:txBody>
+                  <a:tcPr>
+                    <a:solidFill>
+                      <a:srgbClr val="E7E6E6"/>
+                    </a:solidFill>
+                  </a:tcPr>
+                </a:tc>
+                <a:tc>
+                  <a:txBody>
+                    <a:bodyPr/>
+                    <a:lstStyle/>
+                    <a:p>
+                      <a:r>
+                        <a:rPr sz="1100"/>
+                        <a:t>20-30 applications</a:t>
+                      </a:r>
+                    </a:p>
+                  </a:txBody>
+                  <a:tcPr>
+                    <a:solidFill>
+                      <a:srgbClr val="E7E6E6"/>
+                    </a:solidFill>
+                  </a:tcPr>
+                </a:tc>
+              </a:tr>
+              <a:tr h="370840">
+                <a:tc>
+                  <a:txBody>
+                    <a:bodyPr/>
+                    <a:lstStyle/>
+                    <a:p>
+                      <a:r>
+                        <a:rPr sz="1100"/>
+                        <a:t>Data Volume</a:t>
+                      </a:r>
+                    </a:p>
+                  </a:txBody>
+                  <a:tcPr>
+                    <a:solidFill>
+                      <a:srgbClr val="E7E6E6"/>
+                    </a:solidFill>
+                  </a:tcPr>
+                </a:tc>
+                <a:tc>
+                  <a:txBody>
+                    <a:bodyPr/>
+                    <a:lstStyle/>
+                    <a:p>
+                      <a:r>
+                        <a:rPr sz="1100"/>
+                        <a:t>Policy Assignments</a:t>
+                      </a:r>
+                    </a:p>
+                  </a:txBody>
+                  <a:tcPr>
+                    <a:solidFill>
+                      <a:srgbClr val="E7E6E6"/>
+                    </a:solidFill>
+                  </a:tcPr>
+                </a:tc>
+                <a:tc>
+                  <a:txBody>
+                    <a:bodyPr/>
+                    <a:lstStyle/>
+                    <a:p>
+                      <a:r>
+                        <a:rPr sz="1100"/>
+                        <a:t>50 policy assignments</a:t>
+                      </a:r>
+                    </a:p>
+                  </a:txBody>
+                  <a:tcPr>
+                    <a:solidFill>
+                      <a:srgbClr val="E7E6E6"/>
+                    </a:solidFill>
+                  </a:tcPr>
+                </a:tc>
+              </a:tr>
+              <a:tr h="370840">
+                <a:tc>
+                  <a:txBody>
+                    <a:bodyPr/>
+                    <a:lstStyle/>
+                    <a:p>
+                      <a:r>
+                        <a:rPr sz="1100"/>
+                        <a:t>Technical Environment</a:t>
+                      </a:r>
+                    </a:p>
+                  </a:txBody>
+                  <a:tcPr>
+                    <a:solidFill>
+                      <a:srgbClr val="E7E6E6"/>
+                    </a:solidFill>
+                  </a:tcPr>
+                </a:tc>
+                <a:tc>
+                  <a:txBody>
+                    <a:bodyPr/>
+                    <a:lstStyle/>
+                    <a:p>
+                      <a:r>
+                        <a:rPr sz="1100"/>
+                        <a:t>Target Azure Regions</a:t>
+                      </a:r>
+                    </a:p>
+                  </a:txBody>
+                  <a:tcPr>
+                    <a:solidFill>
+                      <a:srgbClr val="E7E6E6"/>
+                    </a:solidFill>
+                  </a:tcPr>
+                </a:tc>
+                <a:tc>
+                  <a:txBody>
+                    <a:bodyPr/>
+                    <a:lstStyle/>
+                    <a:p>
+                      <a:r>
+                        <a:rPr sz="1100"/>
+                        <a:t>2 regions (East US West US)</a:t>
+                      </a:r>
+                    </a:p>
+                  </a:txBody>
+                  <a:tcPr>
+                    <a:solidFill>
+                      <a:srgbClr val="E7E6E6"/>
+                    </a:solidFill>
+                  </a:tcPr>
+                </a:tc>
+              </a:tr>
+              <a:tr h="370840">
+                <a:tc>
+                  <a:txBody>
+                    <a:bodyPr/>
+                    <a:lstStyle/>
+                    <a:p>
+                      <a:r>
+                        <a:rPr sz="1100"/>
+                        <a:t>Technical Environment</a:t>
+                      </a:r>
+                    </a:p>
+                  </a:txBody>
+                  <a:tcPr>
+                    <a:solidFill>
+                      <a:srgbClr val="E7E6E6"/>
+                    </a:solidFill>
+                  </a:tcPr>
+                </a:tc>
+                <a:tc>
+                  <a:txBody>
+                    <a:bodyPr/>
+                    <a:lstStyle/>
+                    <a:p>
+                      <a:r>
+                        <a:rPr sz="1100"/>
+                        <a:t>Availability Requirements</a:t>
+                      </a:r>
+                    </a:p>
+                  </a:txBody>
+                  <a:tcPr>
+                    <a:solidFill>
+                      <a:srgbClr val="E7E6E6"/>
+                    </a:solidFill>
+                  </a:tcPr>
+                </a:tc>
+                <a:tc>
+                  <a:txBody>
+                    <a:bodyPr/>
+                    <a:lstStyle/>
+                    <a:p>
+                      <a:r>
+                        <a:rPr sz="1100"/>
+                        <a:t>Standard (99.9%)</a:t>
+                      </a:r>
+                    </a:p>
+                  </a:txBody>
+                  <a:tcPr>
+                    <a:solidFill>
+                      <a:srgbClr val="E7E6E6"/>
+                    </a:solidFill>
+                  </a:tcPr>
+                </a:tc>
+              </a:tr>
+              <a:tr h="370840">
+                <a:tc>
+                  <a:txBody>
+                    <a:bodyPr/>
+                    <a:lstStyle/>
+                    <a:p>
+                      <a:r>
+                        <a:rPr sz="1100"/>
+                        <a:t>Technical Environment</a:t>
+                      </a:r>
+                    </a:p>
+                  </a:txBody>
+                  <a:tcPr>
+                    <a:solidFill>
+                      <a:srgbClr val="E7E6E6"/>
+                    </a:solidFill>
+                  </a:tcPr>
+                </a:tc>
+                <a:tc>
+                  <a:txBody>
+                    <a:bodyPr/>
+                    <a:lstStyle/>
+                    <a:p>
+                      <a:r>
+                        <a:rPr sz="1100"/>
+                        <a:t>Infrastructure Complexity</a:t>
+                      </a:r>
+                    </a:p>
+                  </a:txBody>
+                  <a:tcPr>
+                    <a:solidFill>
+                      <a:srgbClr val="E7E6E6"/>
+                    </a:solidFill>
+                  </a:tcPr>
+                </a:tc>
+                <a:tc>
+                  <a:txBody>
+                    <a:bodyPr/>
+                    <a:lstStyle/>
+                    <a:p>
+                      <a:r>
+                        <a:rPr sz="1100"/>
+                        <a:t>Hub-spoke network topology</a:t>
+                      </a:r>
+                    </a:p>
+                  </a:txBody>
+                  <a:tcPr>
+                    <a:solidFill>
+                      <a:srgbClr val="E7E6E6"/>
+                    </a:solidFill>
+                  </a:tcPr>
+                </a:tc>
+              </a:tr>
+              <a:tr h="370840">
+                <a:tc>
+                  <a:txBody>
+                    <a:bodyPr/>
+                    <a:lstStyle/>
+                    <a:p>
+                      <a:r>
+                        <a:rPr sz="1100"/>
+                        <a:t>Security &amp; Compliance</a:t>
+                      </a:r>
+                    </a:p>
+                  </a:txBody>
+                  <a:tcPr>
+                    <a:solidFill>
+                      <a:srgbClr val="E7E6E6"/>
+                    </a:solidFill>
+                  </a:tcPr>
+                </a:tc>
+                <a:tc>
+                  <a:txBody>
+                    <a:bodyPr/>
+                    <a:lstStyle/>
+                    <a:p>
+                      <a:r>
+                        <a:rPr sz="1100"/>
+                        <a:t>Security Requirements</a:t>
+                      </a:r>
+                    </a:p>
+                  </a:txBody>
+                  <a:tcPr>
+                    <a:solidFill>
+                      <a:srgbClr val="E7E6E6"/>
+                    </a:solidFill>
+                  </a:tcPr>
+                </a:tc>
+                <a:tc>
+                  <a:txBody>
+                    <a:bodyPr/>
+                    <a:lstStyle/>
+                    <a:p>
+                      <a:r>
+                        <a:rPr sz="1100"/>
+                        <a:t>Azure Defender Standard</a:t>
+                      </a:r>
+                    </a:p>
+                  </a:txBody>
+                  <a:tcPr>
+                    <a:solidFill>
+                      <a:srgbClr val="E7E6E6"/>
+                    </a:solidFill>
+                  </a:tcPr>
+                </a:tc>
+              </a:tr>
+              <a:tr h="370840">
+                <a:tc>
+                  <a:txBody>
+                    <a:bodyPr/>
+                    <a:lstStyle/>
+                    <a:p>
+                      <a:r>
+                        <a:rPr sz="1100"/>
+                        <a:t>Security &amp; Compliance</a:t>
+                      </a:r>
+                    </a:p>
+                  </a:txBody>
+                  <a:tcPr>
+                    <a:solidFill>
+                      <a:srgbClr val="E7E6E6"/>
+                    </a:solidFill>
+                  </a:tcPr>
+                </a:tc>
+                <a:tc>
+                  <a:txBody>
+                    <a:bodyPr/>
+                    <a:lstStyle/>
+                    <a:p>
+                      <a:r>
+                        <a:rPr sz="1100"/>
+                        <a:t>Compliance Frameworks</a:t>
+                      </a:r>
+                    </a:p>
+                  </a:txBody>
+                  <a:tcPr>
+                    <a:solidFill>
+                      <a:srgbClr val="E7E6E6"/>
+                    </a:solidFill>
+                  </a:tcPr>
+                </a:tc>
+                <a:tc>
+                  <a:txBody>
+                    <a:bodyPr/>
+                    <a:lstStyle/>
+                    <a:p>
+                      <a:r>
+                        <a:rPr sz="1100"/>
+                        <a:t>SOC2 ISO27001</a:t>
+                      </a:r>
+                    </a:p>
+                  </a:txBody>
+                  <a:tcPr>
+                    <a:solidFill>
+                      <a:srgbClr val="E7E6E6"/>
+                    </a:solidFill>
+                  </a:tcPr>
+                </a:tc>
+              </a:tr>
+              <a:tr h="370840">
+                <a:tc>
+                  <a:txBody>
+                    <a:bodyPr/>
+                    <a:lstStyle/>
+                    <a:p>
+                      <a:r>
+                        <a:rPr sz="1100"/>
+                        <a:t>Performance</a:t>
+                      </a:r>
+                    </a:p>
+                  </a:txBody>
+                  <a:tcPr>
+                    <a:solidFill>
+                      <a:srgbClr val="E7E6E6"/>
+                    </a:solidFill>
+                  </a:tcPr>
+                </a:tc>
+                <a:tc>
+                  <a:txBody>
+                    <a:bodyPr/>
+                    <a:lstStyle/>
+                    <a:p>
+                      <a:r>
+                        <a:rPr sz="1100"/>
+                        <a:t>Cost Management</a:t>
+                      </a:r>
+                    </a:p>
+                  </a:txBody>
+                  <a:tcPr>
+                    <a:solidFill>
+                      <a:srgbClr val="E7E6E6"/>
+                    </a:solidFill>
+                  </a:tcPr>
+                </a:tc>
+                <a:tc>
+                  <a:txBody>
+                    <a:bodyPr/>
+                    <a:lstStyle/>
+                    <a:p>
+                      <a:r>
+                        <a:rPr sz="1100"/>
+                        <a:t>Azure Cost Management</a:t>
+                      </a:r>
+                    </a:p>
+                  </a:txBody>
+                  <a:tcPr>
+                    <a:solidFill>
+                      <a:srgbClr val="E7E6E6"/>
+                    </a:solidFill>
+                  </a:tcPr>
+                </a:tc>
+              </a:tr>
+              <a:tr h="370840">
+                <a:tc>
+                  <a:txBody>
+                    <a:bodyPr/>
+                    <a:lstStyle/>
+                    <a:p>
+                      <a:r>
+                        <a:rPr sz="1100"/>
+                        <a:t>Performance</a:t>
+                      </a:r>
+                    </a:p>
+                  </a:txBody>
+                  <a:tcPr>
+                    <a:solidFill>
+                      <a:srgbClr val="E7E6E6"/>
+                    </a:solidFill>
+                  </a:tcPr>
+                </a:tc>
+                <a:tc>
+                  <a:txBody>
+                    <a:bodyPr/>
+                    <a:lstStyle/>
+                    <a:p>
+                      <a:r>
+                        <a:rPr sz="1100"/>
+                        <a:t>Governance Automation</a:t>
+                      </a:r>
+                    </a:p>
+                  </a:txBody>
+                  <a:tcPr>
+                    <a:solidFill>
+                      <a:srgbClr val="E7E6E6"/>
+                    </a:solidFill>
+                  </a:tcPr>
+                </a:tc>
+                <a:tc>
+                  <a:txBody>
+                    <a:bodyPr/>
+                    <a:lstStyle/>
+                    <a:p>
+                      <a:r>
+                        <a:rPr sz="1100"/>
+                        <a:t>Policy-driven governance</a:t>
+                      </a:r>
+                    </a:p>
+                  </a:txBody>
+                  <a:tcPr>
+                    <a:solidFill>
+                      <a:srgbClr val="E7E6E6"/>
+                    </a:solidFill>
+                  </a:tcPr>
+                </a:tc>
+              </a:tr>
+              <a:tr h="370840">
+                <a:tc>
+                  <a:txBody>
+                    <a:bodyPr/>
+                    <a:lstStyle/>
+                    <a:p>
+                      <a:r>
+                        <a:rPr sz="1100"/>
+                        <a:t>Environment</a:t>
+                      </a:r>
+                    </a:p>
+                  </a:txBody>
+                  <a:tcPr>
+                    <a:solidFill>
+                      <a:srgbClr val="E7E6E6"/>
+                    </a:solidFill>
+                  </a:tcPr>
+                </a:tc>
+                <a:tc>
+                  <a:txBody>
+                    <a:bodyPr/>
+                    <a:lstStyle/>
+                    <a:p>
+                      <a:r>
+                        <a:rPr sz="1100"/>
+                        <a:t>Deployment Environments</a:t>
+                      </a:r>
+                    </a:p>
+                  </a:txBody>
+                  <a:tcPr>
+                    <a:solidFill>
+                      <a:srgbClr val="E7E6E6"/>
+                    </a:solidFill>
+                  </a:tcPr>
+                </a:tc>
+                <a:tc>
+                  <a:txBody>
+                    <a:bodyPr/>
+                    <a:lstStyle/>
+                    <a:p>
+                      <a:r>
+                        <a:rPr sz="1100"/>
+                        <a:t>Landing zones for dev staging prod</a:t>
+                      </a:r>
+                    </a:p>
+                  </a:txBody>
+                  <a:tcPr>
+                    <a:solidFill>
+                      <a:srgbClr val="E7E6E6"/>
+                    </a:solidFill>
+                  </a:tcPr>
+                </a:tc>
+              </a:tr>
+            </a:tbl>
+          </a:graphicData>
+        </a:graphic>
+      </p:graphicFrame>
+      <p:pic>
+        <p:nvPicPr>
+          <p:cNvPr id="5" name="Picture 4" descr="eo-framework-logo-real.png"/>
+          <p:cNvPicPr>
+            <a:picLocks noChangeAspect="1"/>
+          </p:cNvPicPr>
+          <p:nvPr/>
+        </p:nvPicPr>
+        <p:blipFill>
+          <a:blip r:embed="rId3"/>
+          <a:stretch>
+            <a:fillRect/>
+          </a:stretch>
+        </p:blipFill>
+        <p:spPr>
+          <a:xfrm>
+            <a:off x="6684264" y="4535424"/>
+            <a:ext cx="2139696" cy="530352"/>
+          </a:xfrm>
+          <a:prstGeom prst="rect">
+            <a:avLst/>
+          </a:prstGeom>
+        </p:spPr>
+      </p:pic>
+    </p:spTree>
+  </p:cSld>
+  <p:clrMapOvr>
+    <a:masterClrMapping/>
+  </p:clrMapOvr>
+</p:sld>
+</file>
+
+<file path=ppt/slides/slide4.xml><?xml version="1.0" encoding="utf-8"?>
+<p:sld xmlns:a="http://schemas.openxmlformats.org/drawingml/2006/main" xmlns:p="http://schemas.openxmlformats.org/presentationml/2006/main" xmlns:r="http://schemas.openxmlformats.org/officeDocument/2006/relationships">
+  <p:cSld>
+    <p:spTree>
+      <p:nvGrpSpPr>
+        <p:cNvPr id="1" name=""/>
+        <p:cNvGrpSpPr/>
+        <p:nvPr/>
+      </p:nvGrpSpPr>
+      <p:grpSpPr/>
+      <p:sp>
+        <p:nvSpPr>
+          <p:cNvPr id="2" name="Text Placeholder 1"/>
+          <p:cNvSpPr>
+            <a:spLocks noGrp="1"/>
+          </p:cNvSpPr>
+          <p:nvPr>
+            <p:ph type="body" idx="10" sz="quarter"/>
+          </p:nvPr>
+        </p:nvSpPr>
+        <p:spPr/>
+        <p:txBody>
+          <a:bodyPr/>
+          <a:lstStyle/>
+          <a:p>
             <a:r>
               <a:t>Solution Overview</a:t>
             </a:r>
@@ -3660,51 +4980,68 @@
             <a:pPr/>
             <a:r>
               <a:rPr b="1"/>
-              <a:t>Platform Foundation</a:t>
+              <a:t>Key Components</a:t>
             </a:r>
           </a:p>
           <a:p>
             <a:pPr lvl="1"/>
             <a:r>
-              <a:t>Management group hierarchy with Azure Policy for centralized governance and compliance</a:t>
+              <a:rPr b="1"/>
+              <a:t>Management Groups:</a:t>
+            </a:r>
+            <a:r>
+              <a:t> Hierarchical organization of subscriptions with inherited policies and access controls</a:t>
             </a:r>
           </a:p>
           <a:p>
             <a:pPr lvl="1"/>
             <a:r>
-              <a:t>Hub-spoke network topology with Azure Virtual WAN and Azure Firewall for secure connectivity</a:t>
+              <a:rPr b="1"/>
+              <a:t>Azure Policy:</a:t>
+            </a:r>
+            <a:r>
+              <a:t> Automated compliance enforcement, resource guardrails, and configuration standards</a:t>
+            </a:r>
+          </a:p>
+          <a:p>
+            <a:pPr lvl="1"/>
+            <a:r>
+              <a:rPr b="1"/>
+              <a:t>Hub-Spoke Network:</a:t>
+            </a:r>
+            <a:r>
+              <a:t> Centralized connectivity with Azure Virtual WAN or hub virtual network design</a:t>
             </a:r>
           </a:p>
           <a:p>
             <a:pPr/>
             <a:r>
               <a:rPr b="1"/>
-              <a:t>Security &amp; Compliance</a:t>
+              <a:t>Technology Stack</a:t>
             </a:r>
           </a:p>
           <a:p>
             <a:pPr lvl="1"/>
             <a:r>
-              <a:t>Azure Sentinel SIEM/SOAR integration with Microsoft Defender for Cloud for threat protection</a:t>
+              <a:t>Cloud Platform: Microsoft Azure</a:t>
             </a:r>
           </a:p>
           <a:p>
             <a:pPr lvl="1"/>
             <a:r>
-              <a:t>Identity management with Azure AD Conditional Access and RBAC for zero-trust security</a:t>
-            </a:r>
-          </a:p>
-          <a:p>
-            <a:pPr/>
-            <a:r>
-              <a:rPr b="1"/>
-              <a:t>Automated Subscription Vending</a:t>
+              <a:t>Governance: Azure Policy, Azure Blueprints, Azure Resource Graph</a:t>
             </a:r>
           </a:p>
           <a:p>
             <a:pPr lvl="1"/>
             <a:r>
-              <a:t>Pre-configured policies, networking, and security baselines for rapid deployment</a:t>
+              <a:t>Identity: Azure Active Directory with RBAC</a:t>
+            </a:r>
+          </a:p>
+          <a:p>
+            <a:pPr lvl="1"/>
+            <a:r>
+              <a:t>Networking: Virtual WAN, Azure Firewall, ExpressRoute/VPN</a:t>
             </a:r>
           </a:p>
         </p:txBody>
@@ -3727,179 +5064,6 @@
           <a:xfrm>
             <a:off x="5144705" y="685799"/>
             <a:ext cx="3372615" cy="3815859"/>
-          </a:xfrm>
-          <a:prstGeom prst="rect">
-            <a:avLst/>
-          </a:prstGeom>
-        </p:spPr>
-      </p:pic>
-    </p:spTree>
-  </p:cSld>
-  <p:clrMapOvr>
-    <a:masterClrMapping/>
-  </p:clrMapOvr>
-</p:sld>
-</file>
-
-<file path=ppt/slides/slide4.xml><?xml version="1.0" encoding="utf-8"?>
-<p:sld xmlns:a="http://schemas.openxmlformats.org/drawingml/2006/main" xmlns:p="http://schemas.openxmlformats.org/presentationml/2006/main" xmlns:r="http://schemas.openxmlformats.org/officeDocument/2006/relationships">
-  <p:cSld>
-    <p:spTree>
-      <p:nvGrpSpPr>
-        <p:cNvPr id="1" name=""/>
-        <p:cNvGrpSpPr/>
-        <p:nvPr/>
-      </p:nvGrpSpPr>
-      <p:grpSpPr/>
-      <p:sp>
-        <p:nvSpPr>
-          <p:cNvPr id="2" name="Text Placeholder 1"/>
-          <p:cNvSpPr>
-            <a:spLocks noGrp="1"/>
-          </p:cNvSpPr>
-          <p:nvPr>
-            <p:ph type="body" idx="10" sz="quarter"/>
-          </p:nvPr>
-        </p:nvSpPr>
-        <p:spPr/>
-        <p:txBody>
-          <a:bodyPr/>
-          <a:lstStyle/>
-          <a:p>
-            <a:r>
-              <a:t>Implementation Approach</a:t>
-            </a:r>
-          </a:p>
-        </p:txBody>
-      </p:sp>
-      <p:pic>
-        <p:nvPicPr>
-          <p:cNvPr id="3" name="Picture Placeholder 2" descr="consulting_company_logo.png"/>
-          <p:cNvPicPr>
-            <a:picLocks noGrp="1" noChangeAspect="1"/>
-          </p:cNvPicPr>
-          <p:nvPr>
-            <p:ph type="pic" idx="13" sz="quarter"/>
-          </p:nvPr>
-        </p:nvPicPr>
-        <p:blipFill>
-          <a:blip r:embed="rId2"/>
-          <a:srcRect t="6762" b="6762"/>
-          <a:stretch>
-            <a:fillRect/>
-          </a:stretch>
-        </p:blipFill>
-        <p:spPr/>
-      </p:pic>
-      <p:sp>
-        <p:nvSpPr>
-          <p:cNvPr id="4" name="Text Placeholder 3"/>
-          <p:cNvSpPr>
-            <a:spLocks noGrp="1"/>
-          </p:cNvSpPr>
-          <p:nvPr>
-            <p:ph type="body" idx="14" sz="quarter"/>
-          </p:nvPr>
-        </p:nvSpPr>
-        <p:spPr/>
-        <p:txBody>
-          <a:bodyPr/>
-          <a:lstStyle/>
-          <a:p>
-            <a:pPr/>
-            <a:r>
-              <a:rPr b="1"/>
-              <a:t>Phase 1: Foundation (Weeks 1-4)</a:t>
-            </a:r>
-          </a:p>
-          <a:p>
-            <a:pPr lvl="1"/>
-            <a:r>
-              <a:t>Management group structure and Azure Policy framework setup</a:t>
-            </a:r>
-          </a:p>
-          <a:p>
-            <a:pPr lvl="1"/>
-            <a:r>
-              <a:t>Hub network deployment with Azure Virtual WAN and Azure Firewall</a:t>
-            </a:r>
-          </a:p>
-          <a:p>
-            <a:pPr lvl="1"/>
-            <a:r>
-              <a:t>Azure AD integration with Conditional Access and RBAC design</a:t>
-            </a:r>
-          </a:p>
-          <a:p>
-            <a:pPr/>
-            <a:r>
-              <a:rPr b="1"/>
-              <a:t>Phase 2: Security &amp; Compliance (Weeks 5-8)</a:t>
-            </a:r>
-          </a:p>
-          <a:p>
-            <a:pPr lvl="1"/>
-            <a:r>
-              <a:t>Microsoft Defender for Cloud enablement across all subscriptions</a:t>
-            </a:r>
-          </a:p>
-          <a:p>
-            <a:pPr lvl="1"/>
-            <a:r>
-              <a:t>Azure Sentinel deployment with security playbooks</a:t>
-            </a:r>
-          </a:p>
-          <a:p>
-            <a:pPr lvl="1"/>
-            <a:r>
-              <a:t>Azure Policy compliance enforcement with custom organizational policies</a:t>
-            </a:r>
-          </a:p>
-          <a:p>
-            <a:pPr/>
-            <a:r>
-              <a:rPr b="1"/>
-              <a:t>Phase 3: Landing Zones (Weeks 9-12)</a:t>
-            </a:r>
-          </a:p>
-          <a:p>
-            <a:pPr lvl="1"/>
-            <a:r>
-              <a:t>Subscription vending process with automated provisioning workflows</a:t>
-            </a:r>
-          </a:p>
-          <a:p>
-            <a:pPr lvl="1"/>
-            <a:r>
-              <a:t>Spoke network deployment with NSGs and route tables</a:t>
-            </a:r>
-          </a:p>
-          <a:p>
-            <a:pPr lvl="1"/>
-            <a:r>
-              <a:t>Application landing zone templates for common workload patterns</a:t>
-            </a:r>
-          </a:p>
-        </p:txBody>
-      </p:sp>
-      <p:pic>
-        <p:nvPicPr>
-          <p:cNvPr id="5" name="Picture 4" descr="eo-framework-logo-real.png"/>
-          <p:cNvPicPr>
-            <a:picLocks noChangeAspect="1"/>
-          </p:cNvPicPr>
-          <p:nvPr/>
-        </p:nvPicPr>
-        <p:blipFill>
-          <a:blip r:embed="rId3"/>
-          <a:stretch>
-            <a:fillRect/>
-          </a:stretch>
-        </p:blipFill>
-        <p:spPr>
-          <a:xfrm>
-            <a:off x="6684264" y="4535424"/>
-            <a:ext cx="2139696" cy="530352"/>
           </a:xfrm>
           <a:prstGeom prst="rect">
             <a:avLst/>
@@ -3939,10 +5103,8 @@
           <a:bodyPr/>
           <a:lstStyle/>
           <a:p>
-            <a:pPr algn="l"/>
-            <a:r>
-              <a:rPr b="1"/>
-              <a:t>Timeline &amp; Milestones</a:t>
+            <a:r>
+              <a:t>Implementation Approach</a:t>
             </a:r>
           </a:p>
         </p:txBody>
@@ -3959,339 +5121,113 @@
         </p:nvPicPr>
         <p:blipFill>
           <a:blip r:embed="rId2"/>
-          <a:srcRect t="6404" b="6404"/>
+          <a:srcRect t="6762" b="6762"/>
           <a:stretch>
             <a:fillRect/>
           </a:stretch>
         </p:blipFill>
         <p:spPr/>
       </p:pic>
-      <p:graphicFrame>
-        <p:nvGraphicFramePr>
-          <p:cNvPr id="4" name="Table Placeholder 3"/>
-          <p:cNvGraphicFramePr>
-            <a:graphicFrameLocks noGrp="1"/>
-          </p:cNvGraphicFramePr>
+      <p:sp>
+        <p:nvSpPr>
+          <p:cNvPr id="4" name="Text Placeholder 3"/>
+          <p:cNvSpPr>
+            <a:spLocks noGrp="1"/>
+          </p:cNvSpPr>
           <p:nvPr>
-            <p:ph type="tbl" idx="14" sz="quarter"/>
+            <p:ph type="body" idx="14" sz="quarter"/>
           </p:nvPr>
-        </p:nvGraphicFramePr>
-        <p:xfrm>
-          <a:off x="256855" y="677011"/>
-          <a:ext cx="8710931" cy="1483360"/>
-        </p:xfrm>
-        <a:graphic>
-          <a:graphicData uri="http://schemas.openxmlformats.org/drawingml/2006/table">
-            <a:tbl>
-              <a:tblPr firstRow="1" bandRow="1">
-                <a:tableStyleId>{5C22544A-7EE6-4342-B048-85BDC9FD1C3A}</a:tableStyleId>
-              </a:tblPr>
-              <a:tblGrid>
-                <a:gridCol w="871093"/>
-                <a:gridCol w="2177733"/>
-                <a:gridCol w="1306639"/>
-                <a:gridCol w="4355466"/>
-              </a:tblGrid>
-              <a:tr h="370840">
-                <a:tc>
-                  <a:txBody>
-                    <a:bodyPr/>
-                    <a:lstStyle/>
-                    <a:p>
-                      <a:r>
-                        <a:rPr sz="1400">
-                          <a:solidFill>
-                            <a:srgbClr val="FFFFFF"/>
-                          </a:solidFill>
-                        </a:rPr>
-                        <a:t>Phase No</a:t>
-                      </a:r>
-                    </a:p>
-                  </a:txBody>
-                  <a:tcPr>
-                    <a:solidFill>
-                      <a:srgbClr val="A01C02"/>
-                    </a:solidFill>
-                  </a:tcPr>
-                </a:tc>
-                <a:tc>
-                  <a:txBody>
-                    <a:bodyPr/>
-                    <a:lstStyle/>
-                    <a:p>
-                      <a:r>
-                        <a:rPr sz="1400">
-                          <a:solidFill>
-                            <a:srgbClr val="FFFFFF"/>
-                          </a:solidFill>
-                        </a:rPr>
-                        <a:t>Phase Description</a:t>
-                      </a:r>
-                    </a:p>
-                  </a:txBody>
-                  <a:tcPr>
-                    <a:solidFill>
-                      <a:srgbClr val="A01C02"/>
-                    </a:solidFill>
-                  </a:tcPr>
-                </a:tc>
-                <a:tc>
-                  <a:txBody>
-                    <a:bodyPr/>
-                    <a:lstStyle/>
-                    <a:p>
-                      <a:r>
-                        <a:rPr sz="1400">
-                          <a:solidFill>
-                            <a:srgbClr val="FFFFFF"/>
-                          </a:solidFill>
-                        </a:rPr>
-                        <a:t>Timeline</a:t>
-                      </a:r>
-                    </a:p>
-                  </a:txBody>
-                  <a:tcPr>
-                    <a:solidFill>
-                      <a:srgbClr val="A01C02"/>
-                    </a:solidFill>
-                  </a:tcPr>
-                </a:tc>
-                <a:tc>
-                  <a:txBody>
-                    <a:bodyPr/>
-                    <a:lstStyle/>
-                    <a:p>
-                      <a:r>
-                        <a:rPr sz="1400">
-                          <a:solidFill>
-                            <a:srgbClr val="FFFFFF"/>
-                          </a:solidFill>
-                        </a:rPr>
-                        <a:t>Key Deliverables</a:t>
-                      </a:r>
-                    </a:p>
-                  </a:txBody>
-                  <a:tcPr>
-                    <a:solidFill>
-                      <a:srgbClr val="A01C02"/>
-                    </a:solidFill>
-                  </a:tcPr>
-                </a:tc>
-              </a:tr>
-              <a:tr h="370840">
-                <a:tc>
-                  <a:txBody>
-                    <a:bodyPr/>
-                    <a:lstStyle/>
-                    <a:p>
-                      <a:r>
-                        <a:rPr sz="1100"/>
-                        <a:t>Phase 1</a:t>
-                      </a:r>
-                    </a:p>
-                  </a:txBody>
-                  <a:tcPr>
-                    <a:solidFill>
-                      <a:srgbClr val="E7E6E6"/>
-                    </a:solidFill>
-                  </a:tcPr>
-                </a:tc>
-                <a:tc>
-                  <a:txBody>
-                    <a:bodyPr/>
-                    <a:lstStyle/>
-                    <a:p>
-                      <a:r>
-                        <a:rPr sz="1100"/>
-                        <a:t>Foundation &amp; Planning</a:t>
-                      </a:r>
-                    </a:p>
-                  </a:txBody>
-                  <a:tcPr>
-                    <a:solidFill>
-                      <a:srgbClr val="E7E6E6"/>
-                    </a:solidFill>
-                  </a:tcPr>
-                </a:tc>
-                <a:tc>
-                  <a:txBody>
-                    <a:bodyPr/>
-                    <a:lstStyle/>
-                    <a:p>
-                      <a:r>
-                        <a:rPr sz="1100"/>
-                        <a:t>Weeks 1-4</a:t>
-                      </a:r>
-                    </a:p>
-                  </a:txBody>
-                  <a:tcPr>
-                    <a:solidFill>
-                      <a:srgbClr val="E7E6E6"/>
-                    </a:solidFill>
-                  </a:tcPr>
-                </a:tc>
-                <a:tc>
-                  <a:txBody>
-                    <a:bodyPr/>
-                    <a:lstStyle/>
-                    <a:p>
-                      <a:r>
-                        <a:rPr sz="1100"/>
-                        <a:t>Management groups configured, Hub network operational, Azure AD integrated</a:t>
-                      </a:r>
-                    </a:p>
-                  </a:txBody>
-                  <a:tcPr>
-                    <a:solidFill>
-                      <a:srgbClr val="E7E6E6"/>
-                    </a:solidFill>
-                  </a:tcPr>
-                </a:tc>
-              </a:tr>
-              <a:tr h="370840">
-                <a:tc>
-                  <a:txBody>
-                    <a:bodyPr/>
-                    <a:lstStyle/>
-                    <a:p>
-                      <a:r>
-                        <a:rPr sz="1100"/>
-                        <a:t>Phase 2</a:t>
-                      </a:r>
-                    </a:p>
-                  </a:txBody>
-                  <a:tcPr>
-                    <a:solidFill>
-                      <a:srgbClr val="E7E6E6"/>
-                    </a:solidFill>
-                  </a:tcPr>
-                </a:tc>
-                <a:tc>
-                  <a:txBody>
-                    <a:bodyPr/>
-                    <a:lstStyle/>
-                    <a:p>
-                      <a:r>
-                        <a:rPr sz="1100"/>
-                        <a:t>Security &amp; Compliance</a:t>
-                      </a:r>
-                    </a:p>
-                  </a:txBody>
-                  <a:tcPr>
-                    <a:solidFill>
-                      <a:srgbClr val="E7E6E6"/>
-                    </a:solidFill>
-                  </a:tcPr>
-                </a:tc>
-                <a:tc>
-                  <a:txBody>
-                    <a:bodyPr/>
-                    <a:lstStyle/>
-                    <a:p>
-                      <a:r>
-                        <a:rPr sz="1100"/>
-                        <a:t>Weeks 5-8</a:t>
-                      </a:r>
-                    </a:p>
-                  </a:txBody>
-                  <a:tcPr>
-                    <a:solidFill>
-                      <a:srgbClr val="E7E6E6"/>
-                    </a:solidFill>
-                  </a:tcPr>
-                </a:tc>
-                <a:tc>
-                  <a:txBody>
-                    <a:bodyPr/>
-                    <a:lstStyle/>
-                    <a:p>
-                      <a:r>
-                        <a:rPr sz="1100"/>
-                        <a:t>Defender enabled, Sentinel deployed, Policy enforcement active</a:t>
-                      </a:r>
-                    </a:p>
-                  </a:txBody>
-                  <a:tcPr>
-                    <a:solidFill>
-                      <a:srgbClr val="E7E6E6"/>
-                    </a:solidFill>
-                  </a:tcPr>
-                </a:tc>
-              </a:tr>
-              <a:tr h="370840">
-                <a:tc>
-                  <a:txBody>
-                    <a:bodyPr/>
-                    <a:lstStyle/>
-                    <a:p>
-                      <a:r>
-                        <a:rPr sz="1100"/>
-                        <a:t>Phase 3</a:t>
-                      </a:r>
-                    </a:p>
-                  </a:txBody>
-                  <a:tcPr>
-                    <a:solidFill>
-                      <a:srgbClr val="E7E6E6"/>
-                    </a:solidFill>
-                  </a:tcPr>
-                </a:tc>
-                <a:tc>
-                  <a:txBody>
-                    <a:bodyPr/>
-                    <a:lstStyle/>
-                    <a:p>
-                      <a:r>
-                        <a:rPr sz="1100"/>
-                        <a:t>Landing Zones</a:t>
-                      </a:r>
-                    </a:p>
-                  </a:txBody>
-                  <a:tcPr>
-                    <a:solidFill>
-                      <a:srgbClr val="E7E6E6"/>
-                    </a:solidFill>
-                  </a:tcPr>
-                </a:tc>
-                <a:tc>
-                  <a:txBody>
-                    <a:bodyPr/>
-                    <a:lstStyle/>
-                    <a:p>
-                      <a:r>
-                        <a:rPr sz="1100"/>
-                        <a:t>Weeks 9-12</a:t>
-                      </a:r>
-                    </a:p>
-                  </a:txBody>
-                  <a:tcPr>
-                    <a:solidFill>
-                      <a:srgbClr val="E7E6E6"/>
-                    </a:solidFill>
-                  </a:tcPr>
-                </a:tc>
-                <a:tc>
-                  <a:txBody>
-                    <a:bodyPr/>
-                    <a:lstStyle/>
-                    <a:p>
-                      <a:r>
-                        <a:rPr sz="1100"/>
-                        <a:t>Subscription vending operational, Spoke networks deployed, Self-service enabled</a:t>
-                      </a:r>
-                    </a:p>
-                  </a:txBody>
-                  <a:tcPr>
-                    <a:solidFill>
-                      <a:srgbClr val="E7E6E6"/>
-                    </a:solidFill>
-                  </a:tcPr>
-                </a:tc>
-              </a:tr>
-            </a:tbl>
-          </a:graphicData>
-        </a:graphic>
-      </p:graphicFrame>
+        </p:nvSpPr>
+        <p:spPr/>
+        <p:txBody>
+          <a:bodyPr/>
+          <a:lstStyle/>
+          <a:p>
+            <a:pPr/>
+            <a:r>
+              <a:rPr b="1"/>
+              <a:t>Phase 1: Assessment &amp; Design</a:t>
+            </a:r>
+            <a:r>
+              <a:t> *(Weeks 1-3)*</a:t>
+            </a:r>
+          </a:p>
+          <a:p>
+            <a:pPr lvl="1"/>
+            <a:r>
+              <a:t>Current Azure environment inventory and gap analysis</a:t>
+            </a:r>
+          </a:p>
+          <a:p>
+            <a:pPr lvl="1"/>
+            <a:r>
+              <a:t>Management group hierarchy design and naming conventions</a:t>
+            </a:r>
+          </a:p>
+          <a:p>
+            <a:pPr lvl="1"/>
+            <a:r>
+              <a:t>Policy framework definition and compliance requirements mapping</a:t>
+            </a:r>
+          </a:p>
+          <a:p>
+            <a:pPr/>
+            <a:r>
+              <a:rPr b="1"/>
+              <a:t>Phase 2: Foundation Deployment</a:t>
+            </a:r>
+            <a:r>
+              <a:t> *(Weeks 4-6)*</a:t>
+            </a:r>
+          </a:p>
+          <a:p>
+            <a:pPr lvl="1"/>
+            <a:r>
+              <a:t>Management group structure implementation</a:t>
+            </a:r>
+          </a:p>
+          <a:p>
+            <a:pPr lvl="1"/>
+            <a:r>
+              <a:t>Core Azure Policy assignments (tagging, allowed regions, resource types)</a:t>
+            </a:r>
+          </a:p>
+          <a:p>
+            <a:pPr lvl="1"/>
+            <a:r>
+              <a:t>Hub network deployment with Azure Firewall and connectivity services</a:t>
+            </a:r>
+          </a:p>
+          <a:p>
+            <a:pPr/>
+            <a:r>
+              <a:rPr b="1"/>
+              <a:t>Phase 3: Governance &amp; Optimization</a:t>
+            </a:r>
+            <a:r>
+              <a:t> *(Weeks 7-10)*</a:t>
+            </a:r>
+          </a:p>
+          <a:p>
+            <a:pPr lvl="1"/>
+            <a:r>
+              <a:t>Azure Blueprints creation for subscription vending</a:t>
+            </a:r>
+          </a:p>
+          <a:p>
+            <a:pPr lvl="1"/>
+            <a:r>
+              <a:t>Azure Cost Management configuration and budget alerts</a:t>
+            </a:r>
+          </a:p>
+          <a:p>
+            <a:pPr lvl="1"/>
+            <a:r>
+              <a:t>Documentation, training, and operational handover</a:t>
+            </a:r>
+          </a:p>
+        </p:txBody>
+      </p:sp>
       <p:pic>
         <p:nvPicPr>
           <p:cNvPr id="5" name="Picture 4" descr="eo-framework-logo-real.png"/>
@@ -4349,8 +5285,10 @@
           <a:bodyPr/>
           <a:lstStyle/>
           <a:p>
-            <a:r>
-              <a:t>Success Stories</a:t>
+            <a:pPr algn="l"/>
+            <a:r>
+              <a:rPr b="1"/>
+              <a:t>Timeline &amp; Milestones</a:t>
             </a:r>
           </a:p>
         </p:txBody>
@@ -4367,76 +5305,339 @@
         </p:nvPicPr>
         <p:blipFill>
           <a:blip r:embed="rId2"/>
-          <a:srcRect t="6762" b="6762"/>
+          <a:srcRect t="6404" b="6404"/>
           <a:stretch>
             <a:fillRect/>
           </a:stretch>
         </p:blipFill>
         <p:spPr/>
       </p:pic>
-      <p:sp>
-        <p:nvSpPr>
-          <p:cNvPr id="4" name="Text Placeholder 3"/>
-          <p:cNvSpPr>
-            <a:spLocks noGrp="1"/>
-          </p:cNvSpPr>
+      <p:graphicFrame>
+        <p:nvGraphicFramePr>
+          <p:cNvPr id="4" name="Table Placeholder 3"/>
+          <p:cNvGraphicFramePr>
+            <a:graphicFrameLocks noGrp="1"/>
+          </p:cNvGraphicFramePr>
           <p:nvPr>
-            <p:ph type="body" idx="14" sz="quarter"/>
+            <p:ph type="tbl" idx="14" sz="quarter"/>
           </p:nvPr>
-        </p:nvSpPr>
-        <p:spPr/>
-        <p:txBody>
-          <a:bodyPr/>
-          <a:lstStyle/>
-          <a:p>
-            <a:pPr/>
-            <a:r>
-              <a:rPr b="1"/>
-              <a:t>Global Financial Services Firm</a:t>
-            </a:r>
-          </a:p>
-          <a:p>
-            <a:pPr lvl="1"/>
-            <a:r>
-              <a:rPr b="1"/>
-              <a:t>Challenge:</a:t>
-            </a:r>
-            <a:r>
-              <a:t> Legacy data center with complex compliance (SOC 2, PCI-DSS), slow 6-8 week provisioning</a:t>
-            </a:r>
-          </a:p>
-          <a:p>
-            <a:pPr lvl="1"/>
-            <a:r>
-              <a:rPr b="1"/>
-              <a:t>Solution:</a:t>
-            </a:r>
-            <a:r>
-              <a:t> Enterprise Landing Zone with automated subscription vending and Azure Policy compliance</a:t>
-            </a:r>
-          </a:p>
-          <a:p>
-            <a:pPr lvl="1"/>
-            <a:r>
-              <a:rPr b="1"/>
-              <a:t>Results:</a:t>
-            </a:r>
-            <a:r>
-              <a:t> 95% faster provisioning (6 weeks to 2 days), 60% security improvement, $2.5M annual savings</a:t>
-            </a:r>
-          </a:p>
-          <a:p>
-            <a:pPr lvl="1"/>
-            <a:r>
-              <a:rPr b="1"/>
-              <a:t>Quote:</a:t>
-            </a:r>
-            <a:r>
-              <a:t> "The Azure Landing Zone transformed our cloud journey. We now provision secure, compliant environments in days instead of months."</a:t>
-            </a:r>
-          </a:p>
-        </p:txBody>
-      </p:sp>
+        </p:nvGraphicFramePr>
+        <p:xfrm>
+          <a:off x="256855" y="677011"/>
+          <a:ext cx="8710931" cy="1483360"/>
+        </p:xfrm>
+        <a:graphic>
+          <a:graphicData uri="http://schemas.openxmlformats.org/drawingml/2006/table">
+            <a:tbl>
+              <a:tblPr firstRow="1" bandRow="1">
+                <a:tableStyleId>{5C22544A-7EE6-4342-B048-85BDC9FD1C3A}</a:tableStyleId>
+              </a:tblPr>
+              <a:tblGrid>
+                <a:gridCol w="871093"/>
+                <a:gridCol w="2177733"/>
+                <a:gridCol w="1306639"/>
+                <a:gridCol w="4355466"/>
+              </a:tblGrid>
+              <a:tr h="370840">
+                <a:tc>
+                  <a:txBody>
+                    <a:bodyPr/>
+                    <a:lstStyle/>
+                    <a:p>
+                      <a:r>
+                        <a:rPr sz="1400">
+                          <a:solidFill>
+                            <a:srgbClr val="FFFFFF"/>
+                          </a:solidFill>
+                        </a:rPr>
+                        <a:t>Phase No</a:t>
+                      </a:r>
+                    </a:p>
+                  </a:txBody>
+                  <a:tcPr>
+                    <a:solidFill>
+                      <a:srgbClr val="A01C02"/>
+                    </a:solidFill>
+                  </a:tcPr>
+                </a:tc>
+                <a:tc>
+                  <a:txBody>
+                    <a:bodyPr/>
+                    <a:lstStyle/>
+                    <a:p>
+                      <a:r>
+                        <a:rPr sz="1400">
+                          <a:solidFill>
+                            <a:srgbClr val="FFFFFF"/>
+                          </a:solidFill>
+                        </a:rPr>
+                        <a:t>Phase Description</a:t>
+                      </a:r>
+                    </a:p>
+                  </a:txBody>
+                  <a:tcPr>
+                    <a:solidFill>
+                      <a:srgbClr val="A01C02"/>
+                    </a:solidFill>
+                  </a:tcPr>
+                </a:tc>
+                <a:tc>
+                  <a:txBody>
+                    <a:bodyPr/>
+                    <a:lstStyle/>
+                    <a:p>
+                      <a:r>
+                        <a:rPr sz="1400">
+                          <a:solidFill>
+                            <a:srgbClr val="FFFFFF"/>
+                          </a:solidFill>
+                        </a:rPr>
+                        <a:t>Timeline</a:t>
+                      </a:r>
+                    </a:p>
+                  </a:txBody>
+                  <a:tcPr>
+                    <a:solidFill>
+                      <a:srgbClr val="A01C02"/>
+                    </a:solidFill>
+                  </a:tcPr>
+                </a:tc>
+                <a:tc>
+                  <a:txBody>
+                    <a:bodyPr/>
+                    <a:lstStyle/>
+                    <a:p>
+                      <a:r>
+                        <a:rPr sz="1400">
+                          <a:solidFill>
+                            <a:srgbClr val="FFFFFF"/>
+                          </a:solidFill>
+                        </a:rPr>
+                        <a:t>Key Deliverables</a:t>
+                      </a:r>
+                    </a:p>
+                  </a:txBody>
+                  <a:tcPr>
+                    <a:solidFill>
+                      <a:srgbClr val="A01C02"/>
+                    </a:solidFill>
+                  </a:tcPr>
+                </a:tc>
+              </a:tr>
+              <a:tr h="370840">
+                <a:tc>
+                  <a:txBody>
+                    <a:bodyPr/>
+                    <a:lstStyle/>
+                    <a:p>
+                      <a:r>
+                        <a:rPr sz="1100"/>
+                        <a:t>Phase 1</a:t>
+                      </a:r>
+                    </a:p>
+                  </a:txBody>
+                  <a:tcPr>
+                    <a:solidFill>
+                      <a:srgbClr val="E7E6E6"/>
+                    </a:solidFill>
+                  </a:tcPr>
+                </a:tc>
+                <a:tc>
+                  <a:txBody>
+                    <a:bodyPr/>
+                    <a:lstStyle/>
+                    <a:p>
+                      <a:r>
+                        <a:rPr sz="1100"/>
+                        <a:t>Assessment &amp; Design</a:t>
+                      </a:r>
+                    </a:p>
+                  </a:txBody>
+                  <a:tcPr>
+                    <a:solidFill>
+                      <a:srgbClr val="E7E6E6"/>
+                    </a:solidFill>
+                  </a:tcPr>
+                </a:tc>
+                <a:tc>
+                  <a:txBody>
+                    <a:bodyPr/>
+                    <a:lstStyle/>
+                    <a:p>
+                      <a:r>
+                        <a:rPr sz="1100"/>
+                        <a:t>Weeks 1-3</a:t>
+                      </a:r>
+                    </a:p>
+                  </a:txBody>
+                  <a:tcPr>
+                    <a:solidFill>
+                      <a:srgbClr val="E7E6E6"/>
+                    </a:solidFill>
+                  </a:tcPr>
+                </a:tc>
+                <a:tc>
+                  <a:txBody>
+                    <a:bodyPr/>
+                    <a:lstStyle/>
+                    <a:p>
+                      <a:r>
+                        <a:rPr sz="1100"/>
+                        <a:t>Current state analysis complete, Management group design approved, Policy framework documented</a:t>
+                      </a:r>
+                    </a:p>
+                  </a:txBody>
+                  <a:tcPr>
+                    <a:solidFill>
+                      <a:srgbClr val="E7E6E6"/>
+                    </a:solidFill>
+                  </a:tcPr>
+                </a:tc>
+              </a:tr>
+              <a:tr h="370840">
+                <a:tc>
+                  <a:txBody>
+                    <a:bodyPr/>
+                    <a:lstStyle/>
+                    <a:p>
+                      <a:r>
+                        <a:rPr sz="1100"/>
+                        <a:t>Phase 2</a:t>
+                      </a:r>
+                    </a:p>
+                  </a:txBody>
+                  <a:tcPr>
+                    <a:solidFill>
+                      <a:srgbClr val="E7E6E6"/>
+                    </a:solidFill>
+                  </a:tcPr>
+                </a:tc>
+                <a:tc>
+                  <a:txBody>
+                    <a:bodyPr/>
+                    <a:lstStyle/>
+                    <a:p>
+                      <a:r>
+                        <a:rPr sz="1100"/>
+                        <a:t>Foundation Deployment</a:t>
+                      </a:r>
+                    </a:p>
+                  </a:txBody>
+                  <a:tcPr>
+                    <a:solidFill>
+                      <a:srgbClr val="E7E6E6"/>
+                    </a:solidFill>
+                  </a:tcPr>
+                </a:tc>
+                <a:tc>
+                  <a:txBody>
+                    <a:bodyPr/>
+                    <a:lstStyle/>
+                    <a:p>
+                      <a:r>
+                        <a:rPr sz="1100"/>
+                        <a:t>Weeks 4-6</a:t>
+                      </a:r>
+                    </a:p>
+                  </a:txBody>
+                  <a:tcPr>
+                    <a:solidFill>
+                      <a:srgbClr val="E7E6E6"/>
+                    </a:solidFill>
+                  </a:tcPr>
+                </a:tc>
+                <a:tc>
+                  <a:txBody>
+                    <a:bodyPr/>
+                    <a:lstStyle/>
+                    <a:p>
+                      <a:r>
+                        <a:rPr sz="1100"/>
+                        <a:t>Management groups live, Core policies enforcing, Hub network operational</a:t>
+                      </a:r>
+                    </a:p>
+                  </a:txBody>
+                  <a:tcPr>
+                    <a:solidFill>
+                      <a:srgbClr val="E7E6E6"/>
+                    </a:solidFill>
+                  </a:tcPr>
+                </a:tc>
+              </a:tr>
+              <a:tr h="370840">
+                <a:tc>
+                  <a:txBody>
+                    <a:bodyPr/>
+                    <a:lstStyle/>
+                    <a:p>
+                      <a:r>
+                        <a:rPr sz="1100"/>
+                        <a:t>Phase 3</a:t>
+                      </a:r>
+                    </a:p>
+                  </a:txBody>
+                  <a:tcPr>
+                    <a:solidFill>
+                      <a:srgbClr val="E7E6E6"/>
+                    </a:solidFill>
+                  </a:tcPr>
+                </a:tc>
+                <a:tc>
+                  <a:txBody>
+                    <a:bodyPr/>
+                    <a:lstStyle/>
+                    <a:p>
+                      <a:r>
+                        <a:rPr sz="1100"/>
+                        <a:t>Governance &amp; Optimization</a:t>
+                      </a:r>
+                    </a:p>
+                  </a:txBody>
+                  <a:tcPr>
+                    <a:solidFill>
+                      <a:srgbClr val="E7E6E6"/>
+                    </a:solidFill>
+                  </a:tcPr>
+                </a:tc>
+                <a:tc>
+                  <a:txBody>
+                    <a:bodyPr/>
+                    <a:lstStyle/>
+                    <a:p>
+                      <a:r>
+                        <a:rPr sz="1100"/>
+                        <a:t>Weeks 7-10</a:t>
+                      </a:r>
+                    </a:p>
+                  </a:txBody>
+                  <a:tcPr>
+                    <a:solidFill>
+                      <a:srgbClr val="E7E6E6"/>
+                    </a:solidFill>
+                  </a:tcPr>
+                </a:tc>
+                <a:tc>
+                  <a:txBody>
+                    <a:bodyPr/>
+                    <a:lstStyle/>
+                    <a:p>
+                      <a:r>
+                        <a:rPr sz="1100"/>
+                        <a:t>Blueprints ready, Cost management active, Knowledge transfer complete</a:t>
+                      </a:r>
+                    </a:p>
+                  </a:txBody>
+                  <a:tcPr>
+                    <a:solidFill>
+                      <a:srgbClr val="E7E6E6"/>
+                    </a:solidFill>
+                  </a:tcPr>
+                </a:tc>
+              </a:tr>
+            </a:tbl>
+          </a:graphicData>
+        </a:graphic>
+      </p:graphicFrame>
       <p:pic>
         <p:nvPicPr>
           <p:cNvPr id="5" name="Picture 4" descr="eo-framework-logo-real.png"/>
@@ -4495,7 +5696,7 @@
           <a:lstStyle/>
           <a:p>
             <a:r>
-              <a:t>Our Partnership Advantage</a:t>
+              <a:t>Success Stories</a:t>
             </a:r>
           </a:p>
         </p:txBody>
@@ -4507,12 +5708,12 @@
             <a:picLocks noGrp="1" noChangeAspect="1"/>
           </p:cNvPicPr>
           <p:nvPr>
-            <p:ph type="pic" idx="14" sz="quarter"/>
+            <p:ph type="pic" idx="13" sz="quarter"/>
           </p:nvPr>
         </p:nvPicPr>
         <p:blipFill>
           <a:blip r:embed="rId2"/>
-          <a:srcRect t="6314" b="6314"/>
+          <a:srcRect t="6762" b="6762"/>
           <a:stretch>
             <a:fillRect/>
           </a:stretch>
@@ -4526,7 +5727,7 @@
             <a:spLocks noGrp="1"/>
           </p:cNvSpPr>
           <p:nvPr>
-            <p:ph type="body" idx="16" sz="quarter"/>
+            <p:ph type="body" idx="14" sz="quarter"/>
           </p:nvPr>
         </p:nvSpPr>
         <p:spPr/>
@@ -4537,85 +5738,71 @@
             <a:pPr/>
             <a:r>
               <a:rPr b="1"/>
-              <a:t>What We Bring</a:t>
+              <a:t>Client Success: Global Financial Services Firm</a:t>
             </a:r>
           </a:p>
           <a:p>
             <a:pPr lvl="1"/>
             <a:r>
-              <a:t>Microsoft Gold Partner with 15+ years Azure architecture experience</a:t>
+              <a:rPr b="1"/>
+              <a:t>Client:</a:t>
+            </a:r>
+            <a:r>
+              <a:t> Fortune 500 financial institution with 500+ Azure subscriptions across 20 business units</a:t>
             </a:r>
           </a:p>
           <a:p>
             <a:pPr lvl="1"/>
             <a:r>
-              <a:t>100+ enterprise landing zone implementations across regulated industries</a:t>
+              <a:rPr b="1"/>
+              <a:t>Challenge:</a:t>
+            </a:r>
+            <a:r>
+              <a:t> Inconsistent governance causing compliance failures, uncontrolled cloud spend exceeding budget by 35%, and 3-week subscription provisioning delays blocking business agility</a:t>
             </a:r>
           </a:p>
           <a:p>
             <a:pPr lvl="1"/>
             <a:r>
-              <a:t>Azure Advanced Specializations in Security and Networking</a:t>
+              <a:rPr b="1"/>
+              <a:t>Solution:</a:t>
+            </a:r>
+            <a:r>
+              <a:t> Deployed comprehensive Azure Landing Zone with management group hierarchy, 150+ custom policies, hub-spoke networking, and automated subscription vending through Azure Blueprints</a:t>
             </a:r>
           </a:p>
           <a:p>
             <a:pPr lvl="1"/>
             <a:r>
-              <a:t>Direct access to Microsoft engineering and early-access programs</a:t>
-            </a:r>
-          </a:p>
-        </p:txBody>
-      </p:sp>
-      <p:sp>
-        <p:nvSpPr>
-          <p:cNvPr id="5" name="Text Placeholder 4"/>
-          <p:cNvSpPr>
-            <a:spLocks noGrp="1"/>
-          </p:cNvSpPr>
-          <p:nvPr>
-            <p:ph type="body" idx="17" sz="quarter"/>
-          </p:nvPr>
-        </p:nvSpPr>
-        <p:spPr/>
-        <p:txBody>
-          <a:bodyPr/>
-          <a:lstStyle/>
-          <a:p>
-            <a:pPr/>
-            <a:r>
               <a:rPr b="1"/>
-              <a:t>Value to You</a:t>
+              <a:t>Results:</a:t>
+            </a:r>
+            <a:r>
+              <a:t> 100% policy compliance achieved in 90 days, 42% reduction in cloud waste ($2.1M annual savings), subscription provisioning reduced to 4 hours, zero audit findings in subsequent compliance reviews</a:t>
             </a:r>
           </a:p>
           <a:p>
             <a:pPr lvl="1"/>
             <a:r>
-              <a:t>Proven enterprise-scale reference architecture reduces risk by 70%</a:t>
-            </a:r>
-          </a:p>
-          <a:p>
-            <a:pPr lvl="1"/>
-            <a:r>
-              <a:t>Pre-built policy sets and automation accelerators fast-track deployment</a:t>
-            </a:r>
-          </a:p>
-          <a:p>
-            <a:pPr lvl="1"/>
-            <a:r>
-              <a:t>Best practices from 100+ implementations across industries</a:t>
-            </a:r>
-          </a:p>
-          <a:p>
-            <a:pPr lvl="1"/>
-            <a:r>
-              <a:t>Comprehensive skills transfer for long-term team self-sufficiency</a:t>
+              <a:rPr b="1"/>
+              <a:t>Testimonial:</a:t>
+            </a:r>
+            <a:r>
+              <a:t> "This landing zone implementation transformed our Azure governance from reactive firefighting to proactive control. We now have visibility and consistency across all our subscriptions, and our teams can self-service new environments within guardrails we trust." — </a:t>
+            </a:r>
+            <a:r>
+              <a:rPr b="1"/>
+              <a:t>Sarah Mitchell, Cloud Platform Director</a:t>
+            </a:r>
+            <a:r>
+              <a:t>, Global Financial Services Corp</a:t>
             </a:r>
           </a:p>
         </p:txBody>
       </p:sp>
       <p:pic>
         <p:nvPicPr>
-          <p:cNvPr id="6" name="Picture 5" descr="eo-framework-logo-real.png"/>
+          <p:cNvPr id="5" name="Picture 4" descr="eo-framework-logo-real.png"/>
           <p:cNvPicPr>
             <a:picLocks noChangeAspect="1"/>
           </p:cNvPicPr>
@@ -4670,10 +5857,8 @@
           <a:bodyPr/>
           <a:lstStyle/>
           <a:p>
-            <a:pPr algn="l"/>
-            <a:r>
-              <a:rPr b="1"/>
-              <a:t>Investment Summary</a:t>
+            <a:r>
+              <a:t>Our Partnership Advantage</a:t>
             </a:r>
           </a:p>
         </p:txBody>
@@ -4685,808 +5870,127 @@
             <a:picLocks noGrp="1" noChangeAspect="1"/>
           </p:cNvPicPr>
           <p:nvPr>
-            <p:ph type="pic" idx="13" sz="quarter"/>
+            <p:ph type="pic" idx="14" sz="quarter"/>
           </p:nvPr>
         </p:nvPicPr>
         <p:blipFill>
           <a:blip r:embed="rId2"/>
-          <a:srcRect t="6404" b="6404"/>
+          <a:srcRect t="6314" b="6314"/>
           <a:stretch>
             <a:fillRect/>
           </a:stretch>
         </p:blipFill>
         <p:spPr/>
       </p:pic>
-      <p:graphicFrame>
-        <p:nvGraphicFramePr>
-          <p:cNvPr id="4" name="Table Placeholder 3"/>
-          <p:cNvGraphicFramePr>
-            <a:graphicFrameLocks noGrp="1"/>
-          </p:cNvGraphicFramePr>
+      <p:sp>
+        <p:nvSpPr>
+          <p:cNvPr id="4" name="Text Placeholder 3"/>
+          <p:cNvSpPr>
+            <a:spLocks noGrp="1"/>
+          </p:cNvSpPr>
           <p:nvPr>
-            <p:ph type="tbl" idx="14" sz="quarter"/>
+            <p:ph type="body" idx="16" sz="quarter"/>
           </p:nvPr>
-        </p:nvGraphicFramePr>
-        <p:xfrm>
-          <a:off x="256855" y="677011"/>
-          <a:ext cx="8710929" cy="2225040"/>
-        </p:xfrm>
-        <a:graphic>
-          <a:graphicData uri="http://schemas.openxmlformats.org/drawingml/2006/table">
-            <a:tbl>
-              <a:tblPr firstRow="1" bandRow="1">
-                <a:tableStyleId>{5C22544A-7EE6-4342-B048-85BDC9FD1C3A}</a:tableStyleId>
-              </a:tblPr>
-              <a:tblGrid>
-                <a:gridCol w="1742186"/>
-                <a:gridCol w="1045311"/>
-                <a:gridCol w="2003514"/>
-                <a:gridCol w="1132421"/>
-                <a:gridCol w="871093"/>
-                <a:gridCol w="871093"/>
-                <a:gridCol w="1045311"/>
-              </a:tblGrid>
-              <a:tr h="370840">
-                <a:tc>
-                  <a:txBody>
-                    <a:bodyPr/>
-                    <a:lstStyle/>
-                    <a:p>
-                      <a:r>
-                        <a:rPr sz="1400">
-                          <a:solidFill>
-                            <a:srgbClr val="FFFFFF"/>
-                          </a:solidFill>
-                        </a:rPr>
-                        <a:t>Cost Category</a:t>
-                      </a:r>
-                    </a:p>
-                  </a:txBody>
-                  <a:tcPr>
-                    <a:solidFill>
-                      <a:srgbClr val="A01C02"/>
-                    </a:solidFill>
-                  </a:tcPr>
-                </a:tc>
-                <a:tc>
-                  <a:txBody>
-                    <a:bodyPr/>
-                    <a:lstStyle/>
-                    <a:p>
-                      <a:r>
-                        <a:rPr sz="1400">
-                          <a:solidFill>
-                            <a:srgbClr val="FFFFFF"/>
-                          </a:solidFill>
-                        </a:rPr>
-                        <a:t>Year 1 List</a:t>
-                      </a:r>
-                    </a:p>
-                  </a:txBody>
-                  <a:tcPr>
-                    <a:solidFill>
-                      <a:srgbClr val="A01C02"/>
-                    </a:solidFill>
-                  </a:tcPr>
-                </a:tc>
-                <a:tc>
-                  <a:txBody>
-                    <a:bodyPr/>
-                    <a:lstStyle/>
-                    <a:p>
-                      <a:r>
-                        <a:rPr sz="1400">
-                          <a:solidFill>
-                            <a:srgbClr val="FFFFFF"/>
-                          </a:solidFill>
-                        </a:rPr>
-                        <a:t>Azure/Partner Credits</a:t>
-                      </a:r>
-                    </a:p>
-                  </a:txBody>
-                  <a:tcPr>
-                    <a:solidFill>
-                      <a:srgbClr val="A01C02"/>
-                    </a:solidFill>
-                  </a:tcPr>
-                </a:tc>
-                <a:tc>
-                  <a:txBody>
-                    <a:bodyPr/>
-                    <a:lstStyle/>
-                    <a:p>
-                      <a:r>
-                        <a:rPr sz="1400">
-                          <a:solidFill>
-                            <a:srgbClr val="FFFFFF"/>
-                          </a:solidFill>
-                        </a:rPr>
-                        <a:t>Year 1 Net</a:t>
-                      </a:r>
-                    </a:p>
-                  </a:txBody>
-                  <a:tcPr>
-                    <a:solidFill>
-                      <a:srgbClr val="A01C02"/>
-                    </a:solidFill>
-                  </a:tcPr>
-                </a:tc>
-                <a:tc>
-                  <a:txBody>
-                    <a:bodyPr/>
-                    <a:lstStyle/>
-                    <a:p>
-                      <a:r>
-                        <a:rPr sz="1400">
-                          <a:solidFill>
-                            <a:srgbClr val="FFFFFF"/>
-                          </a:solidFill>
-                        </a:rPr>
-                        <a:t>Year 2</a:t>
-                      </a:r>
-                    </a:p>
-                  </a:txBody>
-                  <a:tcPr>
-                    <a:solidFill>
-                      <a:srgbClr val="A01C02"/>
-                    </a:solidFill>
-                  </a:tcPr>
-                </a:tc>
-                <a:tc>
-                  <a:txBody>
-                    <a:bodyPr/>
-                    <a:lstStyle/>
-                    <a:p>
-                      <a:r>
-                        <a:rPr sz="1400">
-                          <a:solidFill>
-                            <a:srgbClr val="FFFFFF"/>
-                          </a:solidFill>
-                        </a:rPr>
-                        <a:t>Year 3</a:t>
-                      </a:r>
-                    </a:p>
-                  </a:txBody>
-                  <a:tcPr>
-                    <a:solidFill>
-                      <a:srgbClr val="A01C02"/>
-                    </a:solidFill>
-                  </a:tcPr>
-                </a:tc>
-                <a:tc>
-                  <a:txBody>
-                    <a:bodyPr/>
-                    <a:lstStyle/>
-                    <a:p>
-                      <a:r>
-                        <a:rPr sz="1400">
-                          <a:solidFill>
-                            <a:srgbClr val="FFFFFF"/>
-                          </a:solidFill>
-                        </a:rPr>
-                        <a:t>3-Year Total</a:t>
-                      </a:r>
-                    </a:p>
-                  </a:txBody>
-                  <a:tcPr>
-                    <a:solidFill>
-                      <a:srgbClr val="A01C02"/>
-                    </a:solidFill>
-                  </a:tcPr>
-                </a:tc>
-              </a:tr>
-              <a:tr h="370840">
-                <a:tc>
-                  <a:txBody>
-                    <a:bodyPr/>
-                    <a:lstStyle/>
-                    <a:p>
-                      <a:r>
-                        <a:rPr sz="1100"/>
-                        <a:t>Professional Services</a:t>
-                      </a:r>
-                    </a:p>
-                  </a:txBody>
-                  <a:tcPr>
-                    <a:solidFill>
-                      <a:srgbClr val="E7E6E6"/>
-                    </a:solidFill>
-                  </a:tcPr>
-                </a:tc>
-                <a:tc>
-                  <a:txBody>
-                    <a:bodyPr/>
-                    <a:lstStyle/>
-                    <a:p>
-                      <a:r>
-                        <a:rPr sz="1100"/>
-                        <a:t>$134,000</a:t>
-                      </a:r>
-                    </a:p>
-                  </a:txBody>
-                  <a:tcPr>
-                    <a:solidFill>
-                      <a:srgbClr val="E7E6E6"/>
-                    </a:solidFill>
-                  </a:tcPr>
-                </a:tc>
-                <a:tc>
-                  <a:txBody>
-                    <a:bodyPr/>
-                    <a:lstStyle/>
-                    <a:p>
-                      <a:r>
-                        <a:rPr sz="1100"/>
-                        <a:t>($15,000)</a:t>
-                      </a:r>
-                    </a:p>
-                  </a:txBody>
-                  <a:tcPr>
-                    <a:solidFill>
-                      <a:srgbClr val="E7E6E6"/>
-                    </a:solidFill>
-                  </a:tcPr>
-                </a:tc>
-                <a:tc>
-                  <a:txBody>
-                    <a:bodyPr/>
-                    <a:lstStyle/>
-                    <a:p>
-                      <a:r>
-                        <a:rPr sz="1100"/>
-                        <a:t>$119,000</a:t>
-                      </a:r>
-                    </a:p>
-                  </a:txBody>
-                  <a:tcPr>
-                    <a:solidFill>
-                      <a:srgbClr val="E7E6E6"/>
-                    </a:solidFill>
-                  </a:tcPr>
-                </a:tc>
-                <a:tc>
-                  <a:txBody>
-                    <a:bodyPr/>
-                    <a:lstStyle/>
-                    <a:p>
-                      <a:r>
-                        <a:rPr sz="1100"/>
-                        <a:t>$0</a:t>
-                      </a:r>
-                    </a:p>
-                  </a:txBody>
-                  <a:tcPr>
-                    <a:solidFill>
-                      <a:srgbClr val="E7E6E6"/>
-                    </a:solidFill>
-                  </a:tcPr>
-                </a:tc>
-                <a:tc>
-                  <a:txBody>
-                    <a:bodyPr/>
-                    <a:lstStyle/>
-                    <a:p>
-                      <a:r>
-                        <a:rPr sz="1100"/>
-                        <a:t>$0</a:t>
-                      </a:r>
-                    </a:p>
-                  </a:txBody>
-                  <a:tcPr>
-                    <a:solidFill>
-                      <a:srgbClr val="E7E6E6"/>
-                    </a:solidFill>
-                  </a:tcPr>
-                </a:tc>
-                <a:tc>
-                  <a:txBody>
-                    <a:bodyPr/>
-                    <a:lstStyle/>
-                    <a:p>
-                      <a:r>
-                        <a:rPr sz="1100"/>
-                        <a:t>$119,000</a:t>
-                      </a:r>
-                    </a:p>
-                  </a:txBody>
-                  <a:tcPr>
-                    <a:solidFill>
-                      <a:srgbClr val="E7E6E6"/>
-                    </a:solidFill>
-                  </a:tcPr>
-                </a:tc>
-              </a:tr>
-              <a:tr h="370840">
-                <a:tc>
-                  <a:txBody>
-                    <a:bodyPr/>
-                    <a:lstStyle/>
-                    <a:p>
-                      <a:r>
-                        <a:rPr sz="1100"/>
-                        <a:t>Cloud Infrastructure</a:t>
-                      </a:r>
-                    </a:p>
-                  </a:txBody>
-                  <a:tcPr>
-                    <a:solidFill>
-                      <a:srgbClr val="E7E6E6"/>
-                    </a:solidFill>
-                  </a:tcPr>
-                </a:tc>
-                <a:tc>
-                  <a:txBody>
-                    <a:bodyPr/>
-                    <a:lstStyle/>
-                    <a:p>
-                      <a:r>
-                        <a:rPr sz="1100"/>
-                        <a:t>$56,620</a:t>
-                      </a:r>
-                    </a:p>
-                  </a:txBody>
-                  <a:tcPr>
-                    <a:solidFill>
-                      <a:srgbClr val="E7E6E6"/>
-                    </a:solidFill>
-                  </a:tcPr>
-                </a:tc>
-                <a:tc>
-                  <a:txBody>
-                    <a:bodyPr/>
-                    <a:lstStyle/>
-                    <a:p>
-                      <a:r>
-                        <a:rPr sz="1100"/>
-                        <a:t>$0</a:t>
-                      </a:r>
-                    </a:p>
-                  </a:txBody>
-                  <a:tcPr>
-                    <a:solidFill>
-                      <a:srgbClr val="E7E6E6"/>
-                    </a:solidFill>
-                  </a:tcPr>
-                </a:tc>
-                <a:tc>
-                  <a:txBody>
-                    <a:bodyPr/>
-                    <a:lstStyle/>
-                    <a:p>
-                      <a:r>
-                        <a:rPr sz="1100"/>
-                        <a:t>$56,620</a:t>
-                      </a:r>
-                    </a:p>
-                  </a:txBody>
-                  <a:tcPr>
-                    <a:solidFill>
-                      <a:srgbClr val="E7E6E6"/>
-                    </a:solidFill>
-                  </a:tcPr>
-                </a:tc>
-                <a:tc>
-                  <a:txBody>
-                    <a:bodyPr/>
-                    <a:lstStyle/>
-                    <a:p>
-                      <a:r>
-                        <a:rPr sz="1100"/>
-                        <a:t>$56,620</a:t>
-                      </a:r>
-                    </a:p>
-                  </a:txBody>
-                  <a:tcPr>
-                    <a:solidFill>
-                      <a:srgbClr val="E7E6E6"/>
-                    </a:solidFill>
-                  </a:tcPr>
-                </a:tc>
-                <a:tc>
-                  <a:txBody>
-                    <a:bodyPr/>
-                    <a:lstStyle/>
-                    <a:p>
-                      <a:r>
-                        <a:rPr sz="1100"/>
-                        <a:t>$56,620</a:t>
-                      </a:r>
-                    </a:p>
-                  </a:txBody>
-                  <a:tcPr>
-                    <a:solidFill>
-                      <a:srgbClr val="E7E6E6"/>
-                    </a:solidFill>
-                  </a:tcPr>
-                </a:tc>
-                <a:tc>
-                  <a:txBody>
-                    <a:bodyPr/>
-                    <a:lstStyle/>
-                    <a:p>
-                      <a:r>
-                        <a:rPr sz="1100"/>
-                        <a:t>$169,860</a:t>
-                      </a:r>
-                    </a:p>
-                  </a:txBody>
-                  <a:tcPr>
-                    <a:solidFill>
-                      <a:srgbClr val="E7E6E6"/>
-                    </a:solidFill>
-                  </a:tcPr>
-                </a:tc>
-              </a:tr>
-              <a:tr h="370840">
-                <a:tc>
-                  <a:txBody>
-                    <a:bodyPr/>
-                    <a:lstStyle/>
-                    <a:p>
-                      <a:r>
-                        <a:rPr sz="1100"/>
-                        <a:t>Software Licenses &amp; Subscriptions</a:t>
-                      </a:r>
-                    </a:p>
-                  </a:txBody>
-                  <a:tcPr>
-                    <a:solidFill>
-                      <a:srgbClr val="E7E6E6"/>
-                    </a:solidFill>
-                  </a:tcPr>
-                </a:tc>
-                <a:tc>
-                  <a:txBody>
-                    <a:bodyPr/>
-                    <a:lstStyle/>
-                    <a:p>
-                      <a:r>
-                        <a:rPr sz="1100"/>
-                        <a:t>$30,600</a:t>
-                      </a:r>
-                    </a:p>
-                  </a:txBody>
-                  <a:tcPr>
-                    <a:solidFill>
-                      <a:srgbClr val="E7E6E6"/>
-                    </a:solidFill>
-                  </a:tcPr>
-                </a:tc>
-                <a:tc>
-                  <a:txBody>
-                    <a:bodyPr/>
-                    <a:lstStyle/>
-                    <a:p>
-                      <a:r>
-                        <a:rPr sz="1100"/>
-                        <a:t>$0</a:t>
-                      </a:r>
-                    </a:p>
-                  </a:txBody>
-                  <a:tcPr>
-                    <a:solidFill>
-                      <a:srgbClr val="E7E6E6"/>
-                    </a:solidFill>
-                  </a:tcPr>
-                </a:tc>
-                <a:tc>
-                  <a:txBody>
-                    <a:bodyPr/>
-                    <a:lstStyle/>
-                    <a:p>
-                      <a:r>
-                        <a:rPr sz="1100"/>
-                        <a:t>$30,600</a:t>
-                      </a:r>
-                    </a:p>
-                  </a:txBody>
-                  <a:tcPr>
-                    <a:solidFill>
-                      <a:srgbClr val="E7E6E6"/>
-                    </a:solidFill>
-                  </a:tcPr>
-                </a:tc>
-                <a:tc>
-                  <a:txBody>
-                    <a:bodyPr/>
-                    <a:lstStyle/>
-                    <a:p>
-                      <a:r>
-                        <a:rPr sz="1100"/>
-                        <a:t>$30,600</a:t>
-                      </a:r>
-                    </a:p>
-                  </a:txBody>
-                  <a:tcPr>
-                    <a:solidFill>
-                      <a:srgbClr val="E7E6E6"/>
-                    </a:solidFill>
-                  </a:tcPr>
-                </a:tc>
-                <a:tc>
-                  <a:txBody>
-                    <a:bodyPr/>
-                    <a:lstStyle/>
-                    <a:p>
-                      <a:r>
-                        <a:rPr sz="1100"/>
-                        <a:t>$30,600</a:t>
-                      </a:r>
-                    </a:p>
-                  </a:txBody>
-                  <a:tcPr>
-                    <a:solidFill>
-                      <a:srgbClr val="E7E6E6"/>
-                    </a:solidFill>
-                  </a:tcPr>
-                </a:tc>
-                <a:tc>
-                  <a:txBody>
-                    <a:bodyPr/>
-                    <a:lstStyle/>
-                    <a:p>
-                      <a:r>
-                        <a:rPr sz="1100"/>
-                        <a:t>$91,800</a:t>
-                      </a:r>
-                    </a:p>
-                  </a:txBody>
-                  <a:tcPr>
-                    <a:solidFill>
-                      <a:srgbClr val="E7E6E6"/>
-                    </a:solidFill>
-                  </a:tcPr>
-                </a:tc>
-              </a:tr>
-              <a:tr h="370840">
-                <a:tc>
-                  <a:txBody>
-                    <a:bodyPr/>
-                    <a:lstStyle/>
-                    <a:p>
-                      <a:r>
-                        <a:rPr sz="1100"/>
-                        <a:t>Support &amp; Maintenance</a:t>
-                      </a:r>
-                    </a:p>
-                  </a:txBody>
-                  <a:tcPr>
-                    <a:solidFill>
-                      <a:srgbClr val="E7E6E6"/>
-                    </a:solidFill>
-                  </a:tcPr>
-                </a:tc>
-                <a:tc>
-                  <a:txBody>
-                    <a:bodyPr/>
-                    <a:lstStyle/>
-                    <a:p>
-                      <a:r>
-                        <a:rPr sz="1100"/>
-                        <a:t>$24,800</a:t>
-                      </a:r>
-                    </a:p>
-                  </a:txBody>
-                  <a:tcPr>
-                    <a:solidFill>
-                      <a:srgbClr val="E7E6E6"/>
-                    </a:solidFill>
-                  </a:tcPr>
-                </a:tc>
-                <a:tc>
-                  <a:txBody>
-                    <a:bodyPr/>
-                    <a:lstStyle/>
-                    <a:p>
-                      <a:r>
-                        <a:rPr sz="1100"/>
-                        <a:t>$0</a:t>
-                      </a:r>
-                    </a:p>
-                  </a:txBody>
-                  <a:tcPr>
-                    <a:solidFill>
-                      <a:srgbClr val="E7E6E6"/>
-                    </a:solidFill>
-                  </a:tcPr>
-                </a:tc>
-                <a:tc>
-                  <a:txBody>
-                    <a:bodyPr/>
-                    <a:lstStyle/>
-                    <a:p>
-                      <a:r>
-                        <a:rPr sz="1100"/>
-                        <a:t>$24,800</a:t>
-                      </a:r>
-                    </a:p>
-                  </a:txBody>
-                  <a:tcPr>
-                    <a:solidFill>
-                      <a:srgbClr val="E7E6E6"/>
-                    </a:solidFill>
-                  </a:tcPr>
-                </a:tc>
-                <a:tc>
-                  <a:txBody>
-                    <a:bodyPr/>
-                    <a:lstStyle/>
-                    <a:p>
-                      <a:r>
-                        <a:rPr sz="1100"/>
-                        <a:t>$24,800</a:t>
-                      </a:r>
-                    </a:p>
-                  </a:txBody>
-                  <a:tcPr>
-                    <a:solidFill>
-                      <a:srgbClr val="E7E6E6"/>
-                    </a:solidFill>
-                  </a:tcPr>
-                </a:tc>
-                <a:tc>
-                  <a:txBody>
-                    <a:bodyPr/>
-                    <a:lstStyle/>
-                    <a:p>
-                      <a:r>
-                        <a:rPr sz="1100"/>
-                        <a:t>$24,800</a:t>
-                      </a:r>
-                    </a:p>
-                  </a:txBody>
-                  <a:tcPr>
-                    <a:solidFill>
-                      <a:srgbClr val="E7E6E6"/>
-                    </a:solidFill>
-                  </a:tcPr>
-                </a:tc>
-                <a:tc>
-                  <a:txBody>
-                    <a:bodyPr/>
-                    <a:lstStyle/>
-                    <a:p>
-                      <a:r>
-                        <a:rPr sz="1100"/>
-                        <a:t>$74,400</a:t>
-                      </a:r>
-                    </a:p>
-                  </a:txBody>
-                  <a:tcPr>
-                    <a:solidFill>
-                      <a:srgbClr val="E7E6E6"/>
-                    </a:solidFill>
-                  </a:tcPr>
-                </a:tc>
-              </a:tr>
-              <a:tr h="370840">
-                <a:tc>
-                  <a:txBody>
-                    <a:bodyPr/>
-                    <a:lstStyle/>
-                    <a:p>
-                      <a:r>
-                        <a:rPr b="1" sz="1100"/>
-                        <a:t>TOTAL INVESTMENT</a:t>
-                      </a:r>
-                    </a:p>
-                  </a:txBody>
-                  <a:tcPr>
-                    <a:solidFill>
-                      <a:srgbClr val="E7E6E6"/>
-                    </a:solidFill>
-                  </a:tcPr>
-                </a:tc>
-                <a:tc>
-                  <a:txBody>
-                    <a:bodyPr/>
-                    <a:lstStyle/>
-                    <a:p>
-                      <a:r>
-                        <a:rPr b="1" sz="1100"/>
-                        <a:t>$245,020</a:t>
-                      </a:r>
-                    </a:p>
-                  </a:txBody>
-                  <a:tcPr>
-                    <a:solidFill>
-                      <a:srgbClr val="E7E6E6"/>
-                    </a:solidFill>
-                  </a:tcPr>
-                </a:tc>
-                <a:tc>
-                  <a:txBody>
-                    <a:bodyPr/>
-                    <a:lstStyle/>
-                    <a:p>
-                      <a:r>
-                        <a:rPr b="1" sz="1100"/>
-                        <a:t>($15,000)</a:t>
-                      </a:r>
-                    </a:p>
-                  </a:txBody>
-                  <a:tcPr>
-                    <a:solidFill>
-                      <a:srgbClr val="E7E6E6"/>
-                    </a:solidFill>
-                  </a:tcPr>
-                </a:tc>
-                <a:tc>
-                  <a:txBody>
-                    <a:bodyPr/>
-                    <a:lstStyle/>
-                    <a:p>
-                      <a:r>
-                        <a:rPr b="1" sz="1100"/>
-                        <a:t>$230,020</a:t>
-                      </a:r>
-                    </a:p>
-                  </a:txBody>
-                  <a:tcPr>
-                    <a:solidFill>
-                      <a:srgbClr val="E7E6E6"/>
-                    </a:solidFill>
-                  </a:tcPr>
-                </a:tc>
-                <a:tc>
-                  <a:txBody>
-                    <a:bodyPr/>
-                    <a:lstStyle/>
-                    <a:p>
-                      <a:r>
-                        <a:rPr b="1" sz="1100"/>
-                        <a:t>$112,020</a:t>
-                      </a:r>
-                    </a:p>
-                  </a:txBody>
-                  <a:tcPr>
-                    <a:solidFill>
-                      <a:srgbClr val="E7E6E6"/>
-                    </a:solidFill>
-                  </a:tcPr>
-                </a:tc>
-                <a:tc>
-                  <a:txBody>
-                    <a:bodyPr/>
-                    <a:lstStyle/>
-                    <a:p>
-                      <a:r>
-                        <a:rPr b="1" sz="1100"/>
-                        <a:t>$112,020</a:t>
-                      </a:r>
-                    </a:p>
-                  </a:txBody>
-                  <a:tcPr>
-                    <a:solidFill>
-                      <a:srgbClr val="E7E6E6"/>
-                    </a:solidFill>
-                  </a:tcPr>
-                </a:tc>
-                <a:tc>
-                  <a:txBody>
-                    <a:bodyPr/>
-                    <a:lstStyle/>
-                    <a:p>
-                      <a:r>
-                        <a:rPr b="1" sz="1100"/>
-                        <a:t>$454,060</a:t>
-                      </a:r>
-                    </a:p>
-                  </a:txBody>
-                  <a:tcPr>
-                    <a:solidFill>
-                      <a:srgbClr val="E7E6E6"/>
-                    </a:solidFill>
-                  </a:tcPr>
-                </a:tc>
-              </a:tr>
-            </a:tbl>
-          </a:graphicData>
-        </a:graphic>
-      </p:graphicFrame>
+        </p:nvSpPr>
+        <p:spPr/>
+        <p:txBody>
+          <a:bodyPr/>
+          <a:lstStyle/>
+          <a:p>
+            <a:pPr/>
+            <a:r>
+              <a:rPr b="1"/>
+              <a:t>What We Bring</a:t>
+            </a:r>
+          </a:p>
+          <a:p>
+            <a:pPr lvl="1"/>
+            <a:r>
+              <a:t>Microsoft Gold Partner with Azure Expert MSP designation</a:t>
+            </a:r>
+          </a:p>
+          <a:p>
+            <a:pPr lvl="1"/>
+            <a:r>
+              <a:t>100+ Azure Landing Zone implementations across enterprise clients</a:t>
+            </a:r>
+          </a:p>
+          <a:p>
+            <a:pPr lvl="1"/>
+            <a:r>
+              <a:t>Certified Azure Solutions Architects with governance specialization</a:t>
+            </a:r>
+          </a:p>
+          <a:p>
+            <a:pPr lvl="1"/>
+            <a:r>
+              <a:t>Pre-built policy libraries and landing zone accelerators</a:t>
+            </a:r>
+          </a:p>
+          <a:p>
+            <a:pPr lvl="1"/>
+            <a:r>
+              <a:t>Direct Microsoft escalation and Azure engineering support</a:t>
+            </a:r>
+          </a:p>
+        </p:txBody>
+      </p:sp>
+      <p:sp>
+        <p:nvSpPr>
+          <p:cNvPr id="5" name="Text Placeholder 4"/>
+          <p:cNvSpPr>
+            <a:spLocks noGrp="1"/>
+          </p:cNvSpPr>
+          <p:nvPr>
+            <p:ph type="body" idx="17" sz="quarter"/>
+          </p:nvPr>
+        </p:nvSpPr>
+        <p:spPr/>
+        <p:txBody>
+          <a:bodyPr/>
+          <a:lstStyle/>
+          <a:p>
+            <a:pPr/>
+            <a:r>
+              <a:rPr b="1"/>
+              <a:t>Value to You</a:t>
+            </a:r>
+          </a:p>
+          <a:p>
+            <a:pPr lvl="1"/>
+            <a:r>
+              <a:t>Proven landing zone frameworks reduce implementation risk by 70%</a:t>
+            </a:r>
+          </a:p>
+          <a:p>
+            <a:pPr lvl="1"/>
+            <a:r>
+              <a:t>Custom policy templates aligned with your compliance requirements</a:t>
+            </a:r>
+          </a:p>
+          <a:p>
+            <a:pPr lvl="1"/>
+            <a:r>
+              <a:t>Azure Cost Management expertise to optimize cloud spend</a:t>
+            </a:r>
+          </a:p>
+          <a:p>
+            <a:pPr lvl="1"/>
+            <a:r>
+              <a:t>Comprehensive skills transfer for internal team self-sufficiency</a:t>
+            </a:r>
+          </a:p>
+          <a:p>
+            <a:pPr lvl="1"/>
+            <a:r>
+              <a:t>Ongoing governance advisory and policy optimization support</a:t>
+            </a:r>
+          </a:p>
+        </p:txBody>
+      </p:sp>
       <p:pic>
         <p:nvPicPr>
-          <p:cNvPr id="5" name="Picture 4" descr="eo-framework-logo-real.png"/>
+          <p:cNvPr id="6" name="Picture 5" descr="eo-framework-logo-real.png"/>
           <p:cNvPicPr>
             <a:picLocks noChangeAspect="1"/>
           </p:cNvPicPr>
@@ -5541,8 +6045,10 @@
           <a:bodyPr/>
           <a:lstStyle/>
           <a:p>
-            <a:r>
-              <a:t>Next Steps</a:t>
+            <a:pPr algn="l"/>
+            <a:r>
+              <a:rPr b="1"/>
+              <a:t>Investment Summary</a:t>
             </a:r>
           </a:p>
         </p:txBody>
@@ -5559,89 +6065,800 @@
         </p:nvPicPr>
         <p:blipFill>
           <a:blip r:embed="rId2"/>
-          <a:srcRect t="6762" b="6762"/>
+          <a:srcRect t="6404" b="6404"/>
           <a:stretch>
             <a:fillRect/>
           </a:stretch>
         </p:blipFill>
         <p:spPr/>
       </p:pic>
-      <p:sp>
-        <p:nvSpPr>
-          <p:cNvPr id="4" name="Text Placeholder 3"/>
-          <p:cNvSpPr>
-            <a:spLocks noGrp="1"/>
-          </p:cNvSpPr>
+      <p:graphicFrame>
+        <p:nvGraphicFramePr>
+          <p:cNvPr id="4" name="Table Placeholder 3"/>
+          <p:cNvGraphicFramePr>
+            <a:graphicFrameLocks noGrp="1"/>
+          </p:cNvGraphicFramePr>
           <p:nvPr>
-            <p:ph type="body" idx="14" sz="quarter"/>
+            <p:ph type="tbl" idx="14" sz="quarter"/>
           </p:nvPr>
-        </p:nvSpPr>
-        <p:spPr/>
-        <p:txBody>
-          <a:bodyPr/>
-          <a:lstStyle/>
-          <a:p>
-            <a:pPr/>
-            <a:r>
-              <a:rPr b="1"/>
-              <a:t>Decision:</a:t>
-            </a:r>
-            <a:r>
-              <a:t> Executive approval for landing zone implementation by [specific date]</a:t>
-            </a:r>
-          </a:p>
-          <a:p>
-            <a:pPr/>
-            <a:r>
-              <a:rPr b="1"/>
-              <a:t>Kickoff:</a:t>
-            </a:r>
-            <a:r>
-              <a:t> Target deployment start [30 days from approval]</a:t>
-            </a:r>
-          </a:p>
-          <a:p>
-            <a:pPr/>
-            <a:r>
-              <a:rPr b="1"/>
-              <a:t>Team Formation:</a:t>
-            </a:r>
-            <a:r>
-              <a:t> Identify cloud architect, security lead, compliance officer</a:t>
-            </a:r>
-          </a:p>
-          <a:p>
-            <a:pPr/>
-            <a:r>
-              <a:rPr b="1"/>
-              <a:t>Week 1-4:</a:t>
-            </a:r>
-            <a:r>
-              <a:t> Foundation deployment (management groups, hub network, Azure AD)</a:t>
-            </a:r>
-          </a:p>
-          <a:p>
-            <a:pPr/>
-            <a:r>
-              <a:rPr b="1"/>
-              <a:t>Week 5-8:</a:t>
-            </a:r>
-            <a:r>
-              <a:t> Security and compliance (Defender, Sentinel, policies)</a:t>
-            </a:r>
-          </a:p>
-          <a:p>
-            <a:pPr/>
-            <a:r>
-              <a:rPr b="1"/>
-              <a:t>Week 9-12:</a:t>
-            </a:r>
-            <a:r>
-              <a:t> Landing zones and subscription vending</a:t>
-            </a:r>
-          </a:p>
-        </p:txBody>
-      </p:sp>
+        </p:nvGraphicFramePr>
+        <p:xfrm>
+          <a:off x="256855" y="677011"/>
+          <a:ext cx="8710929" cy="2225040"/>
+        </p:xfrm>
+        <a:graphic>
+          <a:graphicData uri="http://schemas.openxmlformats.org/drawingml/2006/table">
+            <a:tbl>
+              <a:tblPr firstRow="1" bandRow="1">
+                <a:tableStyleId>{5C22544A-7EE6-4342-B048-85BDC9FD1C3A}</a:tableStyleId>
+              </a:tblPr>
+              <a:tblGrid>
+                <a:gridCol w="1742186"/>
+                <a:gridCol w="1045311"/>
+                <a:gridCol w="2003514"/>
+                <a:gridCol w="1132421"/>
+                <a:gridCol w="871093"/>
+                <a:gridCol w="871093"/>
+                <a:gridCol w="1045311"/>
+              </a:tblGrid>
+              <a:tr h="370840">
+                <a:tc>
+                  <a:txBody>
+                    <a:bodyPr/>
+                    <a:lstStyle/>
+                    <a:p>
+                      <a:r>
+                        <a:rPr sz="1400">
+                          <a:solidFill>
+                            <a:srgbClr val="FFFFFF"/>
+                          </a:solidFill>
+                        </a:rPr>
+                        <a:t>Cost Category</a:t>
+                      </a:r>
+                    </a:p>
+                  </a:txBody>
+                  <a:tcPr>
+                    <a:solidFill>
+                      <a:srgbClr val="A01C02"/>
+                    </a:solidFill>
+                  </a:tcPr>
+                </a:tc>
+                <a:tc>
+                  <a:txBody>
+                    <a:bodyPr/>
+                    <a:lstStyle/>
+                    <a:p>
+                      <a:r>
+                        <a:rPr sz="1400">
+                          <a:solidFill>
+                            <a:srgbClr val="FFFFFF"/>
+                          </a:solidFill>
+                        </a:rPr>
+                        <a:t>Year 1 List</a:t>
+                      </a:r>
+                    </a:p>
+                  </a:txBody>
+                  <a:tcPr>
+                    <a:solidFill>
+                      <a:srgbClr val="A01C02"/>
+                    </a:solidFill>
+                  </a:tcPr>
+                </a:tc>
+                <a:tc>
+                  <a:txBody>
+                    <a:bodyPr/>
+                    <a:lstStyle/>
+                    <a:p>
+                      <a:r>
+                        <a:rPr sz="1400">
+                          <a:solidFill>
+                            <a:srgbClr val="FFFFFF"/>
+                          </a:solidFill>
+                        </a:rPr>
+                        <a:t>Provider/Partner Credits</a:t>
+                      </a:r>
+                    </a:p>
+                  </a:txBody>
+                  <a:tcPr>
+                    <a:solidFill>
+                      <a:srgbClr val="A01C02"/>
+                    </a:solidFill>
+                  </a:tcPr>
+                </a:tc>
+                <a:tc>
+                  <a:txBody>
+                    <a:bodyPr/>
+                    <a:lstStyle/>
+                    <a:p>
+                      <a:r>
+                        <a:rPr sz="1400">
+                          <a:solidFill>
+                            <a:srgbClr val="FFFFFF"/>
+                          </a:solidFill>
+                        </a:rPr>
+                        <a:t>Year 1 Net</a:t>
+                      </a:r>
+                    </a:p>
+                  </a:txBody>
+                  <a:tcPr>
+                    <a:solidFill>
+                      <a:srgbClr val="A01C02"/>
+                    </a:solidFill>
+                  </a:tcPr>
+                </a:tc>
+                <a:tc>
+                  <a:txBody>
+                    <a:bodyPr/>
+                    <a:lstStyle/>
+                    <a:p>
+                      <a:r>
+                        <a:rPr sz="1400">
+                          <a:solidFill>
+                            <a:srgbClr val="FFFFFF"/>
+                          </a:solidFill>
+                        </a:rPr>
+                        <a:t>Year 2</a:t>
+                      </a:r>
+                    </a:p>
+                  </a:txBody>
+                  <a:tcPr>
+                    <a:solidFill>
+                      <a:srgbClr val="A01C02"/>
+                    </a:solidFill>
+                  </a:tcPr>
+                </a:tc>
+                <a:tc>
+                  <a:txBody>
+                    <a:bodyPr/>
+                    <a:lstStyle/>
+                    <a:p>
+                      <a:r>
+                        <a:rPr sz="1400">
+                          <a:solidFill>
+                            <a:srgbClr val="FFFFFF"/>
+                          </a:solidFill>
+                        </a:rPr>
+                        <a:t>Year 3</a:t>
+                      </a:r>
+                    </a:p>
+                  </a:txBody>
+                  <a:tcPr>
+                    <a:solidFill>
+                      <a:srgbClr val="A01C02"/>
+                    </a:solidFill>
+                  </a:tcPr>
+                </a:tc>
+                <a:tc>
+                  <a:txBody>
+                    <a:bodyPr/>
+                    <a:lstStyle/>
+                    <a:p>
+                      <a:r>
+                        <a:rPr sz="1400">
+                          <a:solidFill>
+                            <a:srgbClr val="FFFFFF"/>
+                          </a:solidFill>
+                        </a:rPr>
+                        <a:t>3-Year Total</a:t>
+                      </a:r>
+                    </a:p>
+                  </a:txBody>
+                  <a:tcPr>
+                    <a:solidFill>
+                      <a:srgbClr val="A01C02"/>
+                    </a:solidFill>
+                  </a:tcPr>
+                </a:tc>
+              </a:tr>
+              <a:tr h="370840">
+                <a:tc>
+                  <a:txBody>
+                    <a:bodyPr/>
+                    <a:lstStyle/>
+                    <a:p>
+                      <a:r>
+                        <a:rPr sz="1100"/>
+                        <a:t>Cloud Infrastructure</a:t>
+                      </a:r>
+                    </a:p>
+                  </a:txBody>
+                  <a:tcPr>
+                    <a:solidFill>
+                      <a:srgbClr val="E7E6E6"/>
+                    </a:solidFill>
+                  </a:tcPr>
+                </a:tc>
+                <a:tc>
+                  <a:txBody>
+                    <a:bodyPr/>
+                    <a:lstStyle/>
+                    <a:p>
+                      <a:r>
+                        <a:rPr sz="1100"/>
+                        <a:t>$6,082</a:t>
+                      </a:r>
+                    </a:p>
+                  </a:txBody>
+                  <a:tcPr>
+                    <a:solidFill>
+                      <a:srgbClr val="E7E6E6"/>
+                    </a:solidFill>
+                  </a:tcPr>
+                </a:tc>
+                <a:tc>
+                  <a:txBody>
+                    <a:bodyPr/>
+                    <a:lstStyle/>
+                    <a:p>
+                      <a:r>
+                        <a:rPr sz="1100"/>
+                        <a:t>($1,800)</a:t>
+                      </a:r>
+                    </a:p>
+                  </a:txBody>
+                  <a:tcPr>
+                    <a:solidFill>
+                      <a:srgbClr val="E7E6E6"/>
+                    </a:solidFill>
+                  </a:tcPr>
+                </a:tc>
+                <a:tc>
+                  <a:txBody>
+                    <a:bodyPr/>
+                    <a:lstStyle/>
+                    <a:p>
+                      <a:r>
+                        <a:rPr sz="1100"/>
+                        <a:t>$4,282</a:t>
+                      </a:r>
+                    </a:p>
+                  </a:txBody>
+                  <a:tcPr>
+                    <a:solidFill>
+                      <a:srgbClr val="E7E6E6"/>
+                    </a:solidFill>
+                  </a:tcPr>
+                </a:tc>
+                <a:tc>
+                  <a:txBody>
+                    <a:bodyPr/>
+                    <a:lstStyle/>
+                    <a:p>
+                      <a:r>
+                        <a:rPr sz="1100"/>
+                        <a:t>$6,082</a:t>
+                      </a:r>
+                    </a:p>
+                  </a:txBody>
+                  <a:tcPr>
+                    <a:solidFill>
+                      <a:srgbClr val="E7E6E6"/>
+                    </a:solidFill>
+                  </a:tcPr>
+                </a:tc>
+                <a:tc>
+                  <a:txBody>
+                    <a:bodyPr/>
+                    <a:lstStyle/>
+                    <a:p>
+                      <a:r>
+                        <a:rPr sz="1100"/>
+                        <a:t>$6,082</a:t>
+                      </a:r>
+                    </a:p>
+                  </a:txBody>
+                  <a:tcPr>
+                    <a:solidFill>
+                      <a:srgbClr val="E7E6E6"/>
+                    </a:solidFill>
+                  </a:tcPr>
+                </a:tc>
+                <a:tc>
+                  <a:txBody>
+                    <a:bodyPr/>
+                    <a:lstStyle/>
+                    <a:p>
+                      <a:r>
+                        <a:rPr sz="1100"/>
+                        <a:t>$16,446</a:t>
+                      </a:r>
+                    </a:p>
+                  </a:txBody>
+                  <a:tcPr>
+                    <a:solidFill>
+                      <a:srgbClr val="E7E6E6"/>
+                    </a:solidFill>
+                  </a:tcPr>
+                </a:tc>
+              </a:tr>
+              <a:tr h="370840">
+                <a:tc>
+                  <a:txBody>
+                    <a:bodyPr/>
+                    <a:lstStyle/>
+                    <a:p>
+                      <a:r>
+                        <a:rPr sz="1100"/>
+                        <a:t>Professional Services</a:t>
+                      </a:r>
+                    </a:p>
+                  </a:txBody>
+                  <a:tcPr>
+                    <a:solidFill>
+                      <a:srgbClr val="E7E6E6"/>
+                    </a:solidFill>
+                  </a:tcPr>
+                </a:tc>
+                <a:tc>
+                  <a:txBody>
+                    <a:bodyPr/>
+                    <a:lstStyle/>
+                    <a:p>
+                      <a:r>
+                        <a:rPr sz="1100"/>
+                        <a:t>$64,300</a:t>
+                      </a:r>
+                    </a:p>
+                  </a:txBody>
+                  <a:tcPr>
+                    <a:solidFill>
+                      <a:srgbClr val="E7E6E6"/>
+                    </a:solidFill>
+                  </a:tcPr>
+                </a:tc>
+                <a:tc>
+                  <a:txBody>
+                    <a:bodyPr/>
+                    <a:lstStyle/>
+                    <a:p>
+                      <a:r>
+                        <a:rPr sz="1100"/>
+                        <a:t>($5,000)</a:t>
+                      </a:r>
+                    </a:p>
+                  </a:txBody>
+                  <a:tcPr>
+                    <a:solidFill>
+                      <a:srgbClr val="E7E6E6"/>
+                    </a:solidFill>
+                  </a:tcPr>
+                </a:tc>
+                <a:tc>
+                  <a:txBody>
+                    <a:bodyPr/>
+                    <a:lstStyle/>
+                    <a:p>
+                      <a:r>
+                        <a:rPr sz="1100"/>
+                        <a:t>$59,300</a:t>
+                      </a:r>
+                    </a:p>
+                  </a:txBody>
+                  <a:tcPr>
+                    <a:solidFill>
+                      <a:srgbClr val="E7E6E6"/>
+                    </a:solidFill>
+                  </a:tcPr>
+                </a:tc>
+                <a:tc>
+                  <a:txBody>
+                    <a:bodyPr/>
+                    <a:lstStyle/>
+                    <a:p>
+                      <a:r>
+                        <a:rPr sz="1100"/>
+                        <a:t>$0</a:t>
+                      </a:r>
+                    </a:p>
+                  </a:txBody>
+                  <a:tcPr>
+                    <a:solidFill>
+                      <a:srgbClr val="E7E6E6"/>
+                    </a:solidFill>
+                  </a:tcPr>
+                </a:tc>
+                <a:tc>
+                  <a:txBody>
+                    <a:bodyPr/>
+                    <a:lstStyle/>
+                    <a:p>
+                      <a:r>
+                        <a:rPr sz="1100"/>
+                        <a:t>$0</a:t>
+                      </a:r>
+                    </a:p>
+                  </a:txBody>
+                  <a:tcPr>
+                    <a:solidFill>
+                      <a:srgbClr val="E7E6E6"/>
+                    </a:solidFill>
+                  </a:tcPr>
+                </a:tc>
+                <a:tc>
+                  <a:txBody>
+                    <a:bodyPr/>
+                    <a:lstStyle/>
+                    <a:p>
+                      <a:r>
+                        <a:rPr sz="1100"/>
+                        <a:t>$59,300</a:t>
+                      </a:r>
+                    </a:p>
+                  </a:txBody>
+                  <a:tcPr>
+                    <a:solidFill>
+                      <a:srgbClr val="E7E6E6"/>
+                    </a:solidFill>
+                  </a:tcPr>
+                </a:tc>
+              </a:tr>
+              <a:tr h="370840">
+                <a:tc>
+                  <a:txBody>
+                    <a:bodyPr/>
+                    <a:lstStyle/>
+                    <a:p>
+                      <a:r>
+                        <a:rPr sz="1100"/>
+                        <a:t>Software Licenses &amp; Subscriptions</a:t>
+                      </a:r>
+                    </a:p>
+                  </a:txBody>
+                  <a:tcPr>
+                    <a:solidFill>
+                      <a:srgbClr val="E7E6E6"/>
+                    </a:solidFill>
+                  </a:tcPr>
+                </a:tc>
+                <a:tc>
+                  <a:txBody>
+                    <a:bodyPr/>
+                    <a:lstStyle/>
+                    <a:p>
+                      <a:r>
+                        <a:rPr sz="1100"/>
+                        <a:t>$900</a:t>
+                      </a:r>
+                    </a:p>
+                  </a:txBody>
+                  <a:tcPr>
+                    <a:solidFill>
+                      <a:srgbClr val="E7E6E6"/>
+                    </a:solidFill>
+                  </a:tcPr>
+                </a:tc>
+                <a:tc>
+                  <a:txBody>
+                    <a:bodyPr/>
+                    <a:lstStyle/>
+                    <a:p>
+                      <a:r>
+                        <a:rPr sz="1100"/>
+                        <a:t>$0</a:t>
+                      </a:r>
+                    </a:p>
+                  </a:txBody>
+                  <a:tcPr>
+                    <a:solidFill>
+                      <a:srgbClr val="E7E6E6"/>
+                    </a:solidFill>
+                  </a:tcPr>
+                </a:tc>
+                <a:tc>
+                  <a:txBody>
+                    <a:bodyPr/>
+                    <a:lstStyle/>
+                    <a:p>
+                      <a:r>
+                        <a:rPr sz="1100"/>
+                        <a:t>$900</a:t>
+                      </a:r>
+                    </a:p>
+                  </a:txBody>
+                  <a:tcPr>
+                    <a:solidFill>
+                      <a:srgbClr val="E7E6E6"/>
+                    </a:solidFill>
+                  </a:tcPr>
+                </a:tc>
+                <a:tc>
+                  <a:txBody>
+                    <a:bodyPr/>
+                    <a:lstStyle/>
+                    <a:p>
+                      <a:r>
+                        <a:rPr sz="1100"/>
+                        <a:t>$900</a:t>
+                      </a:r>
+                    </a:p>
+                  </a:txBody>
+                  <a:tcPr>
+                    <a:solidFill>
+                      <a:srgbClr val="E7E6E6"/>
+                    </a:solidFill>
+                  </a:tcPr>
+                </a:tc>
+                <a:tc>
+                  <a:txBody>
+                    <a:bodyPr/>
+                    <a:lstStyle/>
+                    <a:p>
+                      <a:r>
+                        <a:rPr sz="1100"/>
+                        <a:t>$900</a:t>
+                      </a:r>
+                    </a:p>
+                  </a:txBody>
+                  <a:tcPr>
+                    <a:solidFill>
+                      <a:srgbClr val="E7E6E6"/>
+                    </a:solidFill>
+                  </a:tcPr>
+                </a:tc>
+                <a:tc>
+                  <a:txBody>
+                    <a:bodyPr/>
+                    <a:lstStyle/>
+                    <a:p>
+                      <a:r>
+                        <a:rPr sz="1100"/>
+                        <a:t>$2,700</a:t>
+                      </a:r>
+                    </a:p>
+                  </a:txBody>
+                  <a:tcPr>
+                    <a:solidFill>
+                      <a:srgbClr val="E7E6E6"/>
+                    </a:solidFill>
+                  </a:tcPr>
+                </a:tc>
+              </a:tr>
+              <a:tr h="370840">
+                <a:tc>
+                  <a:txBody>
+                    <a:bodyPr/>
+                    <a:lstStyle/>
+                    <a:p>
+                      <a:r>
+                        <a:rPr sz="1100"/>
+                        <a:t>Support &amp; Maintenance</a:t>
+                      </a:r>
+                    </a:p>
+                  </a:txBody>
+                  <a:tcPr>
+                    <a:solidFill>
+                      <a:srgbClr val="E7E6E6"/>
+                    </a:solidFill>
+                  </a:tcPr>
+                </a:tc>
+                <a:tc>
+                  <a:txBody>
+                    <a:bodyPr/>
+                    <a:lstStyle/>
+                    <a:p>
+                      <a:r>
+                        <a:rPr sz="1100"/>
+                        <a:t>$1,200</a:t>
+                      </a:r>
+                    </a:p>
+                  </a:txBody>
+                  <a:tcPr>
+                    <a:solidFill>
+                      <a:srgbClr val="E7E6E6"/>
+                    </a:solidFill>
+                  </a:tcPr>
+                </a:tc>
+                <a:tc>
+                  <a:txBody>
+                    <a:bodyPr/>
+                    <a:lstStyle/>
+                    <a:p>
+                      <a:r>
+                        <a:rPr sz="1100"/>
+                        <a:t>$0</a:t>
+                      </a:r>
+                    </a:p>
+                  </a:txBody>
+                  <a:tcPr>
+                    <a:solidFill>
+                      <a:srgbClr val="E7E6E6"/>
+                    </a:solidFill>
+                  </a:tcPr>
+                </a:tc>
+                <a:tc>
+                  <a:txBody>
+                    <a:bodyPr/>
+                    <a:lstStyle/>
+                    <a:p>
+                      <a:r>
+                        <a:rPr sz="1100"/>
+                        <a:t>$1,200</a:t>
+                      </a:r>
+                    </a:p>
+                  </a:txBody>
+                  <a:tcPr>
+                    <a:solidFill>
+                      <a:srgbClr val="E7E6E6"/>
+                    </a:solidFill>
+                  </a:tcPr>
+                </a:tc>
+                <a:tc>
+                  <a:txBody>
+                    <a:bodyPr/>
+                    <a:lstStyle/>
+                    <a:p>
+                      <a:r>
+                        <a:rPr sz="1100"/>
+                        <a:t>$1,200</a:t>
+                      </a:r>
+                    </a:p>
+                  </a:txBody>
+                  <a:tcPr>
+                    <a:solidFill>
+                      <a:srgbClr val="E7E6E6"/>
+                    </a:solidFill>
+                  </a:tcPr>
+                </a:tc>
+                <a:tc>
+                  <a:txBody>
+                    <a:bodyPr/>
+                    <a:lstStyle/>
+                    <a:p>
+                      <a:r>
+                        <a:rPr sz="1100"/>
+                        <a:t>$1,200</a:t>
+                      </a:r>
+                    </a:p>
+                  </a:txBody>
+                  <a:tcPr>
+                    <a:solidFill>
+                      <a:srgbClr val="E7E6E6"/>
+                    </a:solidFill>
+                  </a:tcPr>
+                </a:tc>
+                <a:tc>
+                  <a:txBody>
+                    <a:bodyPr/>
+                    <a:lstStyle/>
+                    <a:p>
+                      <a:r>
+                        <a:rPr sz="1100"/>
+                        <a:t>$3,600</a:t>
+                      </a:r>
+                    </a:p>
+                  </a:txBody>
+                  <a:tcPr>
+                    <a:solidFill>
+                      <a:srgbClr val="E7E6E6"/>
+                    </a:solidFill>
+                  </a:tcPr>
+                </a:tc>
+              </a:tr>
+              <a:tr h="370840">
+                <a:tc>
+                  <a:txBody>
+                    <a:bodyPr/>
+                    <a:lstStyle/>
+                    <a:p>
+                      <a:r>
+                        <a:rPr b="1" sz="1100"/>
+                        <a:t>TOTAL INVESTMENT</a:t>
+                      </a:r>
+                    </a:p>
+                  </a:txBody>
+                  <a:tcPr>
+                    <a:solidFill>
+                      <a:srgbClr val="E7E6E6"/>
+                    </a:solidFill>
+                  </a:tcPr>
+                </a:tc>
+                <a:tc>
+                  <a:txBody>
+                    <a:bodyPr/>
+                    <a:lstStyle/>
+                    <a:p>
+                      <a:r>
+                        <a:rPr b="1" sz="1100"/>
+                        <a:t>$72,482</a:t>
+                      </a:r>
+                    </a:p>
+                  </a:txBody>
+                  <a:tcPr>
+                    <a:solidFill>
+                      <a:srgbClr val="E7E6E6"/>
+                    </a:solidFill>
+                  </a:tcPr>
+                </a:tc>
+                <a:tc>
+                  <a:txBody>
+                    <a:bodyPr/>
+                    <a:lstStyle/>
+                    <a:p>
+                      <a:r>
+                        <a:rPr b="1" sz="1100"/>
+                        <a:t>($6,800)</a:t>
+                      </a:r>
+                    </a:p>
+                  </a:txBody>
+                  <a:tcPr>
+                    <a:solidFill>
+                      <a:srgbClr val="E7E6E6"/>
+                    </a:solidFill>
+                  </a:tcPr>
+                </a:tc>
+                <a:tc>
+                  <a:txBody>
+                    <a:bodyPr/>
+                    <a:lstStyle/>
+                    <a:p>
+                      <a:r>
+                        <a:rPr b="1" sz="1100"/>
+                        <a:t>$65,682</a:t>
+                      </a:r>
+                    </a:p>
+                  </a:txBody>
+                  <a:tcPr>
+                    <a:solidFill>
+                      <a:srgbClr val="E7E6E6"/>
+                    </a:solidFill>
+                  </a:tcPr>
+                </a:tc>
+                <a:tc>
+                  <a:txBody>
+                    <a:bodyPr/>
+                    <a:lstStyle/>
+                    <a:p>
+                      <a:r>
+                        <a:rPr b="1" sz="1100"/>
+                        <a:t>$8,182</a:t>
+                      </a:r>
+                    </a:p>
+                  </a:txBody>
+                  <a:tcPr>
+                    <a:solidFill>
+                      <a:srgbClr val="E7E6E6"/>
+                    </a:solidFill>
+                  </a:tcPr>
+                </a:tc>
+                <a:tc>
+                  <a:txBody>
+                    <a:bodyPr/>
+                    <a:lstStyle/>
+                    <a:p>
+                      <a:r>
+                        <a:rPr b="1" sz="1100"/>
+                        <a:t>$8,182</a:t>
+                      </a:r>
+                    </a:p>
+                  </a:txBody>
+                  <a:tcPr>
+                    <a:solidFill>
+                      <a:srgbClr val="E7E6E6"/>
+                    </a:solidFill>
+                  </a:tcPr>
+                </a:tc>
+                <a:tc>
+                  <a:txBody>
+                    <a:bodyPr/>
+                    <a:lstStyle/>
+                    <a:p>
+                      <a:r>
+                        <a:rPr b="1" sz="1100"/>
+                        <a:t>$82,046</a:t>
+                      </a:r>
+                    </a:p>
+                  </a:txBody>
+                  <a:tcPr>
+                    <a:solidFill>
+                      <a:srgbClr val="E7E6E6"/>
+                    </a:solidFill>
+                  </a:tcPr>
+                </a:tc>
+              </a:tr>
+            </a:tbl>
+          </a:graphicData>
+        </a:graphic>
+      </p:graphicFrame>
       <p:pic>
         <p:nvPicPr>
           <p:cNvPr id="5" name="Picture 4" descr="eo-framework-logo-real.png"/>

--- a/solutions/azure/cloud/enterprise-landing-zone/presales/solution-briefing.pptx
+++ b/solutions/azure/cloud/enterprise-landing-zone/presales/solution-briefing.pptx
@@ -3361,7 +3361,7 @@
           <a:lstStyle/>
           <a:p>
             <a:r>
-              <a:t>Alison Smith | November 16, 2025</a:t>
+              <a:t>Alison Smith | November 17, 2025</a:t>
             </a:r>
           </a:p>
         </p:txBody>
@@ -3938,7 +3938,7 @@
         </p:nvGraphicFramePr>
         <p:xfrm>
           <a:off x="256855" y="677011"/>
-          <a:ext cx="8710931" cy="6304280"/>
+          <a:ext cx="8710929" cy="3337560"/>
         </p:xfrm>
         <a:graphic>
           <a:graphicData uri="http://schemas.openxmlformats.org/drawingml/2006/table">
@@ -3947,32 +3947,13 @@
                 <a:tableStyleId>{5C22544A-7EE6-4342-B048-85BDC9FD1C3A}</a:tableStyleId>
               </a:tblPr>
               <a:tblGrid>
+                <a:gridCol w="1567967"/>
+                <a:gridCol w="2526170"/>
+                <a:gridCol w="435546"/>
+                <a:gridCol w="1567967"/>
                 <a:gridCol w="2613279"/>
-                <a:gridCol w="3048826"/>
-                <a:gridCol w="3048826"/>
               </a:tblGrid>
               <a:tr h="370840">
-                <a:tc>
-                  <a:txBody>
-                    <a:bodyPr/>
-                    <a:lstStyle/>
-                    <a:p>
-                      <a:r>
-                        <a:rPr sz="1400">
-                          <a:solidFill>
-                            <a:srgbClr val="FFFFFF"/>
-                          </a:solidFill>
-                        </a:rPr>
-                        <a:t>Category</a:t>
-                      </a:r>
-                    </a:p>
-                  </a:txBody>
-                  <a:tcPr>
-                    <a:solidFill>
-                      <a:srgbClr val="A01C02"/>
-                    </a:solidFill>
-                  </a:tcPr>
-                </a:tc>
                 <a:tc>
                   <a:txBody>
                     <a:bodyPr/>
@@ -4015,6 +3996,65 @@
                     </a:solidFill>
                   </a:tcPr>
                 </a:tc>
+                <a:tc>
+                  <a:txBody>
+                    <a:bodyPr/>
+                    <a:lstStyle/>
+                    <a:p/>
+                  </a:txBody>
+                  <a:tcPr>
+                    <a:solidFill>
+                      <a:srgbClr val="FFFFFF"/>
+                    </a:solidFill>
+                    <a:lnL w="12700">
+                      <a:solidFill>
+                        <a:srgbClr val="D0D0D0"/>
+                      </a:solidFill>
+                    </a:lnL>
+                  </a:tcPr>
+                </a:tc>
+                <a:tc>
+                  <a:txBody>
+                    <a:bodyPr/>
+                    <a:lstStyle/>
+                    <a:p>
+                      <a:r>
+                        <a:rPr sz="1400">
+                          <a:solidFill>
+                            <a:srgbClr val="FFFFFF"/>
+                          </a:solidFill>
+                        </a:rPr>
+                        <a:t>Parameter</a:t>
+                      </a:r>
+                    </a:p>
+                  </a:txBody>
+                  <a:tcPr>
+                    <a:solidFill>
+                      <a:srgbClr val="A01C02"/>
+                    </a:solidFill>
+                  </a:tcPr>
+                </a:tc>
+                <a:tc>
+                  <a:txBody>
+                    <a:bodyPr/>
+                    <a:lstStyle/>
+                    <a:p>
+                      <a:r>
+                        <a:rPr sz="1400">
+                          <a:solidFill>
+                            <a:srgbClr val="FFFFFF"/>
+                          </a:solidFill>
+                        </a:rPr>
+                        <a:t>Scope</a:t>
+                      </a:r>
+                    </a:p>
+                  </a:txBody>
+                  <a:tcPr>
+                    <a:solidFill>
+                      <a:srgbClr val="A01C02"/>
+                    </a:solidFill>
+                  </a:tcPr>
+                </a:tc>
               </a:tr>
               <a:tr h="370840">
                 <a:tc>
@@ -4023,24 +4063,7 @@
                     <a:lstStyle/>
                     <a:p>
                       <a:r>
-                        <a:rPr sz="1100"/>
-                        <a:t>Solution Scope</a:t>
-                      </a:r>
-                    </a:p>
-                  </a:txBody>
-                  <a:tcPr>
-                    <a:solidFill>
-                      <a:srgbClr val="E7E6E6"/>
-                    </a:solidFill>
-                  </a:tcPr>
-                </a:tc>
-                <a:tc>
-                  <a:txBody>
-                    <a:bodyPr/>
-                    <a:lstStyle/>
-                    <a:p>
-                      <a:r>
-                        <a:rPr sz="1100"/>
+                        <a:rPr b="1" sz="1100"/>
                         <a:t>Management Groups</a:t>
                       </a:r>
                     </a:p>
@@ -4068,8 +4091,40 @@
                     </a:solidFill>
                   </a:tcPr>
                 </a:tc>
-              </a:tr>
-              <a:tr h="370840">
+                <a:tc>
+                  <a:txBody>
+                    <a:bodyPr/>
+                    <a:lstStyle/>
+                    <a:p/>
+                  </a:txBody>
+                  <a:tcPr>
+                    <a:solidFill>
+                      <a:srgbClr val="FFFFFF"/>
+                    </a:solidFill>
+                    <a:lnL w="12700">
+                      <a:solidFill>
+                        <a:srgbClr val="D0D0D0"/>
+                      </a:solidFill>
+                    </a:lnL>
+                  </a:tcPr>
+                </a:tc>
+                <a:tc>
+                  <a:txBody>
+                    <a:bodyPr/>
+                    <a:lstStyle/>
+                    <a:p>
+                      <a:r>
+                        <a:rPr b="1" sz="1100"/>
+                        <a:t>Target Azure Regions</a:t>
+                      </a:r>
+                    </a:p>
+                  </a:txBody>
+                  <a:tcPr>
+                    <a:solidFill>
+                      <a:srgbClr val="E7E6E6"/>
+                    </a:solidFill>
+                  </a:tcPr>
+                </a:tc>
                 <a:tc>
                   <a:txBody>
                     <a:bodyPr/>
@@ -4077,7 +4132,7 @@
                     <a:p>
                       <a:r>
                         <a:rPr sz="1100"/>
-                        <a:t>Solution Scope</a:t>
+                        <a:t>2 regions (East US West US)</a:t>
                       </a:r>
                     </a:p>
                   </a:txBody>
@@ -4087,13 +4142,15 @@
                     </a:solidFill>
                   </a:tcPr>
                 </a:tc>
+              </a:tr>
+              <a:tr h="370840">
                 <a:tc>
                   <a:txBody>
                     <a:bodyPr/>
                     <a:lstStyle/>
                     <a:p>
                       <a:r>
-                        <a:rPr sz="1100"/>
+                        <a:rPr b="1" sz="1100"/>
                         <a:t>Subscriptions</a:t>
                       </a:r>
                     </a:p>
@@ -4121,8 +4178,40 @@
                     </a:solidFill>
                   </a:tcPr>
                 </a:tc>
-              </a:tr>
-              <a:tr h="370840">
+                <a:tc>
+                  <a:txBody>
+                    <a:bodyPr/>
+                    <a:lstStyle/>
+                    <a:p/>
+                  </a:txBody>
+                  <a:tcPr>
+                    <a:solidFill>
+                      <a:srgbClr val="FFFFFF"/>
+                    </a:solidFill>
+                    <a:lnL w="12700">
+                      <a:solidFill>
+                        <a:srgbClr val="D0D0D0"/>
+                      </a:solidFill>
+                    </a:lnL>
+                  </a:tcPr>
+                </a:tc>
+                <a:tc>
+                  <a:txBody>
+                    <a:bodyPr/>
+                    <a:lstStyle/>
+                    <a:p>
+                      <a:r>
+                        <a:rPr b="1" sz="1100"/>
+                        <a:t>Availability Requirements</a:t>
+                      </a:r>
+                    </a:p>
+                  </a:txBody>
+                  <a:tcPr>
+                    <a:solidFill>
+                      <a:srgbClr val="E7E6E6"/>
+                    </a:solidFill>
+                  </a:tcPr>
+                </a:tc>
                 <a:tc>
                   <a:txBody>
                     <a:bodyPr/>
@@ -4130,7 +4219,7 @@
                     <a:p>
                       <a:r>
                         <a:rPr sz="1100"/>
-                        <a:t>Integration</a:t>
+                        <a:t>Standard (99.9%)</a:t>
                       </a:r>
                     </a:p>
                   </a:txBody>
@@ -4140,13 +4229,15 @@
                     </a:solidFill>
                   </a:tcPr>
                 </a:tc>
+              </a:tr>
+              <a:tr h="370840">
                 <a:tc>
                   <a:txBody>
                     <a:bodyPr/>
                     <a:lstStyle/>
                     <a:p>
                       <a:r>
-                        <a:rPr sz="1100"/>
+                        <a:rPr b="1" sz="1100"/>
                         <a:t>Hybrid Connectivity</a:t>
                       </a:r>
                     </a:p>
@@ -4174,8 +4265,40 @@
                     </a:solidFill>
                   </a:tcPr>
                 </a:tc>
-              </a:tr>
-              <a:tr h="370840">
+                <a:tc>
+                  <a:txBody>
+                    <a:bodyPr/>
+                    <a:lstStyle/>
+                    <a:p/>
+                  </a:txBody>
+                  <a:tcPr>
+                    <a:solidFill>
+                      <a:srgbClr val="FFFFFF"/>
+                    </a:solidFill>
+                    <a:lnL w="12700">
+                      <a:solidFill>
+                        <a:srgbClr val="D0D0D0"/>
+                      </a:solidFill>
+                    </a:lnL>
+                  </a:tcPr>
+                </a:tc>
+                <a:tc>
+                  <a:txBody>
+                    <a:bodyPr/>
+                    <a:lstStyle/>
+                    <a:p>
+                      <a:r>
+                        <a:rPr b="1" sz="1100"/>
+                        <a:t>Infrastructure Complexity</a:t>
+                      </a:r>
+                    </a:p>
+                  </a:txBody>
+                  <a:tcPr>
+                    <a:solidFill>
+                      <a:srgbClr val="E7E6E6"/>
+                    </a:solidFill>
+                  </a:tcPr>
+                </a:tc>
                 <a:tc>
                   <a:txBody>
                     <a:bodyPr/>
@@ -4183,7 +4306,7 @@
                     <a:p>
                       <a:r>
                         <a:rPr sz="1100"/>
-                        <a:t>Integration</a:t>
+                        <a:t>Hub-spoke network topology</a:t>
                       </a:r>
                     </a:p>
                   </a:txBody>
@@ -4193,13 +4316,15 @@
                     </a:solidFill>
                   </a:tcPr>
                 </a:tc>
+              </a:tr>
+              <a:tr h="370840">
                 <a:tc>
                   <a:txBody>
                     <a:bodyPr/>
                     <a:lstStyle/>
                     <a:p>
                       <a:r>
-                        <a:rPr sz="1100"/>
+                        <a:rPr b="1" sz="1100"/>
                         <a:t>Identity Federation</a:t>
                       </a:r>
                     </a:p>
@@ -4227,8 +4352,40 @@
                     </a:solidFill>
                   </a:tcPr>
                 </a:tc>
-              </a:tr>
-              <a:tr h="370840">
+                <a:tc>
+                  <a:txBody>
+                    <a:bodyPr/>
+                    <a:lstStyle/>
+                    <a:p/>
+                  </a:txBody>
+                  <a:tcPr>
+                    <a:solidFill>
+                      <a:srgbClr val="FFFFFF"/>
+                    </a:solidFill>
+                    <a:lnL w="12700">
+                      <a:solidFill>
+                        <a:srgbClr val="D0D0D0"/>
+                      </a:solidFill>
+                    </a:lnL>
+                  </a:tcPr>
+                </a:tc>
+                <a:tc>
+                  <a:txBody>
+                    <a:bodyPr/>
+                    <a:lstStyle/>
+                    <a:p>
+                      <a:r>
+                        <a:rPr b="1" sz="1100"/>
+                        <a:t>Security Requirements</a:t>
+                      </a:r>
+                    </a:p>
+                  </a:txBody>
+                  <a:tcPr>
+                    <a:solidFill>
+                      <a:srgbClr val="E7E6E6"/>
+                    </a:solidFill>
+                  </a:tcPr>
+                </a:tc>
                 <a:tc>
                   <a:txBody>
                     <a:bodyPr/>
@@ -4236,7 +4393,7 @@
                     <a:p>
                       <a:r>
                         <a:rPr sz="1100"/>
-                        <a:t>User Base</a:t>
+                        <a:t>Azure Defender Standard</a:t>
                       </a:r>
                     </a:p>
                   </a:txBody>
@@ -4246,13 +4403,15 @@
                     </a:solidFill>
                   </a:tcPr>
                 </a:tc>
+              </a:tr>
+              <a:tr h="370840">
                 <a:tc>
                   <a:txBody>
                     <a:bodyPr/>
                     <a:lstStyle/>
                     <a:p>
                       <a:r>
-                        <a:rPr sz="1100"/>
+                        <a:rPr b="1" sz="1100"/>
                         <a:t>Total Users</a:t>
                       </a:r>
                     </a:p>
@@ -4280,8 +4439,40 @@
                     </a:solidFill>
                   </a:tcPr>
                 </a:tc>
-              </a:tr>
-              <a:tr h="370840">
+                <a:tc>
+                  <a:txBody>
+                    <a:bodyPr/>
+                    <a:lstStyle/>
+                    <a:p/>
+                  </a:txBody>
+                  <a:tcPr>
+                    <a:solidFill>
+                      <a:srgbClr val="FFFFFF"/>
+                    </a:solidFill>
+                    <a:lnL w="12700">
+                      <a:solidFill>
+                        <a:srgbClr val="D0D0D0"/>
+                      </a:solidFill>
+                    </a:lnL>
+                  </a:tcPr>
+                </a:tc>
+                <a:tc>
+                  <a:txBody>
+                    <a:bodyPr/>
+                    <a:lstStyle/>
+                    <a:p>
+                      <a:r>
+                        <a:rPr b="1" sz="1100"/>
+                        <a:t>Compliance Frameworks</a:t>
+                      </a:r>
+                    </a:p>
+                  </a:txBody>
+                  <a:tcPr>
+                    <a:solidFill>
+                      <a:srgbClr val="E7E6E6"/>
+                    </a:solidFill>
+                  </a:tcPr>
+                </a:tc>
                 <a:tc>
                   <a:txBody>
                     <a:bodyPr/>
@@ -4289,7 +4480,7 @@
                     <a:p>
                       <a:r>
                         <a:rPr sz="1100"/>
-                        <a:t>User Base</a:t>
+                        <a:t>SOC2 ISO27001</a:t>
                       </a:r>
                     </a:p>
                   </a:txBody>
@@ -4299,13 +4490,15 @@
                     </a:solidFill>
                   </a:tcPr>
                 </a:tc>
+              </a:tr>
+              <a:tr h="370840">
                 <a:tc>
                   <a:txBody>
                     <a:bodyPr/>
                     <a:lstStyle/>
                     <a:p>
                       <a:r>
-                        <a:rPr sz="1100"/>
+                        <a:rPr b="1" sz="1100"/>
                         <a:t>User Roles</a:t>
                       </a:r>
                     </a:p>
@@ -4333,8 +4526,40 @@
                     </a:solidFill>
                   </a:tcPr>
                 </a:tc>
-              </a:tr>
-              <a:tr h="370840">
+                <a:tc>
+                  <a:txBody>
+                    <a:bodyPr/>
+                    <a:lstStyle/>
+                    <a:p/>
+                  </a:txBody>
+                  <a:tcPr>
+                    <a:solidFill>
+                      <a:srgbClr val="FFFFFF"/>
+                    </a:solidFill>
+                    <a:lnL w="12700">
+                      <a:solidFill>
+                        <a:srgbClr val="D0D0D0"/>
+                      </a:solidFill>
+                    </a:lnL>
+                  </a:tcPr>
+                </a:tc>
+                <a:tc>
+                  <a:txBody>
+                    <a:bodyPr/>
+                    <a:lstStyle/>
+                    <a:p>
+                      <a:r>
+                        <a:rPr b="1" sz="1100"/>
+                        <a:t>Cost Management</a:t>
+                      </a:r>
+                    </a:p>
+                  </a:txBody>
+                  <a:tcPr>
+                    <a:solidFill>
+                      <a:srgbClr val="E7E6E6"/>
+                    </a:solidFill>
+                  </a:tcPr>
+                </a:tc>
                 <a:tc>
                   <a:txBody>
                     <a:bodyPr/>
@@ -4342,7 +4567,7 @@
                     <a:p>
                       <a:r>
                         <a:rPr sz="1100"/>
-                        <a:t>Data Volume</a:t>
+                        <a:t>Azure Cost Management</a:t>
                       </a:r>
                     </a:p>
                   </a:txBody>
@@ -4352,13 +4577,15 @@
                     </a:solidFill>
                   </a:tcPr>
                 </a:tc>
+              </a:tr>
+              <a:tr h="370840">
                 <a:tc>
                   <a:txBody>
                     <a:bodyPr/>
                     <a:lstStyle/>
                     <a:p>
                       <a:r>
-                        <a:rPr sz="1100"/>
+                        <a:rPr b="1" sz="1100"/>
                         <a:t>Workloads to Onboard</a:t>
                       </a:r>
                     </a:p>
@@ -4386,8 +4613,40 @@
                     </a:solidFill>
                   </a:tcPr>
                 </a:tc>
-              </a:tr>
-              <a:tr h="370840">
+                <a:tc>
+                  <a:txBody>
+                    <a:bodyPr/>
+                    <a:lstStyle/>
+                    <a:p/>
+                  </a:txBody>
+                  <a:tcPr>
+                    <a:solidFill>
+                      <a:srgbClr val="FFFFFF"/>
+                    </a:solidFill>
+                    <a:lnL w="12700">
+                      <a:solidFill>
+                        <a:srgbClr val="D0D0D0"/>
+                      </a:solidFill>
+                    </a:lnL>
+                  </a:tcPr>
+                </a:tc>
+                <a:tc>
+                  <a:txBody>
+                    <a:bodyPr/>
+                    <a:lstStyle/>
+                    <a:p>
+                      <a:r>
+                        <a:rPr b="1" sz="1100"/>
+                        <a:t>Governance Automation</a:t>
+                      </a:r>
+                    </a:p>
+                  </a:txBody>
+                  <a:tcPr>
+                    <a:solidFill>
+                      <a:srgbClr val="E7E6E6"/>
+                    </a:solidFill>
+                  </a:tcPr>
+                </a:tc>
                 <a:tc>
                   <a:txBody>
                     <a:bodyPr/>
@@ -4395,7 +4654,7 @@
                     <a:p>
                       <a:r>
                         <a:rPr sz="1100"/>
-                        <a:t>Data Volume</a:t>
+                        <a:t>Policy-driven governance</a:t>
                       </a:r>
                     </a:p>
                   </a:txBody>
@@ -4405,13 +4664,15 @@
                     </a:solidFill>
                   </a:tcPr>
                 </a:tc>
+              </a:tr>
+              <a:tr h="370840">
                 <a:tc>
                   <a:txBody>
                     <a:bodyPr/>
                     <a:lstStyle/>
                     <a:p>
                       <a:r>
-                        <a:rPr sz="1100"/>
+                        <a:rPr b="1" sz="1100"/>
                         <a:t>Policy Assignments</a:t>
                       </a:r>
                     </a:p>
@@ -4439,403 +4700,30 @@
                     </a:solidFill>
                   </a:tcPr>
                 </a:tc>
-              </a:tr>
-              <a:tr h="370840">
+                <a:tc>
+                  <a:txBody>
+                    <a:bodyPr/>
+                    <a:lstStyle/>
+                    <a:p/>
+                  </a:txBody>
+                  <a:tcPr>
+                    <a:solidFill>
+                      <a:srgbClr val="FFFFFF"/>
+                    </a:solidFill>
+                    <a:lnL w="12700">
+                      <a:solidFill>
+                        <a:srgbClr val="D0D0D0"/>
+                      </a:solidFill>
+                    </a:lnL>
+                  </a:tcPr>
+                </a:tc>
                 <a:tc>
                   <a:txBody>
                     <a:bodyPr/>
                     <a:lstStyle/>
                     <a:p>
                       <a:r>
-                        <a:rPr sz="1100"/>
-                        <a:t>Technical Environment</a:t>
-                      </a:r>
-                    </a:p>
-                  </a:txBody>
-                  <a:tcPr>
-                    <a:solidFill>
-                      <a:srgbClr val="E7E6E6"/>
-                    </a:solidFill>
-                  </a:tcPr>
-                </a:tc>
-                <a:tc>
-                  <a:txBody>
-                    <a:bodyPr/>
-                    <a:lstStyle/>
-                    <a:p>
-                      <a:r>
-                        <a:rPr sz="1100"/>
-                        <a:t>Target Azure Regions</a:t>
-                      </a:r>
-                    </a:p>
-                  </a:txBody>
-                  <a:tcPr>
-                    <a:solidFill>
-                      <a:srgbClr val="E7E6E6"/>
-                    </a:solidFill>
-                  </a:tcPr>
-                </a:tc>
-                <a:tc>
-                  <a:txBody>
-                    <a:bodyPr/>
-                    <a:lstStyle/>
-                    <a:p>
-                      <a:r>
-                        <a:rPr sz="1100"/>
-                        <a:t>2 regions (East US West US)</a:t>
-                      </a:r>
-                    </a:p>
-                  </a:txBody>
-                  <a:tcPr>
-                    <a:solidFill>
-                      <a:srgbClr val="E7E6E6"/>
-                    </a:solidFill>
-                  </a:tcPr>
-                </a:tc>
-              </a:tr>
-              <a:tr h="370840">
-                <a:tc>
-                  <a:txBody>
-                    <a:bodyPr/>
-                    <a:lstStyle/>
-                    <a:p>
-                      <a:r>
-                        <a:rPr sz="1100"/>
-                        <a:t>Technical Environment</a:t>
-                      </a:r>
-                    </a:p>
-                  </a:txBody>
-                  <a:tcPr>
-                    <a:solidFill>
-                      <a:srgbClr val="E7E6E6"/>
-                    </a:solidFill>
-                  </a:tcPr>
-                </a:tc>
-                <a:tc>
-                  <a:txBody>
-                    <a:bodyPr/>
-                    <a:lstStyle/>
-                    <a:p>
-                      <a:r>
-                        <a:rPr sz="1100"/>
-                        <a:t>Availability Requirements</a:t>
-                      </a:r>
-                    </a:p>
-                  </a:txBody>
-                  <a:tcPr>
-                    <a:solidFill>
-                      <a:srgbClr val="E7E6E6"/>
-                    </a:solidFill>
-                  </a:tcPr>
-                </a:tc>
-                <a:tc>
-                  <a:txBody>
-                    <a:bodyPr/>
-                    <a:lstStyle/>
-                    <a:p>
-                      <a:r>
-                        <a:rPr sz="1100"/>
-                        <a:t>Standard (99.9%)</a:t>
-                      </a:r>
-                    </a:p>
-                  </a:txBody>
-                  <a:tcPr>
-                    <a:solidFill>
-                      <a:srgbClr val="E7E6E6"/>
-                    </a:solidFill>
-                  </a:tcPr>
-                </a:tc>
-              </a:tr>
-              <a:tr h="370840">
-                <a:tc>
-                  <a:txBody>
-                    <a:bodyPr/>
-                    <a:lstStyle/>
-                    <a:p>
-                      <a:r>
-                        <a:rPr sz="1100"/>
-                        <a:t>Technical Environment</a:t>
-                      </a:r>
-                    </a:p>
-                  </a:txBody>
-                  <a:tcPr>
-                    <a:solidFill>
-                      <a:srgbClr val="E7E6E6"/>
-                    </a:solidFill>
-                  </a:tcPr>
-                </a:tc>
-                <a:tc>
-                  <a:txBody>
-                    <a:bodyPr/>
-                    <a:lstStyle/>
-                    <a:p>
-                      <a:r>
-                        <a:rPr sz="1100"/>
-                        <a:t>Infrastructure Complexity</a:t>
-                      </a:r>
-                    </a:p>
-                  </a:txBody>
-                  <a:tcPr>
-                    <a:solidFill>
-                      <a:srgbClr val="E7E6E6"/>
-                    </a:solidFill>
-                  </a:tcPr>
-                </a:tc>
-                <a:tc>
-                  <a:txBody>
-                    <a:bodyPr/>
-                    <a:lstStyle/>
-                    <a:p>
-                      <a:r>
-                        <a:rPr sz="1100"/>
-                        <a:t>Hub-spoke network topology</a:t>
-                      </a:r>
-                    </a:p>
-                  </a:txBody>
-                  <a:tcPr>
-                    <a:solidFill>
-                      <a:srgbClr val="E7E6E6"/>
-                    </a:solidFill>
-                  </a:tcPr>
-                </a:tc>
-              </a:tr>
-              <a:tr h="370840">
-                <a:tc>
-                  <a:txBody>
-                    <a:bodyPr/>
-                    <a:lstStyle/>
-                    <a:p>
-                      <a:r>
-                        <a:rPr sz="1100"/>
-                        <a:t>Security &amp; Compliance</a:t>
-                      </a:r>
-                    </a:p>
-                  </a:txBody>
-                  <a:tcPr>
-                    <a:solidFill>
-                      <a:srgbClr val="E7E6E6"/>
-                    </a:solidFill>
-                  </a:tcPr>
-                </a:tc>
-                <a:tc>
-                  <a:txBody>
-                    <a:bodyPr/>
-                    <a:lstStyle/>
-                    <a:p>
-                      <a:r>
-                        <a:rPr sz="1100"/>
-                        <a:t>Security Requirements</a:t>
-                      </a:r>
-                    </a:p>
-                  </a:txBody>
-                  <a:tcPr>
-                    <a:solidFill>
-                      <a:srgbClr val="E7E6E6"/>
-                    </a:solidFill>
-                  </a:tcPr>
-                </a:tc>
-                <a:tc>
-                  <a:txBody>
-                    <a:bodyPr/>
-                    <a:lstStyle/>
-                    <a:p>
-                      <a:r>
-                        <a:rPr sz="1100"/>
-                        <a:t>Azure Defender Standard</a:t>
-                      </a:r>
-                    </a:p>
-                  </a:txBody>
-                  <a:tcPr>
-                    <a:solidFill>
-                      <a:srgbClr val="E7E6E6"/>
-                    </a:solidFill>
-                  </a:tcPr>
-                </a:tc>
-              </a:tr>
-              <a:tr h="370840">
-                <a:tc>
-                  <a:txBody>
-                    <a:bodyPr/>
-                    <a:lstStyle/>
-                    <a:p>
-                      <a:r>
-                        <a:rPr sz="1100"/>
-                        <a:t>Security &amp; Compliance</a:t>
-                      </a:r>
-                    </a:p>
-                  </a:txBody>
-                  <a:tcPr>
-                    <a:solidFill>
-                      <a:srgbClr val="E7E6E6"/>
-                    </a:solidFill>
-                  </a:tcPr>
-                </a:tc>
-                <a:tc>
-                  <a:txBody>
-                    <a:bodyPr/>
-                    <a:lstStyle/>
-                    <a:p>
-                      <a:r>
-                        <a:rPr sz="1100"/>
-                        <a:t>Compliance Frameworks</a:t>
-                      </a:r>
-                    </a:p>
-                  </a:txBody>
-                  <a:tcPr>
-                    <a:solidFill>
-                      <a:srgbClr val="E7E6E6"/>
-                    </a:solidFill>
-                  </a:tcPr>
-                </a:tc>
-                <a:tc>
-                  <a:txBody>
-                    <a:bodyPr/>
-                    <a:lstStyle/>
-                    <a:p>
-                      <a:r>
-                        <a:rPr sz="1100"/>
-                        <a:t>SOC2 ISO27001</a:t>
-                      </a:r>
-                    </a:p>
-                  </a:txBody>
-                  <a:tcPr>
-                    <a:solidFill>
-                      <a:srgbClr val="E7E6E6"/>
-                    </a:solidFill>
-                  </a:tcPr>
-                </a:tc>
-              </a:tr>
-              <a:tr h="370840">
-                <a:tc>
-                  <a:txBody>
-                    <a:bodyPr/>
-                    <a:lstStyle/>
-                    <a:p>
-                      <a:r>
-                        <a:rPr sz="1100"/>
-                        <a:t>Performance</a:t>
-                      </a:r>
-                    </a:p>
-                  </a:txBody>
-                  <a:tcPr>
-                    <a:solidFill>
-                      <a:srgbClr val="E7E6E6"/>
-                    </a:solidFill>
-                  </a:tcPr>
-                </a:tc>
-                <a:tc>
-                  <a:txBody>
-                    <a:bodyPr/>
-                    <a:lstStyle/>
-                    <a:p>
-                      <a:r>
-                        <a:rPr sz="1100"/>
-                        <a:t>Cost Management</a:t>
-                      </a:r>
-                    </a:p>
-                  </a:txBody>
-                  <a:tcPr>
-                    <a:solidFill>
-                      <a:srgbClr val="E7E6E6"/>
-                    </a:solidFill>
-                  </a:tcPr>
-                </a:tc>
-                <a:tc>
-                  <a:txBody>
-                    <a:bodyPr/>
-                    <a:lstStyle/>
-                    <a:p>
-                      <a:r>
-                        <a:rPr sz="1100"/>
-                        <a:t>Azure Cost Management</a:t>
-                      </a:r>
-                    </a:p>
-                  </a:txBody>
-                  <a:tcPr>
-                    <a:solidFill>
-                      <a:srgbClr val="E7E6E6"/>
-                    </a:solidFill>
-                  </a:tcPr>
-                </a:tc>
-              </a:tr>
-              <a:tr h="370840">
-                <a:tc>
-                  <a:txBody>
-                    <a:bodyPr/>
-                    <a:lstStyle/>
-                    <a:p>
-                      <a:r>
-                        <a:rPr sz="1100"/>
-                        <a:t>Performance</a:t>
-                      </a:r>
-                    </a:p>
-                  </a:txBody>
-                  <a:tcPr>
-                    <a:solidFill>
-                      <a:srgbClr val="E7E6E6"/>
-                    </a:solidFill>
-                  </a:tcPr>
-                </a:tc>
-                <a:tc>
-                  <a:txBody>
-                    <a:bodyPr/>
-                    <a:lstStyle/>
-                    <a:p>
-                      <a:r>
-                        <a:rPr sz="1100"/>
-                        <a:t>Governance Automation</a:t>
-                      </a:r>
-                    </a:p>
-                  </a:txBody>
-                  <a:tcPr>
-                    <a:solidFill>
-                      <a:srgbClr val="E7E6E6"/>
-                    </a:solidFill>
-                  </a:tcPr>
-                </a:tc>
-                <a:tc>
-                  <a:txBody>
-                    <a:bodyPr/>
-                    <a:lstStyle/>
-                    <a:p>
-                      <a:r>
-                        <a:rPr sz="1100"/>
-                        <a:t>Policy-driven governance</a:t>
-                      </a:r>
-                    </a:p>
-                  </a:txBody>
-                  <a:tcPr>
-                    <a:solidFill>
-                      <a:srgbClr val="E7E6E6"/>
-                    </a:solidFill>
-                  </a:tcPr>
-                </a:tc>
-              </a:tr>
-              <a:tr h="370840">
-                <a:tc>
-                  <a:txBody>
-                    <a:bodyPr/>
-                    <a:lstStyle/>
-                    <a:p>
-                      <a:r>
-                        <a:rPr sz="1100"/>
-                        <a:t>Environment</a:t>
-                      </a:r>
-                    </a:p>
-                  </a:txBody>
-                  <a:tcPr>
-                    <a:solidFill>
-                      <a:srgbClr val="E7E6E6"/>
-                    </a:solidFill>
-                  </a:tcPr>
-                </a:tc>
-                <a:tc>
-                  <a:txBody>
-                    <a:bodyPr/>
-                    <a:lstStyle/>
-                    <a:p>
-                      <a:r>
-                        <a:rPr sz="1100"/>
+                        <a:rPr b="1" sz="1100"/>
                         <a:t>Deployment Environments</a:t>
                       </a:r>
                     </a:p>
@@ -6084,7 +5972,7 @@
         </p:nvGraphicFramePr>
         <p:xfrm>
           <a:off x="256855" y="677011"/>
-          <a:ext cx="8710929" cy="2225040"/>
+          <a:ext cx="8710929" cy="741680"/>
         </p:xfrm>
         <a:graphic>
           <a:graphicData uri="http://schemas.openxmlformats.org/drawingml/2006/table">
@@ -6093,13 +5981,13 @@
                 <a:tableStyleId>{5C22544A-7EE6-4342-B048-85BDC9FD1C3A}</a:tableStyleId>
               </a:tblPr>
               <a:tblGrid>
-                <a:gridCol w="1742186"/>
-                <a:gridCol w="1045311"/>
-                <a:gridCol w="2003514"/>
-                <a:gridCol w="1132421"/>
+                <a:gridCol w="2177733"/>
+                <a:gridCol w="1306639"/>
+                <a:gridCol w="1306639"/>
+                <a:gridCol w="1306639"/>
                 <a:gridCol w="871093"/>
                 <a:gridCol w="871093"/>
-                <a:gridCol w="1045311"/>
+                <a:gridCol w="871093"/>
               </a:tblGrid>
               <a:tr h="370840">
                 <a:tc>
@@ -6257,490 +6145,6 @@
                     <a:lstStyle/>
                     <a:p>
                       <a:r>
-                        <a:rPr sz="1100"/>
-                        <a:t>Cloud Infrastructure</a:t>
-                      </a:r>
-                    </a:p>
-                  </a:txBody>
-                  <a:tcPr>
-                    <a:solidFill>
-                      <a:srgbClr val="E7E6E6"/>
-                    </a:solidFill>
-                  </a:tcPr>
-                </a:tc>
-                <a:tc>
-                  <a:txBody>
-                    <a:bodyPr/>
-                    <a:lstStyle/>
-                    <a:p>
-                      <a:r>
-                        <a:rPr sz="1100"/>
-                        <a:t>$6,082</a:t>
-                      </a:r>
-                    </a:p>
-                  </a:txBody>
-                  <a:tcPr>
-                    <a:solidFill>
-                      <a:srgbClr val="E7E6E6"/>
-                    </a:solidFill>
-                  </a:tcPr>
-                </a:tc>
-                <a:tc>
-                  <a:txBody>
-                    <a:bodyPr/>
-                    <a:lstStyle/>
-                    <a:p>
-                      <a:r>
-                        <a:rPr sz="1100"/>
-                        <a:t>($1,800)</a:t>
-                      </a:r>
-                    </a:p>
-                  </a:txBody>
-                  <a:tcPr>
-                    <a:solidFill>
-                      <a:srgbClr val="E7E6E6"/>
-                    </a:solidFill>
-                  </a:tcPr>
-                </a:tc>
-                <a:tc>
-                  <a:txBody>
-                    <a:bodyPr/>
-                    <a:lstStyle/>
-                    <a:p>
-                      <a:r>
-                        <a:rPr sz="1100"/>
-                        <a:t>$4,282</a:t>
-                      </a:r>
-                    </a:p>
-                  </a:txBody>
-                  <a:tcPr>
-                    <a:solidFill>
-                      <a:srgbClr val="E7E6E6"/>
-                    </a:solidFill>
-                  </a:tcPr>
-                </a:tc>
-                <a:tc>
-                  <a:txBody>
-                    <a:bodyPr/>
-                    <a:lstStyle/>
-                    <a:p>
-                      <a:r>
-                        <a:rPr sz="1100"/>
-                        <a:t>$6,082</a:t>
-                      </a:r>
-                    </a:p>
-                  </a:txBody>
-                  <a:tcPr>
-                    <a:solidFill>
-                      <a:srgbClr val="E7E6E6"/>
-                    </a:solidFill>
-                  </a:tcPr>
-                </a:tc>
-                <a:tc>
-                  <a:txBody>
-                    <a:bodyPr/>
-                    <a:lstStyle/>
-                    <a:p>
-                      <a:r>
-                        <a:rPr sz="1100"/>
-                        <a:t>$6,082</a:t>
-                      </a:r>
-                    </a:p>
-                  </a:txBody>
-                  <a:tcPr>
-                    <a:solidFill>
-                      <a:srgbClr val="E7E6E6"/>
-                    </a:solidFill>
-                  </a:tcPr>
-                </a:tc>
-                <a:tc>
-                  <a:txBody>
-                    <a:bodyPr/>
-                    <a:lstStyle/>
-                    <a:p>
-                      <a:r>
-                        <a:rPr sz="1100"/>
-                        <a:t>$16,446</a:t>
-                      </a:r>
-                    </a:p>
-                  </a:txBody>
-                  <a:tcPr>
-                    <a:solidFill>
-                      <a:srgbClr val="E7E6E6"/>
-                    </a:solidFill>
-                  </a:tcPr>
-                </a:tc>
-              </a:tr>
-              <a:tr h="370840">
-                <a:tc>
-                  <a:txBody>
-                    <a:bodyPr/>
-                    <a:lstStyle/>
-                    <a:p>
-                      <a:r>
-                        <a:rPr sz="1100"/>
-                        <a:t>Professional Services</a:t>
-                      </a:r>
-                    </a:p>
-                  </a:txBody>
-                  <a:tcPr>
-                    <a:solidFill>
-                      <a:srgbClr val="E7E6E6"/>
-                    </a:solidFill>
-                  </a:tcPr>
-                </a:tc>
-                <a:tc>
-                  <a:txBody>
-                    <a:bodyPr/>
-                    <a:lstStyle/>
-                    <a:p>
-                      <a:r>
-                        <a:rPr sz="1100"/>
-                        <a:t>$64,300</a:t>
-                      </a:r>
-                    </a:p>
-                  </a:txBody>
-                  <a:tcPr>
-                    <a:solidFill>
-                      <a:srgbClr val="E7E6E6"/>
-                    </a:solidFill>
-                  </a:tcPr>
-                </a:tc>
-                <a:tc>
-                  <a:txBody>
-                    <a:bodyPr/>
-                    <a:lstStyle/>
-                    <a:p>
-                      <a:r>
-                        <a:rPr sz="1100"/>
-                        <a:t>($5,000)</a:t>
-                      </a:r>
-                    </a:p>
-                  </a:txBody>
-                  <a:tcPr>
-                    <a:solidFill>
-                      <a:srgbClr val="E7E6E6"/>
-                    </a:solidFill>
-                  </a:tcPr>
-                </a:tc>
-                <a:tc>
-                  <a:txBody>
-                    <a:bodyPr/>
-                    <a:lstStyle/>
-                    <a:p>
-                      <a:r>
-                        <a:rPr sz="1100"/>
-                        <a:t>$59,300</a:t>
-                      </a:r>
-                    </a:p>
-                  </a:txBody>
-                  <a:tcPr>
-                    <a:solidFill>
-                      <a:srgbClr val="E7E6E6"/>
-                    </a:solidFill>
-                  </a:tcPr>
-                </a:tc>
-                <a:tc>
-                  <a:txBody>
-                    <a:bodyPr/>
-                    <a:lstStyle/>
-                    <a:p>
-                      <a:r>
-                        <a:rPr sz="1100"/>
-                        <a:t>$0</a:t>
-                      </a:r>
-                    </a:p>
-                  </a:txBody>
-                  <a:tcPr>
-                    <a:solidFill>
-                      <a:srgbClr val="E7E6E6"/>
-                    </a:solidFill>
-                  </a:tcPr>
-                </a:tc>
-                <a:tc>
-                  <a:txBody>
-                    <a:bodyPr/>
-                    <a:lstStyle/>
-                    <a:p>
-                      <a:r>
-                        <a:rPr sz="1100"/>
-                        <a:t>$0</a:t>
-                      </a:r>
-                    </a:p>
-                  </a:txBody>
-                  <a:tcPr>
-                    <a:solidFill>
-                      <a:srgbClr val="E7E6E6"/>
-                    </a:solidFill>
-                  </a:tcPr>
-                </a:tc>
-                <a:tc>
-                  <a:txBody>
-                    <a:bodyPr/>
-                    <a:lstStyle/>
-                    <a:p>
-                      <a:r>
-                        <a:rPr sz="1100"/>
-                        <a:t>$59,300</a:t>
-                      </a:r>
-                    </a:p>
-                  </a:txBody>
-                  <a:tcPr>
-                    <a:solidFill>
-                      <a:srgbClr val="E7E6E6"/>
-                    </a:solidFill>
-                  </a:tcPr>
-                </a:tc>
-              </a:tr>
-              <a:tr h="370840">
-                <a:tc>
-                  <a:txBody>
-                    <a:bodyPr/>
-                    <a:lstStyle/>
-                    <a:p>
-                      <a:r>
-                        <a:rPr sz="1100"/>
-                        <a:t>Software Licenses &amp; Subscriptions</a:t>
-                      </a:r>
-                    </a:p>
-                  </a:txBody>
-                  <a:tcPr>
-                    <a:solidFill>
-                      <a:srgbClr val="E7E6E6"/>
-                    </a:solidFill>
-                  </a:tcPr>
-                </a:tc>
-                <a:tc>
-                  <a:txBody>
-                    <a:bodyPr/>
-                    <a:lstStyle/>
-                    <a:p>
-                      <a:r>
-                        <a:rPr sz="1100"/>
-                        <a:t>$900</a:t>
-                      </a:r>
-                    </a:p>
-                  </a:txBody>
-                  <a:tcPr>
-                    <a:solidFill>
-                      <a:srgbClr val="E7E6E6"/>
-                    </a:solidFill>
-                  </a:tcPr>
-                </a:tc>
-                <a:tc>
-                  <a:txBody>
-                    <a:bodyPr/>
-                    <a:lstStyle/>
-                    <a:p>
-                      <a:r>
-                        <a:rPr sz="1100"/>
-                        <a:t>$0</a:t>
-                      </a:r>
-                    </a:p>
-                  </a:txBody>
-                  <a:tcPr>
-                    <a:solidFill>
-                      <a:srgbClr val="E7E6E6"/>
-                    </a:solidFill>
-                  </a:tcPr>
-                </a:tc>
-                <a:tc>
-                  <a:txBody>
-                    <a:bodyPr/>
-                    <a:lstStyle/>
-                    <a:p>
-                      <a:r>
-                        <a:rPr sz="1100"/>
-                        <a:t>$900</a:t>
-                      </a:r>
-                    </a:p>
-                  </a:txBody>
-                  <a:tcPr>
-                    <a:solidFill>
-                      <a:srgbClr val="E7E6E6"/>
-                    </a:solidFill>
-                  </a:tcPr>
-                </a:tc>
-                <a:tc>
-                  <a:txBody>
-                    <a:bodyPr/>
-                    <a:lstStyle/>
-                    <a:p>
-                      <a:r>
-                        <a:rPr sz="1100"/>
-                        <a:t>$900</a:t>
-                      </a:r>
-                    </a:p>
-                  </a:txBody>
-                  <a:tcPr>
-                    <a:solidFill>
-                      <a:srgbClr val="E7E6E6"/>
-                    </a:solidFill>
-                  </a:tcPr>
-                </a:tc>
-                <a:tc>
-                  <a:txBody>
-                    <a:bodyPr/>
-                    <a:lstStyle/>
-                    <a:p>
-                      <a:r>
-                        <a:rPr sz="1100"/>
-                        <a:t>$900</a:t>
-                      </a:r>
-                    </a:p>
-                  </a:txBody>
-                  <a:tcPr>
-                    <a:solidFill>
-                      <a:srgbClr val="E7E6E6"/>
-                    </a:solidFill>
-                  </a:tcPr>
-                </a:tc>
-                <a:tc>
-                  <a:txBody>
-                    <a:bodyPr/>
-                    <a:lstStyle/>
-                    <a:p>
-                      <a:r>
-                        <a:rPr sz="1100"/>
-                        <a:t>$2,700</a:t>
-                      </a:r>
-                    </a:p>
-                  </a:txBody>
-                  <a:tcPr>
-                    <a:solidFill>
-                      <a:srgbClr val="E7E6E6"/>
-                    </a:solidFill>
-                  </a:tcPr>
-                </a:tc>
-              </a:tr>
-              <a:tr h="370840">
-                <a:tc>
-                  <a:txBody>
-                    <a:bodyPr/>
-                    <a:lstStyle/>
-                    <a:p>
-                      <a:r>
-                        <a:rPr sz="1100"/>
-                        <a:t>Support &amp; Maintenance</a:t>
-                      </a:r>
-                    </a:p>
-                  </a:txBody>
-                  <a:tcPr>
-                    <a:solidFill>
-                      <a:srgbClr val="E7E6E6"/>
-                    </a:solidFill>
-                  </a:tcPr>
-                </a:tc>
-                <a:tc>
-                  <a:txBody>
-                    <a:bodyPr/>
-                    <a:lstStyle/>
-                    <a:p>
-                      <a:r>
-                        <a:rPr sz="1100"/>
-                        <a:t>$1,200</a:t>
-                      </a:r>
-                    </a:p>
-                  </a:txBody>
-                  <a:tcPr>
-                    <a:solidFill>
-                      <a:srgbClr val="E7E6E6"/>
-                    </a:solidFill>
-                  </a:tcPr>
-                </a:tc>
-                <a:tc>
-                  <a:txBody>
-                    <a:bodyPr/>
-                    <a:lstStyle/>
-                    <a:p>
-                      <a:r>
-                        <a:rPr sz="1100"/>
-                        <a:t>$0</a:t>
-                      </a:r>
-                    </a:p>
-                  </a:txBody>
-                  <a:tcPr>
-                    <a:solidFill>
-                      <a:srgbClr val="E7E6E6"/>
-                    </a:solidFill>
-                  </a:tcPr>
-                </a:tc>
-                <a:tc>
-                  <a:txBody>
-                    <a:bodyPr/>
-                    <a:lstStyle/>
-                    <a:p>
-                      <a:r>
-                        <a:rPr sz="1100"/>
-                        <a:t>$1,200</a:t>
-                      </a:r>
-                    </a:p>
-                  </a:txBody>
-                  <a:tcPr>
-                    <a:solidFill>
-                      <a:srgbClr val="E7E6E6"/>
-                    </a:solidFill>
-                  </a:tcPr>
-                </a:tc>
-                <a:tc>
-                  <a:txBody>
-                    <a:bodyPr/>
-                    <a:lstStyle/>
-                    <a:p>
-                      <a:r>
-                        <a:rPr sz="1100"/>
-                        <a:t>$1,200</a:t>
-                      </a:r>
-                    </a:p>
-                  </a:txBody>
-                  <a:tcPr>
-                    <a:solidFill>
-                      <a:srgbClr val="E7E6E6"/>
-                    </a:solidFill>
-                  </a:tcPr>
-                </a:tc>
-                <a:tc>
-                  <a:txBody>
-                    <a:bodyPr/>
-                    <a:lstStyle/>
-                    <a:p>
-                      <a:r>
-                        <a:rPr sz="1100"/>
-                        <a:t>$1,200</a:t>
-                      </a:r>
-                    </a:p>
-                  </a:txBody>
-                  <a:tcPr>
-                    <a:solidFill>
-                      <a:srgbClr val="E7E6E6"/>
-                    </a:solidFill>
-                  </a:tcPr>
-                </a:tc>
-                <a:tc>
-                  <a:txBody>
-                    <a:bodyPr/>
-                    <a:lstStyle/>
-                    <a:p>
-                      <a:r>
-                        <a:rPr sz="1100"/>
-                        <a:t>$3,600</a:t>
-                      </a:r>
-                    </a:p>
-                  </a:txBody>
-                  <a:tcPr>
-                    <a:solidFill>
-                      <a:srgbClr val="E7E6E6"/>
-                    </a:solidFill>
-                  </a:tcPr>
-                </a:tc>
-              </a:tr>
-              <a:tr h="370840">
-                <a:tc>
-                  <a:txBody>
-                    <a:bodyPr/>
-                    <a:lstStyle/>
-                    <a:p>
-                      <a:r>
                         <a:rPr b="1" sz="1100"/>
                         <a:t>TOTAL INVESTMENT</a:t>
                       </a:r>
@@ -6759,7 +6163,7 @@
                     <a:p>
                       <a:r>
                         <a:rPr b="1" sz="1100"/>
-                        <a:t>$72,482</a:t>
+                        <a:t>$0</a:t>
                       </a:r>
                     </a:p>
                   </a:txBody>
@@ -6776,7 +6180,7 @@
                     <a:p>
                       <a:r>
                         <a:rPr b="1" sz="1100"/>
-                        <a:t>($6,800)</a:t>
+                        <a:t>$0</a:t>
                       </a:r>
                     </a:p>
                   </a:txBody>
@@ -6793,7 +6197,7 @@
                     <a:p>
                       <a:r>
                         <a:rPr b="1" sz="1100"/>
-                        <a:t>$65,682</a:t>
+                        <a:t>$0</a:t>
                       </a:r>
                     </a:p>
                   </a:txBody>
@@ -6810,7 +6214,7 @@
                     <a:p>
                       <a:r>
                         <a:rPr b="1" sz="1100"/>
-                        <a:t>$8,182</a:t>
+                        <a:t>$0</a:t>
                       </a:r>
                     </a:p>
                   </a:txBody>
@@ -6827,7 +6231,7 @@
                     <a:p>
                       <a:r>
                         <a:rPr b="1" sz="1100"/>
-                        <a:t>$8,182</a:t>
+                        <a:t>$0</a:t>
                       </a:r>
                     </a:p>
                   </a:txBody>
@@ -6844,7 +6248,7 @@
                     <a:p>
                       <a:r>
                         <a:rPr b="1" sz="1100"/>
-                        <a:t>$82,046</a:t>
+                        <a:t>$0</a:t>
                       </a:r>
                     </a:p>
                   </a:txBody>

--- a/solutions/azure/cloud/enterprise-landing-zone/presales/solution-briefing.pptx
+++ b/solutions/azure/cloud/enterprise-landing-zone/presales/solution-briefing.pptx
@@ -4861,19 +4861,13 @@
           <a:p>
             <a:pPr lvl="1"/>
             <a:r>
-              <a:t>Cloud Platform: Microsoft Azure</a:t>
+              <a:t>Platform: Microsoft Azure with Management Groups and Policy framework</a:t>
             </a:r>
           </a:p>
           <a:p>
             <a:pPr lvl="1"/>
             <a:r>
-              <a:t>Governance: Azure Policy, Azure Blueprints, Azure Resource Graph</a:t>
-            </a:r>
-          </a:p>
-          <a:p>
-            <a:pPr lvl="1"/>
-            <a:r>
-              <a:t>Identity: Azure Active Directory with RBAC</a:t>
+              <a:t>Governance: Azure Policy, Blueprints, Resource Graph, RBAC</a:t>
             </a:r>
           </a:p>
           <a:p>

--- a/solutions/azure/cloud/enterprise-landing-zone/presales/solution-briefing.pptx
+++ b/solutions/azure/cloud/enterprise-landing-zone/presales/solution-briefing.pptx
@@ -693,6 +693,39 @@
       </p:grpSpPr>
       <p:sp>
         <p:nvSpPr>
+          <p:cNvPr id="12" name="Picture Placeholder 13">
+            <a:extLst>
+              <a:ext uri="{FF2B5EF4-FFF2-40B4-BE49-F238E27FC236}">
+                <a16:creationId xmlns:a16="http://schemas.microsoft.com/office/drawing/2014/main" id="{2DB97592-C4D5-B315-7F11-AA14F6EE8A62}"/>
+              </a:ext>
+            </a:extLst>
+          </p:cNvPr>
+          <p:cNvSpPr>
+            <a:spLocks noGrp="1"/>
+          </p:cNvSpPr>
+          <p:nvPr>
+            <p:ph type="pic" sz="quarter" idx="13"/>
+          </p:nvPr>
+        </p:nvSpPr>
+        <p:spPr>
+          <a:xfrm>
+            <a:off x="313593" y="4536078"/>
+            <a:ext cx="2143858" cy="529698"/>
+          </a:xfrm>
+          <a:prstGeom prst="rect">
+            <a:avLst/>
+          </a:prstGeom>
+        </p:spPr>
+        <p:txBody>
+          <a:bodyPr/>
+          <a:lstStyle/>
+          <a:p>
+            <a:endParaRPr lang="en-US" dirty="0"/>
+          </a:p>
+        </p:txBody>
+      </p:sp>
+      <p:sp>
+        <p:nvSpPr>
           <p:cNvPr id="3" name="Shape 1">
             <a:extLst>
               <a:ext uri="{FF2B5EF4-FFF2-40B4-BE49-F238E27FC236}">
@@ -782,39 +815,6 @@
               <a:rPr lang="en-US" dirty="0"/>
               <a:t>Slide Title</a:t>
             </a:r>
-          </a:p>
-        </p:txBody>
-      </p:sp>
-      <p:sp>
-        <p:nvSpPr>
-          <p:cNvPr id="12" name="Picture Placeholder 13">
-            <a:extLst>
-              <a:ext uri="{FF2B5EF4-FFF2-40B4-BE49-F238E27FC236}">
-                <a16:creationId xmlns:a16="http://schemas.microsoft.com/office/drawing/2014/main" id="{2DB97592-C4D5-B315-7F11-AA14F6EE8A62}"/>
-              </a:ext>
-            </a:extLst>
-          </p:cNvPr>
-          <p:cNvSpPr>
-            <a:spLocks noGrp="1"/>
-          </p:cNvSpPr>
-          <p:nvPr>
-            <p:ph type="pic" sz="quarter" idx="13"/>
-          </p:nvPr>
-        </p:nvSpPr>
-        <p:spPr>
-          <a:xfrm>
-            <a:off x="313593" y="4536078"/>
-            <a:ext cx="2143858" cy="529698"/>
-          </a:xfrm>
-          <a:prstGeom prst="rect">
-            <a:avLst/>
-          </a:prstGeom>
-        </p:spPr>
-        <p:txBody>
-          <a:bodyPr/>
-          <a:lstStyle/>
-          <a:p>
-            <a:endParaRPr lang="en-US" dirty="0"/>
           </a:p>
         </p:txBody>
       </p:sp>
@@ -971,6 +971,39 @@
       </p:grpSpPr>
       <p:sp>
         <p:nvSpPr>
+          <p:cNvPr id="12" name="Picture Placeholder 13">
+            <a:extLst>
+              <a:ext uri="{FF2B5EF4-FFF2-40B4-BE49-F238E27FC236}">
+                <a16:creationId xmlns:a16="http://schemas.microsoft.com/office/drawing/2014/main" id="{2DB97592-C4D5-B315-7F11-AA14F6EE8A62}"/>
+              </a:ext>
+            </a:extLst>
+          </p:cNvPr>
+          <p:cNvSpPr>
+            <a:spLocks noGrp="1"/>
+          </p:cNvSpPr>
+          <p:nvPr>
+            <p:ph type="pic" sz="quarter" idx="13"/>
+          </p:nvPr>
+        </p:nvSpPr>
+        <p:spPr>
+          <a:xfrm>
+            <a:off x="313593" y="4536078"/>
+            <a:ext cx="2143858" cy="529698"/>
+          </a:xfrm>
+          <a:prstGeom prst="rect">
+            <a:avLst/>
+          </a:prstGeom>
+        </p:spPr>
+        <p:txBody>
+          <a:bodyPr/>
+          <a:lstStyle/>
+          <a:p>
+            <a:endParaRPr lang="en-US" dirty="0"/>
+          </a:p>
+        </p:txBody>
+      </p:sp>
+      <p:sp>
+        <p:nvSpPr>
           <p:cNvPr id="3" name="Shape 1">
             <a:extLst>
               <a:ext uri="{FF2B5EF4-FFF2-40B4-BE49-F238E27FC236}">
@@ -1060,39 +1093,6 @@
               <a:rPr lang="en-US" dirty="0"/>
               <a:t>Bullet Points</a:t>
             </a:r>
-          </a:p>
-        </p:txBody>
-      </p:sp>
-      <p:sp>
-        <p:nvSpPr>
-          <p:cNvPr id="12" name="Picture Placeholder 13">
-            <a:extLst>
-              <a:ext uri="{FF2B5EF4-FFF2-40B4-BE49-F238E27FC236}">
-                <a16:creationId xmlns:a16="http://schemas.microsoft.com/office/drawing/2014/main" id="{2DB97592-C4D5-B315-7F11-AA14F6EE8A62}"/>
-              </a:ext>
-            </a:extLst>
-          </p:cNvPr>
-          <p:cNvSpPr>
-            <a:spLocks noGrp="1"/>
-          </p:cNvSpPr>
-          <p:nvPr>
-            <p:ph type="pic" sz="quarter" idx="13"/>
-          </p:nvPr>
-        </p:nvSpPr>
-        <p:spPr>
-          <a:xfrm>
-            <a:off x="313593" y="4536078"/>
-            <a:ext cx="2143858" cy="529698"/>
-          </a:xfrm>
-          <a:prstGeom prst="rect">
-            <a:avLst/>
-          </a:prstGeom>
-        </p:spPr>
-        <p:txBody>
-          <a:bodyPr/>
-          <a:lstStyle/>
-          <a:p>
-            <a:endParaRPr lang="en-US" dirty="0"/>
           </a:p>
         </p:txBody>
       </p:sp>
@@ -1235,6 +1235,39 @@
       </p:grpSpPr>
       <p:sp>
         <p:nvSpPr>
+          <p:cNvPr id="10" name="Picture Placeholder 13">
+            <a:extLst>
+              <a:ext uri="{FF2B5EF4-FFF2-40B4-BE49-F238E27FC236}">
+                <a16:creationId xmlns:a16="http://schemas.microsoft.com/office/drawing/2014/main" id="{6A0FA445-7602-F06E-EC73-5504EBF827CC}"/>
+              </a:ext>
+            </a:extLst>
+          </p:cNvPr>
+          <p:cNvSpPr>
+            <a:spLocks noGrp="1"/>
+          </p:cNvSpPr>
+          <p:nvPr>
+            <p:ph type="pic" sz="quarter" idx="14"/>
+          </p:nvPr>
+        </p:nvSpPr>
+        <p:spPr>
+          <a:xfrm>
+            <a:off x="313592" y="4536078"/>
+            <a:ext cx="2121877" cy="529698"/>
+          </a:xfrm>
+          <a:prstGeom prst="rect">
+            <a:avLst/>
+          </a:prstGeom>
+        </p:spPr>
+        <p:txBody>
+          <a:bodyPr/>
+          <a:lstStyle/>
+          <a:p>
+            <a:endParaRPr lang="en-US" dirty="0"/>
+          </a:p>
+        </p:txBody>
+      </p:sp>
+      <p:sp>
+        <p:nvSpPr>
           <p:cNvPr id="3" name="Shape 1">
             <a:extLst>
               <a:ext uri="{FF2B5EF4-FFF2-40B4-BE49-F238E27FC236}">
@@ -1324,39 +1357,6 @@
               <a:rPr lang="en-US" dirty="0"/>
               <a:t>Two Column Layout</a:t>
             </a:r>
-          </a:p>
-        </p:txBody>
-      </p:sp>
-      <p:sp>
-        <p:nvSpPr>
-          <p:cNvPr id="10" name="Picture Placeholder 13">
-            <a:extLst>
-              <a:ext uri="{FF2B5EF4-FFF2-40B4-BE49-F238E27FC236}">
-                <a16:creationId xmlns:a16="http://schemas.microsoft.com/office/drawing/2014/main" id="{6A0FA445-7602-F06E-EC73-5504EBF827CC}"/>
-              </a:ext>
-            </a:extLst>
-          </p:cNvPr>
-          <p:cNvSpPr>
-            <a:spLocks noGrp="1"/>
-          </p:cNvSpPr>
-          <p:nvPr>
-            <p:ph type="pic" sz="quarter" idx="14"/>
-          </p:nvPr>
-        </p:nvSpPr>
-        <p:spPr>
-          <a:xfrm>
-            <a:off x="313592" y="4536078"/>
-            <a:ext cx="2121877" cy="529698"/>
-          </a:xfrm>
-          <a:prstGeom prst="rect">
-            <a:avLst/>
-          </a:prstGeom>
-        </p:spPr>
-        <p:txBody>
-          <a:bodyPr/>
-          <a:lstStyle/>
-          <a:p>
-            <a:endParaRPr lang="en-US" dirty="0"/>
           </a:p>
         </p:txBody>
       </p:sp>
@@ -1604,6 +1604,39 @@
       </p:grpSpPr>
       <p:sp>
         <p:nvSpPr>
+          <p:cNvPr id="12" name="Picture Placeholder 13">
+            <a:extLst>
+              <a:ext uri="{FF2B5EF4-FFF2-40B4-BE49-F238E27FC236}">
+                <a16:creationId xmlns:a16="http://schemas.microsoft.com/office/drawing/2014/main" id="{2DB97592-C4D5-B315-7F11-AA14F6EE8A62}"/>
+              </a:ext>
+            </a:extLst>
+          </p:cNvPr>
+          <p:cNvSpPr>
+            <a:spLocks noGrp="1"/>
+          </p:cNvSpPr>
+          <p:nvPr>
+            <p:ph type="pic" sz="quarter" idx="13"/>
+          </p:nvPr>
+        </p:nvSpPr>
+        <p:spPr>
+          <a:xfrm>
+            <a:off x="313592" y="4536078"/>
+            <a:ext cx="2126273" cy="529698"/>
+          </a:xfrm>
+          <a:prstGeom prst="rect">
+            <a:avLst/>
+          </a:prstGeom>
+        </p:spPr>
+        <p:txBody>
+          <a:bodyPr/>
+          <a:lstStyle/>
+          <a:p>
+            <a:endParaRPr lang="en-US" dirty="0"/>
+          </a:p>
+        </p:txBody>
+      </p:sp>
+      <p:sp>
+        <p:nvSpPr>
           <p:cNvPr id="3" name="Shape 1">
             <a:extLst>
               <a:ext uri="{FF2B5EF4-FFF2-40B4-BE49-F238E27FC236}">
@@ -1719,39 +1752,6 @@
           </a:p>
           <a:p>
             <a:pPr lvl="0"/>
-            <a:endParaRPr lang="en-US" dirty="0"/>
-          </a:p>
-        </p:txBody>
-      </p:sp>
-      <p:sp>
-        <p:nvSpPr>
-          <p:cNvPr id="12" name="Picture Placeholder 13">
-            <a:extLst>
-              <a:ext uri="{FF2B5EF4-FFF2-40B4-BE49-F238E27FC236}">
-                <a16:creationId xmlns:a16="http://schemas.microsoft.com/office/drawing/2014/main" id="{2DB97592-C4D5-B315-7F11-AA14F6EE8A62}"/>
-              </a:ext>
-            </a:extLst>
-          </p:cNvPr>
-          <p:cNvSpPr>
-            <a:spLocks noGrp="1"/>
-          </p:cNvSpPr>
-          <p:nvPr>
-            <p:ph type="pic" sz="quarter" idx="13"/>
-          </p:nvPr>
-        </p:nvSpPr>
-        <p:spPr>
-          <a:xfrm>
-            <a:off x="313592" y="4536078"/>
-            <a:ext cx="2126273" cy="529698"/>
-          </a:xfrm>
-          <a:prstGeom prst="rect">
-            <a:avLst/>
-          </a:prstGeom>
-        </p:spPr>
-        <p:txBody>
-          <a:bodyPr/>
-          <a:lstStyle/>
-          <a:p>
             <a:endParaRPr lang="en-US" dirty="0"/>
           </a:p>
         </p:txBody>
@@ -1863,6 +1863,39 @@
       </p:grpSpPr>
       <p:sp>
         <p:nvSpPr>
+          <p:cNvPr id="10" name="Picture Placeholder 13">
+            <a:extLst>
+              <a:ext uri="{FF2B5EF4-FFF2-40B4-BE49-F238E27FC236}">
+                <a16:creationId xmlns:a16="http://schemas.microsoft.com/office/drawing/2014/main" id="{6A0FA445-7602-F06E-EC73-5504EBF827CC}"/>
+              </a:ext>
+            </a:extLst>
+          </p:cNvPr>
+          <p:cNvSpPr>
+            <a:spLocks noGrp="1"/>
+          </p:cNvSpPr>
+          <p:nvPr>
+            <p:ph type="pic" sz="quarter" idx="14"/>
+          </p:nvPr>
+        </p:nvSpPr>
+        <p:spPr>
+          <a:xfrm>
+            <a:off x="313592" y="4536078"/>
+            <a:ext cx="2130670" cy="529698"/>
+          </a:xfrm>
+          <a:prstGeom prst="rect">
+            <a:avLst/>
+          </a:prstGeom>
+        </p:spPr>
+        <p:txBody>
+          <a:bodyPr/>
+          <a:lstStyle/>
+          <a:p>
+            <a:endParaRPr lang="en-US" dirty="0"/>
+          </a:p>
+        </p:txBody>
+      </p:sp>
+      <p:sp>
+        <p:nvSpPr>
           <p:cNvPr id="3" name="Shape 1">
             <a:extLst>
               <a:ext uri="{FF2B5EF4-FFF2-40B4-BE49-F238E27FC236}">
@@ -1952,39 +1985,6 @@
               <a:rPr lang="en-US" dirty="0"/>
               <a:t>Visual Content</a:t>
             </a:r>
-          </a:p>
-        </p:txBody>
-      </p:sp>
-      <p:sp>
-        <p:nvSpPr>
-          <p:cNvPr id="10" name="Picture Placeholder 13">
-            <a:extLst>
-              <a:ext uri="{FF2B5EF4-FFF2-40B4-BE49-F238E27FC236}">
-                <a16:creationId xmlns:a16="http://schemas.microsoft.com/office/drawing/2014/main" id="{6A0FA445-7602-F06E-EC73-5504EBF827CC}"/>
-              </a:ext>
-            </a:extLst>
-          </p:cNvPr>
-          <p:cNvSpPr>
-            <a:spLocks noGrp="1"/>
-          </p:cNvSpPr>
-          <p:nvPr>
-            <p:ph type="pic" sz="quarter" idx="14"/>
-          </p:nvPr>
-        </p:nvSpPr>
-        <p:spPr>
-          <a:xfrm>
-            <a:off x="313592" y="4536078"/>
-            <a:ext cx="2130670" cy="529698"/>
-          </a:xfrm>
-          <a:prstGeom prst="rect">
-            <a:avLst/>
-          </a:prstGeom>
-        </p:spPr>
-        <p:txBody>
-          <a:bodyPr/>
-          <a:lstStyle/>
-          <a:p>
-            <a:endParaRPr lang="en-US" dirty="0"/>
           </a:p>
         </p:txBody>
       </p:sp>
@@ -2180,6 +2180,39 @@
       </p:grpSpPr>
       <p:sp>
         <p:nvSpPr>
+          <p:cNvPr id="10" name="Picture Placeholder 13">
+            <a:extLst>
+              <a:ext uri="{FF2B5EF4-FFF2-40B4-BE49-F238E27FC236}">
+                <a16:creationId xmlns:a16="http://schemas.microsoft.com/office/drawing/2014/main" id="{6A0FA445-7602-F06E-EC73-5504EBF827CC}"/>
+              </a:ext>
+            </a:extLst>
+          </p:cNvPr>
+          <p:cNvSpPr>
+            <a:spLocks noGrp="1"/>
+          </p:cNvSpPr>
+          <p:nvPr>
+            <p:ph type="pic" sz="quarter" idx="14"/>
+          </p:nvPr>
+        </p:nvSpPr>
+        <p:spPr>
+          <a:xfrm>
+            <a:off x="313592" y="4536078"/>
+            <a:ext cx="2104294" cy="529698"/>
+          </a:xfrm>
+          <a:prstGeom prst="rect">
+            <a:avLst/>
+          </a:prstGeom>
+        </p:spPr>
+        <p:txBody>
+          <a:bodyPr/>
+          <a:lstStyle/>
+          <a:p>
+            <a:endParaRPr lang="en-US" dirty="0"/>
+          </a:p>
+        </p:txBody>
+      </p:sp>
+      <p:sp>
+        <p:nvSpPr>
           <p:cNvPr id="3" name="Shape 1">
             <a:extLst>
               <a:ext uri="{FF2B5EF4-FFF2-40B4-BE49-F238E27FC236}">
@@ -2269,39 +2302,6 @@
               <a:rPr lang="en-US" dirty="0"/>
               <a:t>Data Visualization</a:t>
             </a:r>
-          </a:p>
-        </p:txBody>
-      </p:sp>
-      <p:sp>
-        <p:nvSpPr>
-          <p:cNvPr id="10" name="Picture Placeholder 13">
-            <a:extLst>
-              <a:ext uri="{FF2B5EF4-FFF2-40B4-BE49-F238E27FC236}">
-                <a16:creationId xmlns:a16="http://schemas.microsoft.com/office/drawing/2014/main" id="{6A0FA445-7602-F06E-EC73-5504EBF827CC}"/>
-              </a:ext>
-            </a:extLst>
-          </p:cNvPr>
-          <p:cNvSpPr>
-            <a:spLocks noGrp="1"/>
-          </p:cNvSpPr>
-          <p:nvPr>
-            <p:ph type="pic" sz="quarter" idx="14"/>
-          </p:nvPr>
-        </p:nvSpPr>
-        <p:spPr>
-          <a:xfrm>
-            <a:off x="313592" y="4536078"/>
-            <a:ext cx="2104294" cy="529698"/>
-          </a:xfrm>
-          <a:prstGeom prst="rect">
-            <a:avLst/>
-          </a:prstGeom>
-        </p:spPr>
-        <p:txBody>
-          <a:bodyPr/>
-          <a:lstStyle/>
-          <a:p>
-            <a:endParaRPr lang="en-US" dirty="0"/>
           </a:p>
         </p:txBody>
       </p:sp>
@@ -3423,7 +3423,7 @@
       <p:grpSpPr/>
       <p:sp>
         <p:nvSpPr>
-          <p:cNvPr id="2" name="Text Placeholder 1"/>
+          <p:cNvPr id="3" name="Text Placeholder 2"/>
           <p:cNvSpPr>
             <a:spLocks noGrp="1"/>
           </p:cNvSpPr>
@@ -3727,7 +3727,7 @@
       <p:grpSpPr/>
       <p:sp>
         <p:nvSpPr>
-          <p:cNvPr id="2" name="Text Placeholder 1"/>
+          <p:cNvPr id="3" name="Text Placeholder 2"/>
           <p:cNvSpPr>
             <a:spLocks noGrp="1"/>
           </p:cNvSpPr>
@@ -3902,7 +3902,7 @@
       <p:grpSpPr/>
       <p:sp>
         <p:nvSpPr>
-          <p:cNvPr id="2" name="Text Placeholder 1"/>
+          <p:cNvPr id="3" name="Text Placeholder 2"/>
           <p:cNvSpPr>
             <a:spLocks noGrp="1"/>
           </p:cNvSpPr>
@@ -4780,7 +4780,7 @@
       <p:grpSpPr/>
       <p:sp>
         <p:nvSpPr>
-          <p:cNvPr id="2" name="Text Placeholder 1"/>
+          <p:cNvPr id="3" name="Text Placeholder 2"/>
           <p:cNvSpPr>
             <a:spLocks noGrp="1"/>
           </p:cNvSpPr>
@@ -4981,7 +4981,7 @@
       <p:grpSpPr/>
       <p:sp>
         <p:nvSpPr>
-          <p:cNvPr id="2" name="Text Placeholder 1"/>
+          <p:cNvPr id="3" name="Text Placeholder 2"/>
           <p:cNvSpPr>
             <a:spLocks noGrp="1"/>
           </p:cNvSpPr>
@@ -5174,7 +5174,7 @@
       <p:grpSpPr/>
       <p:sp>
         <p:nvSpPr>
-          <p:cNvPr id="2" name="Text Placeholder 1"/>
+          <p:cNvPr id="3" name="Text Placeholder 2"/>
           <p:cNvSpPr>
             <a:spLocks noGrp="1"/>
           </p:cNvSpPr>
@@ -5593,7 +5593,7 @@
       <p:grpSpPr/>
       <p:sp>
         <p:nvSpPr>
-          <p:cNvPr id="2" name="Text Placeholder 1"/>
+          <p:cNvPr id="3" name="Text Placeholder 2"/>
           <p:cNvSpPr>
             <a:spLocks noGrp="1"/>
           </p:cNvSpPr>
@@ -5766,7 +5766,7 @@
       <p:grpSpPr/>
       <p:sp>
         <p:nvSpPr>
-          <p:cNvPr id="2" name="Text Placeholder 1"/>
+          <p:cNvPr id="3" name="Text Placeholder 2"/>
           <p:cNvSpPr>
             <a:spLocks noGrp="1"/>
           </p:cNvSpPr>
@@ -5953,7 +5953,7 @@
       <p:grpSpPr/>
       <p:sp>
         <p:nvSpPr>
-          <p:cNvPr id="2" name="Text Placeholder 1"/>
+          <p:cNvPr id="3" name="Text Placeholder 2"/>
           <p:cNvSpPr>
             <a:spLocks noGrp="1"/>
           </p:cNvSpPr>

--- a/solutions/azure/cloud/enterprise-landing-zone/presales/solution-briefing.pptx
+++ b/solutions/azure/cloud/enterprise-landing-zone/presales/solution-briefing.pptx
@@ -3326,7 +3326,7 @@
           <a:lstStyle/>
           <a:p>
             <a:r>
-              <a:t>Alison Smith | November 22, 2025</a:t>
+              <a:t>Alison Smith | November 24, 2025</a:t>
             </a:r>
           </a:p>
         </p:txBody>
@@ -6176,41 +6176,7 @@
                     <a:p>
                       <a:r>
                         <a:rPr sz="1100"/>
-                        <a:t>$134,000</a:t>
-                      </a:r>
-                    </a:p>
-                  </a:txBody>
-                  <a:tcPr>
-                    <a:solidFill>
-                      <a:srgbClr val="E7E6E6"/>
-                    </a:solidFill>
-                  </a:tcPr>
-                </a:tc>
-                <a:tc>
-                  <a:txBody>
-                    <a:bodyPr/>
-                    <a:lstStyle/>
-                    <a:p>
-                      <a:r>
-                        <a:rPr sz="1100"/>
-                        <a:t>($15,000)</a:t>
-                      </a:r>
-                    </a:p>
-                  </a:txBody>
-                  <a:tcPr>
-                    <a:solidFill>
-                      <a:srgbClr val="E7E6E6"/>
-                    </a:solidFill>
-                  </a:tcPr>
-                </a:tc>
-                <a:tc>
-                  <a:txBody>
-                    <a:bodyPr/>
-                    <a:lstStyle/>
-                    <a:p>
-                      <a:r>
-                        <a:rPr sz="1100"/>
-                        <a:t>$119,000</a:t>
+                        <a:t>$0</a:t>
                       </a:r>
                     </a:p>
                   </a:txBody>
@@ -6261,7 +6227,41 @@
                     <a:p>
                       <a:r>
                         <a:rPr sz="1100"/>
-                        <a:t>$119,000</a:t>
+                        <a:t>$0</a:t>
+                      </a:r>
+                    </a:p>
+                  </a:txBody>
+                  <a:tcPr>
+                    <a:solidFill>
+                      <a:srgbClr val="E7E6E6"/>
+                    </a:solidFill>
+                  </a:tcPr>
+                </a:tc>
+                <a:tc>
+                  <a:txBody>
+                    <a:bodyPr/>
+                    <a:lstStyle/>
+                    <a:p>
+                      <a:r>
+                        <a:rPr sz="1100"/>
+                        <a:t>$0</a:t>
+                      </a:r>
+                    </a:p>
+                  </a:txBody>
+                  <a:tcPr>
+                    <a:solidFill>
+                      <a:srgbClr val="E7E6E6"/>
+                    </a:solidFill>
+                  </a:tcPr>
+                </a:tc>
+                <a:tc>
+                  <a:txBody>
+                    <a:bodyPr/>
+                    <a:lstStyle/>
+                    <a:p>
+                      <a:r>
+                        <a:rPr sz="1100"/>
+                        <a:t>$0</a:t>
                       </a:r>
                     </a:p>
                   </a:txBody>
@@ -6280,7 +6280,7 @@
                     <a:p>
                       <a:r>
                         <a:rPr sz="1100"/>
-                        <a:t>Cloud Infrastructure</a:t>
+                        <a:t>Cloud Services</a:t>
                       </a:r>
                     </a:p>
                   </a:txBody>
@@ -6660,7 +6660,7 @@
                     <a:p>
                       <a:r>
                         <a:rPr b="1" sz="1100"/>
-                        <a:t>$246,020</a:t>
+                        <a:t>$112,020</a:t>
                       </a:r>
                     </a:p>
                   </a:txBody>
@@ -6677,24 +6677,7 @@
                     <a:p>
                       <a:r>
                         <a:rPr b="1" sz="1100"/>
-                        <a:t>($15,000)</a:t>
-                      </a:r>
-                    </a:p>
-                  </a:txBody>
-                  <a:tcPr>
-                    <a:solidFill>
-                      <a:srgbClr val="E7E6E6"/>
-                    </a:solidFill>
-                  </a:tcPr>
-                </a:tc>
-                <a:tc>
-                  <a:txBody>
-                    <a:bodyPr/>
-                    <a:lstStyle/>
-                    <a:p>
-                      <a:r>
-                        <a:rPr b="1" sz="1100"/>
-                        <a:t>$231,020</a:t>
+                        <a:t>$0</a:t>
                       </a:r>
                     </a:p>
                   </a:txBody>
@@ -6745,7 +6728,24 @@
                     <a:p>
                       <a:r>
                         <a:rPr b="1" sz="1100"/>
-                        <a:t>$455,060</a:t>
+                        <a:t>$112,020</a:t>
+                      </a:r>
+                    </a:p>
+                  </a:txBody>
+                  <a:tcPr>
+                    <a:solidFill>
+                      <a:srgbClr val="E7E6E6"/>
+                    </a:solidFill>
+                  </a:tcPr>
+                </a:tc>
+                <a:tc>
+                  <a:txBody>
+                    <a:bodyPr/>
+                    <a:lstStyle/>
+                    <a:p>
+                      <a:r>
+                        <a:rPr b="1" sz="1100"/>
+                        <a:t>$336,060</a:t>
                       </a:r>
                     </a:p>
                   </a:txBody>
